--- a/images/figures.pptx
+++ b/images/figures.pptx
@@ -9,6 +9,7 @@
     <p:sldId id="257" r:id="rId3"/>
     <p:sldId id="258" r:id="rId4"/>
     <p:sldId id="259" r:id="rId5"/>
+    <p:sldId id="260" r:id="rId6"/>
   </p:sldIdLst>
   <p:sldSz cx="12192000" cy="6858000"/>
   <p:notesSz cx="6858000" cy="9144000"/>
@@ -107,6 +108,11 @@
       </a:defRPr>
     </a:lvl9pPr>
   </p:defaultTextStyle>
+  <p:extLst>
+    <p:ext uri="{EFAFB233-063F-42B5-8137-9DF3F51BA10A}">
+      <p15:sldGuideLst xmlns:p15="http://schemas.microsoft.com/office/powerpoint/2012/main"/>
+    </p:ext>
+  </p:extLst>
 </p:presentation>
 </file>
 
@@ -6690,6 +6696,1070 @@
 </p:sld>
 </file>
 
+<file path=ppt/slides/slide5.xml><?xml version="1.0" encoding="utf-8"?>
+<p:sld xmlns:a="http://schemas.openxmlformats.org/drawingml/2006/main" xmlns:r="http://schemas.openxmlformats.org/officeDocument/2006/relationships" xmlns:p="http://schemas.openxmlformats.org/presentationml/2006/main">
+  <p:cSld>
+    <p:spTree>
+      <p:nvGrpSpPr>
+        <p:cNvPr id="1" name=""/>
+        <p:cNvGrpSpPr/>
+        <p:nvPr/>
+      </p:nvGrpSpPr>
+      <p:grpSpPr>
+        <a:xfrm>
+          <a:off x="0" y="0"/>
+          <a:ext cx="0" cy="0"/>
+          <a:chOff x="0" y="0"/>
+          <a:chExt cx="0" cy="0"/>
+        </a:xfrm>
+      </p:grpSpPr>
+      <p:sp>
+        <p:nvSpPr>
+          <p:cNvPr id="35" name="吹き出し: 四角形 34">
+            <a:extLst>
+              <a:ext uri="{FF2B5EF4-FFF2-40B4-BE49-F238E27FC236}">
+                <a16:creationId xmlns:a16="http://schemas.microsoft.com/office/drawing/2014/main" id="{B7B2DB23-42AD-1C88-6F9C-AE9BA279C2BE}"/>
+              </a:ext>
+            </a:extLst>
+          </p:cNvPr>
+          <p:cNvSpPr/>
+          <p:nvPr/>
+        </p:nvSpPr>
+        <p:spPr>
+          <a:xfrm>
+            <a:off x="868044" y="2138556"/>
+            <a:ext cx="1927065" cy="1592092"/>
+          </a:xfrm>
+          <a:prstGeom prst="wedgeRectCallout">
+            <a:avLst>
+              <a:gd name="adj1" fmla="val -3842"/>
+              <a:gd name="adj2" fmla="val -88432"/>
+            </a:avLst>
+          </a:prstGeom>
+        </p:spPr>
+        <p:style>
+          <a:lnRef idx="2">
+            <a:schemeClr val="accent1"/>
+          </a:lnRef>
+          <a:fillRef idx="1">
+            <a:schemeClr val="lt1"/>
+          </a:fillRef>
+          <a:effectRef idx="0">
+            <a:schemeClr val="accent1"/>
+          </a:effectRef>
+          <a:fontRef idx="minor">
+            <a:schemeClr val="dk1"/>
+          </a:fontRef>
+        </p:style>
+        <p:txBody>
+          <a:bodyPr rtlCol="0" anchor="ctr"/>
+          <a:lstStyle/>
+          <a:p>
+            <a:endParaRPr kumimoji="1" lang="ja-JP" altLang="en-US" sz="1400" dirty="0"/>
+          </a:p>
+        </p:txBody>
+      </p:sp>
+      <p:pic>
+        <p:nvPicPr>
+          <p:cNvPr id="3" name="グラフィックス 2">
+            <a:extLst>
+              <a:ext uri="{FF2B5EF4-FFF2-40B4-BE49-F238E27FC236}">
+                <a16:creationId xmlns:a16="http://schemas.microsoft.com/office/drawing/2014/main" id="{F1AF65CB-2829-0625-8C55-74B7B2B36F5E}"/>
+              </a:ext>
+            </a:extLst>
+          </p:cNvPr>
+          <p:cNvPicPr>
+            <a:picLocks noChangeAspect="1"/>
+          </p:cNvPicPr>
+          <p:nvPr/>
+        </p:nvPicPr>
+        <p:blipFill>
+          <a:blip r:embed="rId2">
+            <a:extLst>
+              <a:ext uri="{28A0092B-C50C-407E-A947-70E740481C1C}">
+                <a14:useLocalDpi xmlns:a14="http://schemas.microsoft.com/office/drawing/2010/main" val="0"/>
+              </a:ext>
+              <a:ext uri="{96DAC541-7B7A-43D3-8B79-37D633B846F1}">
+                <asvg:svgBlip xmlns:asvg="http://schemas.microsoft.com/office/drawing/2016/SVG/main" r:embed="rId3"/>
+              </a:ext>
+            </a:extLst>
+          </a:blip>
+          <a:stretch>
+            <a:fillRect/>
+          </a:stretch>
+        </p:blipFill>
+        <p:spPr>
+          <a:xfrm>
+            <a:off x="1498568" y="1152619"/>
+            <a:ext cx="556846" cy="556846"/>
+          </a:xfrm>
+          <a:prstGeom prst="rect">
+            <a:avLst/>
+          </a:prstGeom>
+        </p:spPr>
+      </p:pic>
+      <p:pic>
+        <p:nvPicPr>
+          <p:cNvPr id="7" name="グラフィックス 6">
+            <a:extLst>
+              <a:ext uri="{FF2B5EF4-FFF2-40B4-BE49-F238E27FC236}">
+                <a16:creationId xmlns:a16="http://schemas.microsoft.com/office/drawing/2014/main" id="{E47A882B-2022-670C-EA69-4CDE0F9ACF77}"/>
+              </a:ext>
+            </a:extLst>
+          </p:cNvPr>
+          <p:cNvPicPr>
+            <a:picLocks noChangeAspect="1"/>
+          </p:cNvPicPr>
+          <p:nvPr/>
+        </p:nvPicPr>
+        <p:blipFill>
+          <a:blip r:embed="rId4">
+            <a:extLst>
+              <a:ext uri="{28A0092B-C50C-407E-A947-70E740481C1C}">
+                <a14:useLocalDpi xmlns:a14="http://schemas.microsoft.com/office/drawing/2010/main" val="0"/>
+              </a:ext>
+              <a:ext uri="{96DAC541-7B7A-43D3-8B79-37D633B846F1}">
+                <asvg:svgBlip xmlns:asvg="http://schemas.microsoft.com/office/drawing/2016/SVG/main" r:embed="rId5"/>
+              </a:ext>
+            </a:extLst>
+          </a:blip>
+          <a:stretch>
+            <a:fillRect/>
+          </a:stretch>
+        </p:blipFill>
+        <p:spPr>
+          <a:xfrm>
+            <a:off x="5372721" y="1152619"/>
+            <a:ext cx="591895" cy="591895"/>
+          </a:xfrm>
+          <a:prstGeom prst="rect">
+            <a:avLst/>
+          </a:prstGeom>
+        </p:spPr>
+      </p:pic>
+      <p:sp>
+        <p:nvSpPr>
+          <p:cNvPr id="8" name="テキスト ボックス 7">
+            <a:extLst>
+              <a:ext uri="{FF2B5EF4-FFF2-40B4-BE49-F238E27FC236}">
+                <a16:creationId xmlns:a16="http://schemas.microsoft.com/office/drawing/2014/main" id="{15E1FE9F-0BE9-114D-11EB-D0408908B79F}"/>
+              </a:ext>
+            </a:extLst>
+          </p:cNvPr>
+          <p:cNvSpPr txBox="1"/>
+          <p:nvPr/>
+        </p:nvSpPr>
+        <p:spPr>
+          <a:xfrm>
+            <a:off x="4466877" y="783287"/>
+            <a:ext cx="2539478" cy="369332"/>
+          </a:xfrm>
+          <a:prstGeom prst="rect">
+            <a:avLst/>
+          </a:prstGeom>
+          <a:noFill/>
+        </p:spPr>
+        <p:txBody>
+          <a:bodyPr wrap="none" rtlCol="0">
+            <a:spAutoFit/>
+          </a:bodyPr>
+          <a:lstStyle/>
+          <a:p>
+            <a:r>
+              <a:rPr kumimoji="1" lang="en-US" altLang="ja-JP" dirty="0"/>
+              <a:t>Azure Active Directory</a:t>
+            </a:r>
+            <a:endParaRPr kumimoji="1" lang="ja-JP" altLang="en-US" dirty="0"/>
+          </a:p>
+        </p:txBody>
+      </p:sp>
+      <p:sp>
+        <p:nvSpPr>
+          <p:cNvPr id="10" name="吹き出し: 四角形 9">
+            <a:extLst>
+              <a:ext uri="{FF2B5EF4-FFF2-40B4-BE49-F238E27FC236}">
+                <a16:creationId xmlns:a16="http://schemas.microsoft.com/office/drawing/2014/main" id="{DC4FD5FB-7DFC-065E-354B-B7EC74052DE1}"/>
+              </a:ext>
+            </a:extLst>
+          </p:cNvPr>
+          <p:cNvSpPr/>
+          <p:nvPr/>
+        </p:nvSpPr>
+        <p:spPr>
+          <a:xfrm>
+            <a:off x="4773085" y="2155787"/>
+            <a:ext cx="1927065" cy="1592092"/>
+          </a:xfrm>
+          <a:prstGeom prst="wedgeRectCallout">
+            <a:avLst>
+              <a:gd name="adj1" fmla="val -3842"/>
+              <a:gd name="adj2" fmla="val -88432"/>
+            </a:avLst>
+          </a:prstGeom>
+        </p:spPr>
+        <p:style>
+          <a:lnRef idx="2">
+            <a:schemeClr val="accent1"/>
+          </a:lnRef>
+          <a:fillRef idx="1">
+            <a:schemeClr val="lt1"/>
+          </a:fillRef>
+          <a:effectRef idx="0">
+            <a:schemeClr val="accent1"/>
+          </a:effectRef>
+          <a:fontRef idx="minor">
+            <a:schemeClr val="dk1"/>
+          </a:fontRef>
+        </p:style>
+        <p:txBody>
+          <a:bodyPr rtlCol="0" anchor="ctr"/>
+          <a:lstStyle/>
+          <a:p>
+            <a:endParaRPr kumimoji="1" lang="ja-JP" altLang="en-US" sz="1400" dirty="0"/>
+          </a:p>
+        </p:txBody>
+      </p:sp>
+      <p:sp>
+        <p:nvSpPr>
+          <p:cNvPr id="11" name="四角形: 角を丸くする 10">
+            <a:extLst>
+              <a:ext uri="{FF2B5EF4-FFF2-40B4-BE49-F238E27FC236}">
+                <a16:creationId xmlns:a16="http://schemas.microsoft.com/office/drawing/2014/main" id="{FDCF9A3D-52D5-7AF9-31E2-3F93B771A78E}"/>
+              </a:ext>
+            </a:extLst>
+          </p:cNvPr>
+          <p:cNvSpPr/>
+          <p:nvPr/>
+        </p:nvSpPr>
+        <p:spPr>
+          <a:xfrm>
+            <a:off x="5060946" y="2640730"/>
+            <a:ext cx="1351341" cy="462205"/>
+          </a:xfrm>
+          <a:prstGeom prst="roundRect">
+            <a:avLst/>
+          </a:prstGeom>
+        </p:spPr>
+        <p:style>
+          <a:lnRef idx="2">
+            <a:schemeClr val="accent1">
+              <a:shade val="50000"/>
+            </a:schemeClr>
+          </a:lnRef>
+          <a:fillRef idx="1">
+            <a:schemeClr val="accent1"/>
+          </a:fillRef>
+          <a:effectRef idx="0">
+            <a:schemeClr val="accent1"/>
+          </a:effectRef>
+          <a:fontRef idx="minor">
+            <a:schemeClr val="lt1"/>
+          </a:fontRef>
+        </p:style>
+        <p:txBody>
+          <a:bodyPr rtlCol="0" anchor="ctr"/>
+          <a:lstStyle/>
+          <a:p>
+            <a:pPr algn="ctr"/>
+            <a:r>
+              <a:rPr kumimoji="1" lang="en-US" altLang="ja-JP" sz="1400" dirty="0"/>
+              <a:t>Application</a:t>
+            </a:r>
+            <a:endParaRPr kumimoji="1" lang="ja-JP" altLang="en-US" sz="1400" dirty="0"/>
+          </a:p>
+        </p:txBody>
+      </p:sp>
+      <p:pic>
+        <p:nvPicPr>
+          <p:cNvPr id="15" name="図 14" descr="アイコン が含まれている画像&#10;&#10;自動的に生成された説明">
+            <a:extLst>
+              <a:ext uri="{FF2B5EF4-FFF2-40B4-BE49-F238E27FC236}">
+                <a16:creationId xmlns:a16="http://schemas.microsoft.com/office/drawing/2014/main" id="{D6DC3A4A-7040-83AB-8FF6-A7B8C4A21F32}"/>
+              </a:ext>
+            </a:extLst>
+          </p:cNvPr>
+          <p:cNvPicPr>
+            <a:picLocks noChangeAspect="1"/>
+          </p:cNvPicPr>
+          <p:nvPr/>
+        </p:nvPicPr>
+        <p:blipFill>
+          <a:blip r:embed="rId6">
+            <a:clrChange>
+              <a:clrFrom>
+                <a:srgbClr val="FFFFFF"/>
+              </a:clrFrom>
+              <a:clrTo>
+                <a:srgbClr val="FFFFFF">
+                  <a:alpha val="0"/>
+                </a:srgbClr>
+              </a:clrTo>
+            </a:clrChange>
+            <a:extLst>
+              <a:ext uri="{28A0092B-C50C-407E-A947-70E740481C1C}">
+                <a14:useLocalDpi xmlns:a14="http://schemas.microsoft.com/office/drawing/2010/main" val="0"/>
+              </a:ext>
+            </a:extLst>
+          </a:blip>
+          <a:stretch>
+            <a:fillRect/>
+          </a:stretch>
+        </p:blipFill>
+        <p:spPr>
+          <a:xfrm>
+            <a:off x="9431802" y="1183808"/>
+            <a:ext cx="623775" cy="623775"/>
+          </a:xfrm>
+          <a:prstGeom prst="rect">
+            <a:avLst/>
+          </a:prstGeom>
+        </p:spPr>
+      </p:pic>
+      <p:sp>
+        <p:nvSpPr>
+          <p:cNvPr id="17" name="テキスト ボックス 16">
+            <a:extLst>
+              <a:ext uri="{FF2B5EF4-FFF2-40B4-BE49-F238E27FC236}">
+                <a16:creationId xmlns:a16="http://schemas.microsoft.com/office/drawing/2014/main" id="{5BC1940B-B8EA-B4F6-4D68-D690958FD7F3}"/>
+              </a:ext>
+            </a:extLst>
+          </p:cNvPr>
+          <p:cNvSpPr txBox="1"/>
+          <p:nvPr/>
+        </p:nvSpPr>
+        <p:spPr>
+          <a:xfrm>
+            <a:off x="9350793" y="787162"/>
+            <a:ext cx="785793" cy="369332"/>
+          </a:xfrm>
+          <a:prstGeom prst="rect">
+            <a:avLst/>
+          </a:prstGeom>
+          <a:noFill/>
+        </p:spPr>
+        <p:txBody>
+          <a:bodyPr wrap="none" rtlCol="0">
+            <a:spAutoFit/>
+          </a:bodyPr>
+          <a:lstStyle/>
+          <a:p>
+            <a:r>
+              <a:rPr kumimoji="1" lang="en-US" altLang="ja-JP" dirty="0"/>
+              <a:t>Azure</a:t>
+            </a:r>
+            <a:endParaRPr kumimoji="1" lang="ja-JP" altLang="en-US" dirty="0"/>
+          </a:p>
+        </p:txBody>
+      </p:sp>
+      <p:sp>
+        <p:nvSpPr>
+          <p:cNvPr id="19" name="吹き出し: 四角形 18">
+            <a:extLst>
+              <a:ext uri="{FF2B5EF4-FFF2-40B4-BE49-F238E27FC236}">
+                <a16:creationId xmlns:a16="http://schemas.microsoft.com/office/drawing/2014/main" id="{3B5F28C9-A10C-F620-3465-DF0211E60170}"/>
+              </a:ext>
+            </a:extLst>
+          </p:cNvPr>
+          <p:cNvSpPr/>
+          <p:nvPr/>
+        </p:nvSpPr>
+        <p:spPr>
+          <a:xfrm>
+            <a:off x="8780156" y="2155787"/>
+            <a:ext cx="1927065" cy="1592092"/>
+          </a:xfrm>
+          <a:prstGeom prst="wedgeRectCallout">
+            <a:avLst>
+              <a:gd name="adj1" fmla="val -3842"/>
+              <a:gd name="adj2" fmla="val -88432"/>
+            </a:avLst>
+          </a:prstGeom>
+        </p:spPr>
+        <p:style>
+          <a:lnRef idx="2">
+            <a:schemeClr val="accent1"/>
+          </a:lnRef>
+          <a:fillRef idx="1">
+            <a:schemeClr val="lt1"/>
+          </a:fillRef>
+          <a:effectRef idx="0">
+            <a:schemeClr val="accent1"/>
+          </a:effectRef>
+          <a:fontRef idx="minor">
+            <a:schemeClr val="dk1"/>
+          </a:fontRef>
+        </p:style>
+        <p:txBody>
+          <a:bodyPr rtlCol="0" anchor="ctr"/>
+          <a:lstStyle/>
+          <a:p>
+            <a:endParaRPr kumimoji="1" lang="ja-JP" altLang="en-US" sz="1400" dirty="0"/>
+          </a:p>
+        </p:txBody>
+      </p:sp>
+      <p:sp>
+        <p:nvSpPr>
+          <p:cNvPr id="21" name="四角形: 角を丸くする 20">
+            <a:extLst>
+              <a:ext uri="{FF2B5EF4-FFF2-40B4-BE49-F238E27FC236}">
+                <a16:creationId xmlns:a16="http://schemas.microsoft.com/office/drawing/2014/main" id="{E9B29DB5-B457-0682-ACD7-90CCD8B7AD2A}"/>
+              </a:ext>
+            </a:extLst>
+          </p:cNvPr>
+          <p:cNvSpPr/>
+          <p:nvPr/>
+        </p:nvSpPr>
+        <p:spPr>
+          <a:xfrm>
+            <a:off x="9068017" y="2640729"/>
+            <a:ext cx="1351341" cy="462205"/>
+          </a:xfrm>
+          <a:prstGeom prst="roundRect">
+            <a:avLst/>
+          </a:prstGeom>
+        </p:spPr>
+        <p:style>
+          <a:lnRef idx="2">
+            <a:schemeClr val="accent1">
+              <a:shade val="50000"/>
+            </a:schemeClr>
+          </a:lnRef>
+          <a:fillRef idx="1">
+            <a:schemeClr val="accent1"/>
+          </a:fillRef>
+          <a:effectRef idx="0">
+            <a:schemeClr val="accent1"/>
+          </a:effectRef>
+          <a:fontRef idx="minor">
+            <a:schemeClr val="lt1"/>
+          </a:fontRef>
+        </p:style>
+        <p:txBody>
+          <a:bodyPr rtlCol="0" anchor="ctr"/>
+          <a:lstStyle/>
+          <a:p>
+            <a:pPr algn="ctr"/>
+            <a:r>
+              <a:rPr kumimoji="1" lang="en-US" altLang="ja-JP" sz="1400" dirty="0"/>
+              <a:t>Subscription</a:t>
+            </a:r>
+            <a:endParaRPr kumimoji="1" lang="ja-JP" altLang="en-US" sz="1400" dirty="0"/>
+          </a:p>
+        </p:txBody>
+      </p:sp>
+      <p:cxnSp>
+        <p:nvCxnSpPr>
+          <p:cNvPr id="23" name="直線矢印コネクタ 22">
+            <a:extLst>
+              <a:ext uri="{FF2B5EF4-FFF2-40B4-BE49-F238E27FC236}">
+                <a16:creationId xmlns:a16="http://schemas.microsoft.com/office/drawing/2014/main" id="{9776F593-1A27-2F34-E550-A95CE1E5F061}"/>
+              </a:ext>
+            </a:extLst>
+          </p:cNvPr>
+          <p:cNvCxnSpPr>
+            <a:cxnSpLocks/>
+          </p:cNvCxnSpPr>
+          <p:nvPr/>
+        </p:nvCxnSpPr>
+        <p:spPr>
+          <a:xfrm>
+            <a:off x="2629390" y="2891744"/>
+            <a:ext cx="2324634" cy="0"/>
+          </a:xfrm>
+          <a:prstGeom prst="straightConnector1">
+            <a:avLst/>
+          </a:prstGeom>
+          <a:ln w="28575" cap="flat" cmpd="sng" algn="ctr">
+            <a:solidFill>
+              <a:schemeClr val="dk1"/>
+            </a:solidFill>
+            <a:prstDash val="solid"/>
+            <a:round/>
+            <a:headEnd type="none" w="med" len="med"/>
+            <a:tailEnd type="arrow" w="med" len="med"/>
+          </a:ln>
+        </p:spPr>
+        <p:style>
+          <a:lnRef idx="0">
+            <a:scrgbClr r="0" g="0" b="0"/>
+          </a:lnRef>
+          <a:fillRef idx="0">
+            <a:scrgbClr r="0" g="0" b="0"/>
+          </a:fillRef>
+          <a:effectRef idx="0">
+            <a:scrgbClr r="0" g="0" b="0"/>
+          </a:effectRef>
+          <a:fontRef idx="minor">
+            <a:schemeClr val="tx1"/>
+          </a:fontRef>
+        </p:style>
+      </p:cxnSp>
+      <p:cxnSp>
+        <p:nvCxnSpPr>
+          <p:cNvPr id="25" name="直線矢印コネクタ 24">
+            <a:extLst>
+              <a:ext uri="{FF2B5EF4-FFF2-40B4-BE49-F238E27FC236}">
+                <a16:creationId xmlns:a16="http://schemas.microsoft.com/office/drawing/2014/main" id="{EA90BA8A-E32C-5582-FA99-F4442EB8119E}"/>
+              </a:ext>
+            </a:extLst>
+          </p:cNvPr>
+          <p:cNvCxnSpPr>
+            <a:cxnSpLocks/>
+          </p:cNvCxnSpPr>
+          <p:nvPr/>
+        </p:nvCxnSpPr>
+        <p:spPr>
+          <a:xfrm>
+            <a:off x="6479388" y="2866445"/>
+            <a:ext cx="2557097" cy="0"/>
+          </a:xfrm>
+          <a:prstGeom prst="straightConnector1">
+            <a:avLst/>
+          </a:prstGeom>
+          <a:ln w="28575" cap="flat" cmpd="sng" algn="ctr">
+            <a:solidFill>
+              <a:schemeClr val="dk1"/>
+            </a:solidFill>
+            <a:prstDash val="solid"/>
+            <a:round/>
+            <a:headEnd type="none" w="med" len="med"/>
+            <a:tailEnd type="arrow" w="med" len="med"/>
+          </a:ln>
+        </p:spPr>
+        <p:style>
+          <a:lnRef idx="0">
+            <a:scrgbClr r="0" g="0" b="0"/>
+          </a:lnRef>
+          <a:fillRef idx="0">
+            <a:scrgbClr r="0" g="0" b="0"/>
+          </a:fillRef>
+          <a:effectRef idx="0">
+            <a:scrgbClr r="0" g="0" b="0"/>
+          </a:effectRef>
+          <a:fontRef idx="minor">
+            <a:schemeClr val="tx1"/>
+          </a:fontRef>
+        </p:style>
+      </p:cxnSp>
+      <p:sp>
+        <p:nvSpPr>
+          <p:cNvPr id="27" name="テキスト ボックス 26">
+            <a:extLst>
+              <a:ext uri="{FF2B5EF4-FFF2-40B4-BE49-F238E27FC236}">
+                <a16:creationId xmlns:a16="http://schemas.microsoft.com/office/drawing/2014/main" id="{2B47AEC9-E98E-D6FA-E31B-D2F824104B93}"/>
+              </a:ext>
+            </a:extLst>
+          </p:cNvPr>
+          <p:cNvSpPr txBox="1"/>
+          <p:nvPr/>
+        </p:nvSpPr>
+        <p:spPr>
+          <a:xfrm rot="19158532">
+            <a:off x="3324460" y="2780713"/>
+            <a:ext cx="1148168" cy="307777"/>
+          </a:xfrm>
+          <a:prstGeom prst="rect">
+            <a:avLst/>
+          </a:prstGeom>
+        </p:spPr>
+        <p:style>
+          <a:lnRef idx="1">
+            <a:schemeClr val="accent2"/>
+          </a:lnRef>
+          <a:fillRef idx="3">
+            <a:schemeClr val="accent2"/>
+          </a:fillRef>
+          <a:effectRef idx="2">
+            <a:schemeClr val="accent2"/>
+          </a:effectRef>
+          <a:fontRef idx="minor">
+            <a:schemeClr val="lt1"/>
+          </a:fontRef>
+        </p:style>
+        <p:txBody>
+          <a:bodyPr wrap="square" rtlCol="0" anchor="ctr">
+            <a:spAutoFit/>
+          </a:bodyPr>
+          <a:lstStyle/>
+          <a:p>
+            <a:pPr algn="ctr"/>
+            <a:r>
+              <a:rPr kumimoji="1" lang="en-US" altLang="ja-JP" sz="1400" dirty="0"/>
+              <a:t>federation</a:t>
+            </a:r>
+            <a:endParaRPr kumimoji="1" lang="ja-JP" altLang="en-US" sz="1400" dirty="0"/>
+          </a:p>
+        </p:txBody>
+      </p:sp>
+      <p:sp>
+        <p:nvSpPr>
+          <p:cNvPr id="29" name="テキスト ボックス 28">
+            <a:extLst>
+              <a:ext uri="{FF2B5EF4-FFF2-40B4-BE49-F238E27FC236}">
+                <a16:creationId xmlns:a16="http://schemas.microsoft.com/office/drawing/2014/main" id="{A9BA9C8A-799F-C583-1EE9-E2C8B9392616}"/>
+              </a:ext>
+            </a:extLst>
+          </p:cNvPr>
+          <p:cNvSpPr txBox="1"/>
+          <p:nvPr/>
+        </p:nvSpPr>
+        <p:spPr>
+          <a:xfrm rot="19158532">
+            <a:off x="7572220" y="2733260"/>
+            <a:ext cx="1148168" cy="307777"/>
+          </a:xfrm>
+          <a:prstGeom prst="rect">
+            <a:avLst/>
+          </a:prstGeom>
+        </p:spPr>
+        <p:style>
+          <a:lnRef idx="1">
+            <a:schemeClr val="accent2"/>
+          </a:lnRef>
+          <a:fillRef idx="3">
+            <a:schemeClr val="accent2"/>
+          </a:fillRef>
+          <a:effectRef idx="2">
+            <a:schemeClr val="accent2"/>
+          </a:effectRef>
+          <a:fontRef idx="minor">
+            <a:schemeClr val="lt1"/>
+          </a:fontRef>
+        </p:style>
+        <p:txBody>
+          <a:bodyPr wrap="square" rtlCol="0" anchor="ctr">
+            <a:spAutoFit/>
+          </a:bodyPr>
+          <a:lstStyle/>
+          <a:p>
+            <a:pPr algn="ctr"/>
+            <a:r>
+              <a:rPr kumimoji="1" lang="en-US" altLang="ja-JP" sz="1400" dirty="0"/>
+              <a:t>RBAC</a:t>
+            </a:r>
+            <a:endParaRPr kumimoji="1" lang="ja-JP" altLang="en-US" sz="1400" dirty="0"/>
+          </a:p>
+        </p:txBody>
+      </p:sp>
+      <p:sp>
+        <p:nvSpPr>
+          <p:cNvPr id="31" name="テキスト ボックス 30">
+            <a:extLst>
+              <a:ext uri="{FF2B5EF4-FFF2-40B4-BE49-F238E27FC236}">
+                <a16:creationId xmlns:a16="http://schemas.microsoft.com/office/drawing/2014/main" id="{9C9C79E4-46B7-6DE2-F586-FE8801FA9AF4}"/>
+              </a:ext>
+            </a:extLst>
+          </p:cNvPr>
+          <p:cNvSpPr txBox="1"/>
+          <p:nvPr/>
+        </p:nvSpPr>
+        <p:spPr>
+          <a:xfrm>
+            <a:off x="868044" y="783287"/>
+            <a:ext cx="2135521" cy="369332"/>
+          </a:xfrm>
+          <a:prstGeom prst="rect">
+            <a:avLst/>
+          </a:prstGeom>
+          <a:noFill/>
+        </p:spPr>
+        <p:txBody>
+          <a:bodyPr wrap="none" rtlCol="0">
+            <a:spAutoFit/>
+          </a:bodyPr>
+          <a:lstStyle/>
+          <a:p>
+            <a:r>
+              <a:rPr kumimoji="1" lang="en-US" altLang="ja-JP" dirty="0"/>
+              <a:t>GitHub Repository</a:t>
+            </a:r>
+            <a:endParaRPr kumimoji="1" lang="ja-JP" altLang="en-US" dirty="0"/>
+          </a:p>
+        </p:txBody>
+      </p:sp>
+      <p:sp>
+        <p:nvSpPr>
+          <p:cNvPr id="37" name="四角形: 角を丸くする 36">
+            <a:extLst>
+              <a:ext uri="{FF2B5EF4-FFF2-40B4-BE49-F238E27FC236}">
+                <a16:creationId xmlns:a16="http://schemas.microsoft.com/office/drawing/2014/main" id="{EC9617EE-9291-81F2-C567-CA2B8A8B2868}"/>
+              </a:ext>
+            </a:extLst>
+          </p:cNvPr>
+          <p:cNvSpPr/>
+          <p:nvPr/>
+        </p:nvSpPr>
+        <p:spPr>
+          <a:xfrm>
+            <a:off x="1141457" y="2237609"/>
+            <a:ext cx="1351341" cy="315692"/>
+          </a:xfrm>
+          <a:prstGeom prst="roundRect">
+            <a:avLst/>
+          </a:prstGeom>
+        </p:spPr>
+        <p:style>
+          <a:lnRef idx="2">
+            <a:schemeClr val="accent1">
+              <a:shade val="50000"/>
+            </a:schemeClr>
+          </a:lnRef>
+          <a:fillRef idx="1">
+            <a:schemeClr val="accent1"/>
+          </a:fillRef>
+          <a:effectRef idx="0">
+            <a:schemeClr val="accent1"/>
+          </a:effectRef>
+          <a:fontRef idx="minor">
+            <a:schemeClr val="lt1"/>
+          </a:fontRef>
+        </p:style>
+        <p:txBody>
+          <a:bodyPr rtlCol="0" anchor="ctr"/>
+          <a:lstStyle/>
+          <a:p>
+            <a:pPr algn="ctr"/>
+            <a:r>
+              <a:rPr lang="en-US" altLang="ja-JP" sz="1400" dirty="0"/>
+              <a:t>Branch</a:t>
+            </a:r>
+            <a:endParaRPr kumimoji="1" lang="ja-JP" altLang="en-US" sz="1400" dirty="0"/>
+          </a:p>
+        </p:txBody>
+      </p:sp>
+      <p:sp>
+        <p:nvSpPr>
+          <p:cNvPr id="39" name="四角形: 角を丸くする 38">
+            <a:extLst>
+              <a:ext uri="{FF2B5EF4-FFF2-40B4-BE49-F238E27FC236}">
+                <a16:creationId xmlns:a16="http://schemas.microsoft.com/office/drawing/2014/main" id="{7DDA3991-4927-DF0B-1DD8-F7FC7598989F}"/>
+              </a:ext>
+            </a:extLst>
+          </p:cNvPr>
+          <p:cNvSpPr/>
+          <p:nvPr/>
+        </p:nvSpPr>
+        <p:spPr>
+          <a:xfrm>
+            <a:off x="1141457" y="2600930"/>
+            <a:ext cx="1351341" cy="315692"/>
+          </a:xfrm>
+          <a:prstGeom prst="roundRect">
+            <a:avLst/>
+          </a:prstGeom>
+        </p:spPr>
+        <p:style>
+          <a:lnRef idx="2">
+            <a:schemeClr val="accent1">
+              <a:shade val="50000"/>
+            </a:schemeClr>
+          </a:lnRef>
+          <a:fillRef idx="1">
+            <a:schemeClr val="accent1"/>
+          </a:fillRef>
+          <a:effectRef idx="0">
+            <a:schemeClr val="accent1"/>
+          </a:effectRef>
+          <a:fontRef idx="minor">
+            <a:schemeClr val="lt1"/>
+          </a:fontRef>
+        </p:style>
+        <p:txBody>
+          <a:bodyPr rtlCol="0" anchor="ctr"/>
+          <a:lstStyle/>
+          <a:p>
+            <a:pPr algn="ctr"/>
+            <a:r>
+              <a:rPr lang="en-US" altLang="ja-JP" sz="1400" dirty="0"/>
+              <a:t>Environment</a:t>
+            </a:r>
+            <a:endParaRPr kumimoji="1" lang="ja-JP" altLang="en-US" sz="1400" dirty="0"/>
+          </a:p>
+        </p:txBody>
+      </p:sp>
+      <p:sp>
+        <p:nvSpPr>
+          <p:cNvPr id="41" name="四角形: 角を丸くする 40">
+            <a:extLst>
+              <a:ext uri="{FF2B5EF4-FFF2-40B4-BE49-F238E27FC236}">
+                <a16:creationId xmlns:a16="http://schemas.microsoft.com/office/drawing/2014/main" id="{7CEA807C-7DE9-37F4-F213-6103E0F6CB80}"/>
+              </a:ext>
+            </a:extLst>
+          </p:cNvPr>
+          <p:cNvSpPr/>
+          <p:nvPr/>
+        </p:nvSpPr>
+        <p:spPr>
+          <a:xfrm>
+            <a:off x="1141457" y="2964251"/>
+            <a:ext cx="1351341" cy="315692"/>
+          </a:xfrm>
+          <a:prstGeom prst="roundRect">
+            <a:avLst/>
+          </a:prstGeom>
+        </p:spPr>
+        <p:style>
+          <a:lnRef idx="2">
+            <a:schemeClr val="accent1">
+              <a:shade val="50000"/>
+            </a:schemeClr>
+          </a:lnRef>
+          <a:fillRef idx="1">
+            <a:schemeClr val="accent1"/>
+          </a:fillRef>
+          <a:effectRef idx="0">
+            <a:schemeClr val="accent1"/>
+          </a:effectRef>
+          <a:fontRef idx="minor">
+            <a:schemeClr val="lt1"/>
+          </a:fontRef>
+        </p:style>
+        <p:txBody>
+          <a:bodyPr rtlCol="0" anchor="ctr"/>
+          <a:lstStyle/>
+          <a:p>
+            <a:pPr algn="ctr"/>
+            <a:r>
+              <a:rPr lang="en-US" altLang="ja-JP" sz="1400" dirty="0"/>
+              <a:t>Pull Request</a:t>
+            </a:r>
+            <a:endParaRPr kumimoji="1" lang="ja-JP" altLang="en-US" sz="1400" dirty="0"/>
+          </a:p>
+        </p:txBody>
+      </p:sp>
+      <p:sp>
+        <p:nvSpPr>
+          <p:cNvPr id="43" name="四角形: 角を丸くする 42">
+            <a:extLst>
+              <a:ext uri="{FF2B5EF4-FFF2-40B4-BE49-F238E27FC236}">
+                <a16:creationId xmlns:a16="http://schemas.microsoft.com/office/drawing/2014/main" id="{EDE2C978-5B37-97AF-AD37-428E056A2222}"/>
+              </a:ext>
+            </a:extLst>
+          </p:cNvPr>
+          <p:cNvSpPr/>
+          <p:nvPr/>
+        </p:nvSpPr>
+        <p:spPr>
+          <a:xfrm>
+            <a:off x="1141457" y="3327571"/>
+            <a:ext cx="1351341" cy="315692"/>
+          </a:xfrm>
+          <a:prstGeom prst="roundRect">
+            <a:avLst/>
+          </a:prstGeom>
+        </p:spPr>
+        <p:style>
+          <a:lnRef idx="2">
+            <a:schemeClr val="accent1">
+              <a:shade val="50000"/>
+            </a:schemeClr>
+          </a:lnRef>
+          <a:fillRef idx="1">
+            <a:schemeClr val="accent1"/>
+          </a:fillRef>
+          <a:effectRef idx="0">
+            <a:schemeClr val="accent1"/>
+          </a:effectRef>
+          <a:fontRef idx="minor">
+            <a:schemeClr val="lt1"/>
+          </a:fontRef>
+        </p:style>
+        <p:txBody>
+          <a:bodyPr rtlCol="0" anchor="ctr"/>
+          <a:lstStyle/>
+          <a:p>
+            <a:pPr algn="ctr"/>
+            <a:r>
+              <a:rPr lang="en-US" altLang="ja-JP" sz="1400" dirty="0"/>
+              <a:t>Tag</a:t>
+            </a:r>
+            <a:endParaRPr kumimoji="1" lang="ja-JP" altLang="en-US" sz="1400" dirty="0"/>
+          </a:p>
+        </p:txBody>
+      </p:sp>
+      <p:sp>
+        <p:nvSpPr>
+          <p:cNvPr id="45" name="テキスト ボックス 44">
+            <a:extLst>
+              <a:ext uri="{FF2B5EF4-FFF2-40B4-BE49-F238E27FC236}">
+                <a16:creationId xmlns:a16="http://schemas.microsoft.com/office/drawing/2014/main" id="{3C3F5586-B73A-3035-ABB6-265D6898FDFA}"/>
+              </a:ext>
+            </a:extLst>
+          </p:cNvPr>
+          <p:cNvSpPr txBox="1"/>
+          <p:nvPr/>
+        </p:nvSpPr>
+        <p:spPr>
+          <a:xfrm>
+            <a:off x="815788" y="3855601"/>
+            <a:ext cx="2479252" cy="646331"/>
+          </a:xfrm>
+          <a:prstGeom prst="rect">
+            <a:avLst/>
+          </a:prstGeom>
+          <a:noFill/>
+        </p:spPr>
+        <p:txBody>
+          <a:bodyPr wrap="square">
+            <a:spAutoFit/>
+          </a:bodyPr>
+          <a:lstStyle/>
+          <a:p>
+            <a:pPr marL="285750" indent="-285750">
+              <a:buFontTx/>
+              <a:buChar char="-"/>
+            </a:pPr>
+            <a:r>
+              <a:rPr kumimoji="1" lang="en-US" altLang="ja-JP" sz="1200" dirty="0"/>
+              <a:t>AZURE_TENANT_ID</a:t>
+            </a:r>
+          </a:p>
+          <a:p>
+            <a:pPr marL="285750" indent="-285750">
+              <a:buFontTx/>
+              <a:buChar char="-"/>
+            </a:pPr>
+            <a:r>
+              <a:rPr lang="en-US" altLang="ja-JP" sz="1200" dirty="0"/>
+              <a:t>AZURE_CLIENT_ID</a:t>
+            </a:r>
+          </a:p>
+          <a:p>
+            <a:pPr marL="285750" indent="-285750">
+              <a:buFontTx/>
+              <a:buChar char="-"/>
+            </a:pPr>
+            <a:r>
+              <a:rPr kumimoji="1" lang="en-US" altLang="ja-JP" sz="1200" dirty="0"/>
+              <a:t>AZURE_SUBSCRIPTION_ID</a:t>
+            </a:r>
+            <a:endParaRPr kumimoji="1" lang="ja-JP" altLang="en-US" sz="1200" dirty="0"/>
+          </a:p>
+        </p:txBody>
+      </p:sp>
+      <p:sp>
+        <p:nvSpPr>
+          <p:cNvPr id="47" name="テキスト ボックス 46">
+            <a:extLst>
+              <a:ext uri="{FF2B5EF4-FFF2-40B4-BE49-F238E27FC236}">
+                <a16:creationId xmlns:a16="http://schemas.microsoft.com/office/drawing/2014/main" id="{B55B4B02-7B0F-6374-4AE8-72DB1CCD7370}"/>
+              </a:ext>
+            </a:extLst>
+          </p:cNvPr>
+          <p:cNvSpPr txBox="1"/>
+          <p:nvPr/>
+        </p:nvSpPr>
+        <p:spPr>
+          <a:xfrm>
+            <a:off x="4773085" y="3855600"/>
+            <a:ext cx="2010033" cy="646331"/>
+          </a:xfrm>
+          <a:prstGeom prst="rect">
+            <a:avLst/>
+          </a:prstGeom>
+          <a:noFill/>
+        </p:spPr>
+        <p:txBody>
+          <a:bodyPr wrap="square">
+            <a:spAutoFit/>
+          </a:bodyPr>
+          <a:lstStyle/>
+          <a:p>
+            <a:pPr marL="285750" indent="-285750">
+              <a:buFontTx/>
+              <a:buChar char="-"/>
+            </a:pPr>
+            <a:r>
+              <a:rPr lang="en-US" altLang="ja-JP" sz="1200" dirty="0"/>
+              <a:t>Organization</a:t>
+            </a:r>
+          </a:p>
+          <a:p>
+            <a:pPr marL="285750" indent="-285750">
+              <a:buFontTx/>
+              <a:buChar char="-"/>
+            </a:pPr>
+            <a:r>
+              <a:rPr kumimoji="1" lang="en-US" altLang="ja-JP" sz="1200" dirty="0"/>
+              <a:t>Repository</a:t>
+            </a:r>
+          </a:p>
+          <a:p>
+            <a:pPr marL="285750" indent="-285750">
+              <a:buFontTx/>
+              <a:buChar char="-"/>
+            </a:pPr>
+            <a:r>
+              <a:rPr lang="en-US" altLang="ja-JP" sz="1200" dirty="0"/>
+              <a:t>Entity</a:t>
+            </a:r>
+            <a:endParaRPr kumimoji="1" lang="ja-JP" altLang="en-US" sz="1200" dirty="0"/>
+          </a:p>
+        </p:txBody>
+      </p:sp>
+      <p:sp>
+        <p:nvSpPr>
+          <p:cNvPr id="49" name="テキスト ボックス 48">
+            <a:extLst>
+              <a:ext uri="{FF2B5EF4-FFF2-40B4-BE49-F238E27FC236}">
+                <a16:creationId xmlns:a16="http://schemas.microsoft.com/office/drawing/2014/main" id="{4632C8F6-A35D-CD29-36BF-E3969064F3E8}"/>
+              </a:ext>
+            </a:extLst>
+          </p:cNvPr>
+          <p:cNvSpPr txBox="1"/>
+          <p:nvPr/>
+        </p:nvSpPr>
+        <p:spPr>
+          <a:xfrm>
+            <a:off x="8780156" y="3813592"/>
+            <a:ext cx="2010033" cy="461665"/>
+          </a:xfrm>
+          <a:prstGeom prst="rect">
+            <a:avLst/>
+          </a:prstGeom>
+          <a:noFill/>
+        </p:spPr>
+        <p:txBody>
+          <a:bodyPr wrap="square">
+            <a:spAutoFit/>
+          </a:bodyPr>
+          <a:lstStyle/>
+          <a:p>
+            <a:pPr marL="285750" indent="-285750">
+              <a:buFontTx/>
+              <a:buChar char="-"/>
+            </a:pPr>
+            <a:r>
+              <a:rPr lang="en-US" altLang="ja-JP" sz="1200" dirty="0"/>
+              <a:t>ClientID</a:t>
+            </a:r>
+          </a:p>
+          <a:p>
+            <a:pPr marL="285750" indent="-285750">
+              <a:buFontTx/>
+              <a:buChar char="-"/>
+            </a:pPr>
+            <a:r>
+              <a:rPr kumimoji="1" lang="en-US" altLang="ja-JP" sz="1200"/>
+              <a:t>RoleAssignment</a:t>
+            </a:r>
+            <a:endParaRPr kumimoji="1" lang="en-US" altLang="ja-JP" sz="1200" dirty="0"/>
+          </a:p>
+        </p:txBody>
+      </p:sp>
+    </p:spTree>
+    <p:extLst>
+      <p:ext uri="{BB962C8B-B14F-4D97-AF65-F5344CB8AC3E}">
+        <p14:creationId xmlns:p14="http://schemas.microsoft.com/office/powerpoint/2010/main" val="3445205803"/>
+      </p:ext>
+    </p:extLst>
+  </p:cSld>
+  <p:clrMapOvr>
+    <a:masterClrMapping/>
+  </p:clrMapOvr>
+</p:sld>
+</file>
+
 <file path=ppt/theme/theme1.xml><?xml version="1.0" encoding="utf-8"?>
 <a:theme xmlns:a="http://schemas.openxmlformats.org/drawingml/2006/main" name="Office テーマ">
   <a:themeElements>

--- a/images/figures.pptx
+++ b/images/figures.pptx
@@ -4,13 +4,23 @@
   <p:sldMasterIdLst>
     <p:sldMasterId id="2147483648" r:id="rId1"/>
   </p:sldMasterIdLst>
+  <p:notesMasterIdLst>
+    <p:notesMasterId r:id="rId15"/>
+  </p:notesMasterIdLst>
   <p:sldIdLst>
-    <p:sldId id="256" r:id="rId2"/>
-    <p:sldId id="257" r:id="rId3"/>
-    <p:sldId id="258" r:id="rId4"/>
-    <p:sldId id="259" r:id="rId5"/>
-    <p:sldId id="260" r:id="rId6"/>
-    <p:sldId id="261" r:id="rId7"/>
+    <p:sldId id="262" r:id="rId2"/>
+    <p:sldId id="265" r:id="rId3"/>
+    <p:sldId id="266" r:id="rId4"/>
+    <p:sldId id="267" r:id="rId5"/>
+    <p:sldId id="268" r:id="rId6"/>
+    <p:sldId id="263" r:id="rId7"/>
+    <p:sldId id="256" r:id="rId8"/>
+    <p:sldId id="257" r:id="rId9"/>
+    <p:sldId id="258" r:id="rId10"/>
+    <p:sldId id="264" r:id="rId11"/>
+    <p:sldId id="259" r:id="rId12"/>
+    <p:sldId id="260" r:id="rId13"/>
+    <p:sldId id="261" r:id="rId14"/>
   </p:sldIdLst>
   <p:sldSz cx="12192000" cy="6858000"/>
   <p:notesSz cx="6858000" cy="9144000"/>
@@ -117,6 +127,539 @@
 </p:presentation>
 </file>
 
+<file path=ppt/ink/ink1.xml><?xml version="1.0" encoding="utf-8"?>
+<inkml:ink xmlns:inkml="http://www.w3.org/2003/InkML">
+  <inkml:definitions>
+    <inkml:context xml:id="ctx0">
+      <inkml:inkSource xml:id="inkSrc0">
+        <inkml:traceFormat>
+          <inkml:channel name="X" type="integer" min="-2.14748E9" max="2.14748E9" units="cm"/>
+          <inkml:channel name="Y" type="integer" min="-2.14748E9" max="2.14748E9" units="cm"/>
+          <inkml:channel name="F" type="integer" max="32767" units="dev"/>
+          <inkml:channel name="OA" type="integer" max="360" units="deg"/>
+          <inkml:channel name="OE" type="integer" max="90" units="deg"/>
+        </inkml:traceFormat>
+        <inkml:channelProperties>
+          <inkml:channelProperty channel="X" name="resolution" value="1000" units="1/cm"/>
+          <inkml:channelProperty channel="Y" name="resolution" value="1000" units="1/cm"/>
+          <inkml:channelProperty channel="F" name="resolution" value="0" units="1/dev"/>
+          <inkml:channelProperty channel="OA" name="resolution" value="1000" units="1/deg"/>
+          <inkml:channelProperty channel="OE" name="resolution" value="1000" units="1/deg"/>
+        </inkml:channelProperties>
+      </inkml:inkSource>
+      <inkml:timestamp xml:id="ts0" timeString="2022-06-06T02:39:46.235"/>
+    </inkml:context>
+    <inkml:brush xml:id="br0">
+      <inkml:brushProperty name="width" value="0.3" units="cm"/>
+      <inkml:brushProperty name="height" value="0.6" units="cm"/>
+      <inkml:brushProperty name="color" value="#00FDFF"/>
+      <inkml:brushProperty name="tip" value="rectangle"/>
+      <inkml:brushProperty name="rasterOp" value="maskPen"/>
+    </inkml:brush>
+  </inkml:definitions>
+  <inkml:trace contextRef="#ctx0" brushRef="#br0">248 267 5063 0 0,'-6'-11'2057'0'0,"16"-8"-1778"0"0,-6 14-251 0 0,1 0 0 0 0,0 0 0 0 0,0 0 0 0 0,0 0 0 0 0,0 1 0 0 0,1 0 0 0 0,0 0 0 0 0,0 1 0 0 0,0-1 0 0 0,0 1 0 0 0,7-2 0 0 0,8-3 159 0 0,0 2 1 0 0,27-6 0 0 0,160-25 2016 0 0,-18 5-1787 0 0,-102 18-289 0 0,91-2 1 0 0,-18 3 0 0 0,490-32 624 0 0,-636 44-757 0 0,46 1 151 0 0,-1 2 1 0 0,1 2-1 0 0,-1 4 1 0 0,100 24-1 0 0,-47-13 100 0 0,-85-17-241 0 0,1 3 0 0 0,-1 0 1 0 0,42 14-1 0 0,-20-3 55 0 0,-30-11 81 0 0,18 7-1 0 0,-15-2-69 0 0,-2-3-8 0 0,-11-5-6 0 0,0 2 0 0 0,0-1 0 0 0,-1 1 0 0 0,0 1 0 0 0,0 0 0 0 0,13 9 0 0 0,-20-13-54 0 0,1 1 1 0 0,-1 0-1 0 0,0 0 1 0 0,0 0-1 0 0,1 0 1 0 0,-1 0-1 0 0,-1 0 1 0 0,1 0-1 0 0,0 1 1 0 0,0-1-1 0 0,-1 1 1 0 0,0 0-1 0 0,1-1 1 0 0,-1 1-1 0 0,0 0 1 0 0,0 0-1 0 0,-1-1 1 0 0,1 1-1 0 0,0 3 1 0 0,1 5 62 0 0,0-6-35 0 0,-1 0 0 0 0,0 0 1 0 0,0 0-1 0 0,-1 0 0 0 0,1 0 0 0 0,-1 0 0 0 0,0 0 1 0 0,-1 0-1 0 0,1 0 0 0 0,-1 0 0 0 0,0 0 0 0 0,-3 9 1 0 0,2-7-33 0 0,0 0 1 0 0,0 0 0 0 0,-1 0 0 0 0,1 0 0 0 0,-2 0 0 0 0,1 0-1 0 0,-1-1 1 0 0,0 0 0 0 0,0 0 0 0 0,-1 0 0 0 0,0 0 0 0 0,0-1-1 0 0,-9 8 1 0 0,1-3-1 0 0,-1-1 0 0 0,0-1 0 0 0,-1 0-1 0 0,-18 7 1 0 0,30-14 0 0 0,-47 18-41 0 0,-87 22 1 0 0,84-27 33 0 0,12-4 18 0 0,-1-3 0 0 0,1-1-1 0 0,-1-1 1 0 0,0-3 0 0 0,-84-6-1 0 0,-145-28 217 0 0,222 27-179 0 0,-112-9-32 0 0,32 5 93 0 0,-36-1 27 0 0,103 8-126 0 0,-133 1 44 0 0,-14 15-54 0 0,149-7 0 0 0,-86 21 0 0 0,-285 108 128 0 0,401-125 16 0 0,0 1 0 0 0,-31 18 0 0 0,50-24-96 0 0,1 1 0 0 0,0 0 0 0 0,0 0 0 0 0,1 1 0 0 0,0 0 0 0 0,1 1 0 0 0,-1 0 0 0 0,-12 19 0 0 0,18-24-48 0 0,1-1 0 0 0,0 1 0 0 0,0 0 0 0 0,0 0-1 0 0,1 0 1 0 0,-1 0 0 0 0,1 1 0 0 0,0-1 0 0 0,0 0-1 0 0,1 0 1 0 0,-1 1 0 0 0,1-1 0 0 0,0 1 0 0 0,0-1 0 0 0,0 0-1 0 0,1 1 1 0 0,0-1 0 0 0,-1 0 0 0 0,2 1 0 0 0,-1-1-1 0 0,2 5 1 0 0,0-3 0 0 0,0-1 0 0 0,1 1-1 0 0,-1-1 1 0 0,1 1 0 0 0,0-1 0 0 0,0-1-1 0 0,1 1 1 0 0,-1-1 0 0 0,1 1-1 0 0,0-1 1 0 0,0 0 0 0 0,1-1 0 0 0,10 6-1 0 0,52 19 1 0 0,-13-6 0 0 0,-39-16 10 0 0,0 0 0 0 0,0-2-1 0 0,0 0 1 0 0,1-1-1 0 0,-1 0 1 0 0,1-2 0 0 0,0 0-1 0 0,27-2 1 0 0,-2-2 24 0 0,1-3 0 0 0,49-12 1 0 0,67-30 120 0 0,-59 16-54 0 0,-64 22-92 0 0,92-24-8 0 0,115-24-1 0 0,-127 27 0 0 0,-65 19 32 0 0,94-10 0 0 0,-113 20-19 0 0,-1 2 0 0 0,1 0 0 0 0,-1 2-1 0 0,41 8 1 0 0,-61-7-14 0 0,0-1 1 0 0,0 2-1 0 0,0 0 0 0 0,-1 0 0 0 0,1 1 0 0 0,-1 0 0 0 0,0 0 0 0 0,-1 1 1 0 0,1 1-1 0 0,-1 0 0 0 0,0 0 0 0 0,-1 1 0 0 0,10 10 0 0 0,-4-2-139 0 0,-12-15 60 0 0,5 9-192 0 0,-6-6 77 0 0,1 1 0 0 0,-1-1 1 0 0,0 1-1 0 0,0-1 0 0 0,0 1 0 0 0,-1 0 0 0 0,0-1 0 0 0,0 1 0 0 0,0 0 0 0 0,-1 7 0 0 0,-2-3-922 0 0</inkml:trace>
+</inkml:ink>
+</file>
+
+<file path=ppt/ink/ink2.xml><?xml version="1.0" encoding="utf-8"?>
+<inkml:ink xmlns:inkml="http://www.w3.org/2003/InkML">
+  <inkml:definitions>
+    <inkml:context xml:id="ctx0">
+      <inkml:inkSource xml:id="inkSrc0">
+        <inkml:traceFormat>
+          <inkml:channel name="X" type="integer" min="-2.14748E9" max="2.14748E9" units="cm"/>
+          <inkml:channel name="Y" type="integer" min="-2.14748E9" max="2.14748E9" units="cm"/>
+          <inkml:channel name="F" type="integer" max="32767" units="dev"/>
+          <inkml:channel name="OA" type="integer" max="360" units="deg"/>
+          <inkml:channel name="OE" type="integer" max="90" units="deg"/>
+        </inkml:traceFormat>
+        <inkml:channelProperties>
+          <inkml:channelProperty channel="X" name="resolution" value="1000" units="1/cm"/>
+          <inkml:channelProperty channel="Y" name="resolution" value="1000" units="1/cm"/>
+          <inkml:channelProperty channel="F" name="resolution" value="0" units="1/dev"/>
+          <inkml:channelProperty channel="OA" name="resolution" value="1000" units="1/deg"/>
+          <inkml:channelProperty channel="OE" name="resolution" value="1000" units="1/deg"/>
+        </inkml:channelProperties>
+      </inkml:inkSource>
+      <inkml:timestamp xml:id="ts0" timeString="2022-06-06T02:39:55.502"/>
+    </inkml:context>
+    <inkml:brush xml:id="br0">
+      <inkml:brushProperty name="width" value="0.3" units="cm"/>
+      <inkml:brushProperty name="height" value="0.6" units="cm"/>
+      <inkml:brushProperty name="color" value="#FFFC00"/>
+      <inkml:brushProperty name="tip" value="rectangle"/>
+      <inkml:brushProperty name="rasterOp" value="maskPen"/>
+    </inkml:brush>
+  </inkml:definitions>
+  <inkml:trace contextRef="#ctx0" brushRef="#br0">233 528 3223 0 0,'-14'-6'243'0'0,"0"0"0"0"0,-22-4 0 0 0,31 8 370 0 0,-1 2 1 0 0,0-1-1 0 0,0 0 0 0 0,1 1 1 0 0,-1 0-1 0 0,0 1 1 0 0,0-1-1 0 0,0 1 1 0 0,-8 2-1 0 0,11-1-558 0 0,-10 6-27 0 0,12-6-12 0 0,-1-1 0 0 0,1 0 1 0 0,-1 0-1 0 0,0 1 0 0 0,0-1 1 0 0,0 0-1 0 0,1-1 0 0 0,-1 1 1 0 0,0 0-1 0 0,0 0 0 0 0,-4 0 1 0 0,11-12 377 0 0,-3 6-308 0 0,1 1 0 0 0,0 0-1 0 0,0 0 1 0 0,1 0 0 0 0,-1 0-1 0 0,1 0 1 0 0,0 1 0 0 0,0-1-1 0 0,0 1 1 0 0,0 0 0 0 0,6-2-1 0 0,7-5 129 0 0,28-10-1 0 0,70-20 145 0 0,-63 23-232 0 0,7 1-89 0 0,73-12 1 0 0,-29 8 18 0 0,164-24-147 0 0,-162 29 104 0 0,-91 13-13 0 0,-9 1 0 0 0,1 0 0 0 0,-1 0 0 0 0,0 1 0 0 0,1 0 0 0 0,-1 0 0 0 0,1 0 0 0 0,8 2 0 0 0,-3 0 11 0 0,-11-2 4 0 0,1 0-1 0 0,-1 0 1 0 0,1 0 0 0 0,-1 0-1 0 0,0 0 1 0 0,1 0 0 0 0,-1 0-1 0 0,1 0 1 0 0,-1 0-1 0 0,0 0 1 0 0,1 1 0 0 0,-1-1-1 0 0,0 0 1 0 0,1 0 0 0 0,-1 0-1 0 0,0 1 1 0 0,1-1 0 0 0,-1 0-1 0 0,0 1 1 0 0,0-1 0 0 0,1 0-1 0 0,-1 1 1 0 0,0-1 0 0 0,0 0-1 0 0,0 1 1 0 0,1-1-1 0 0,-1 0 1 0 0,0 1 0 0 0,0-1-1 0 0,0 0 1 0 0,0 1 0 0 0,0-1-1 0 0,0 1 1 0 0,0-1 0 0 0,0 0-1 0 0,0 1 1 0 0,0-1 0 0 0,0 1-1 0 0,-4 12 473 0 0,4-11-524 0 0,-1 0 205 0 0,-1-1-68 0 0,-7 2-62 0 0,-1 1 0 0 0,1-1-1 0 0,-1-1 1 0 0,1 0 0 0 0,-1 0 0 0 0,0-1-1 0 0,1 0 1 0 0,-1 0 0 0 0,-19-2 0 0 0,-9-3 5 0 0,-45-11 0 0 0,66 11-47 0 0,-82-18 36 0 0,-120-42 0 0 0,171 47-32 0 0,-55-27 0 0 0,38 14 0 0 0,-1 4 0 0 0,-80-20 0 0 0,71 27 128 0 0,63 16-88 0 0,10 2-100 0 0,16-3-168 0 0,5 1 164 0 0,0 0 0 0 0,0 2 0 0 0,0 0 1 0 0,0 1-1 0 0,23 4 0 0 0,-26-3 63 0 0,243 24-68 0 0,-6 0 2 0 0,236 25 67 0 0,-468-46 0 0 0,0 0 0 0 0,36 13 0 0 0,-56-17 0 0 0,-1 0 0 0 0,1 1 0 0 0,-1-1 0 0 0,1 0 0 0 0,-1 0 0 0 0,1 1 0 0 0,-1-1 0 0 0,1 0 0 0 0,-1 0 0 0 0,1 1 0 0 0,-1-1 0 0 0,0 1 0 0 0,1-1 0 0 0,-1 0 0 0 0,1 1 0 0 0,-1-1 0 0 0,1 1 0 0 0,-2 0 2 0 0,1 1 0 0 0,0-1 0 0 0,0 0 0 0 0,0 0 0 0 0,-1 0 0 0 0,1 0 0 0 0,-1 0 0 0 0,1 0 0 0 0,-1 0 0 0 0,1 0 0 0 0,-1 0 0 0 0,0 0 0 0 0,1 0 0 0 0,-1 0 0 0 0,0 0-1 0 0,0 0 1 0 0,0-1 0 0 0,1 1 0 0 0,-1 0 0 0 0,0 0 0 0 0,0-1 0 0 0,0 1 0 0 0,0-1 0 0 0,0 1 0 0 0,-2 0 0 0 0,-29 13 65 0 0,-206 49 7 0 0,9-34-6 0 0,106-17-125 0 0,88-7 35 0 0,-216 32-351 0 0,220-33 350 0 0,1-1 0 0 0,-32 0 1 0 0,32-3 20 0 0,-1 2 1 0 0,-30 5 0 0 0,47-3 1 0 0,13-4 0 0 0,0 0 0 0 0,1 0 0 0 0,-1 0 0 0 0,0 0 0 0 0,0 0 0 0 0,1 1 0 0 0,-1-1 0 0 0,1 0 0 0 0,-1 1 0 0 0,0-1 0 0 0,1 0 0 0 0,-1 1 0 0 0,1-1 0 0 0,-2 1 0 0 0,2 0 3 0 0,0 0 0 0 0,0 0 0 0 0,0-1 1 0 0,0 1-1 0 0,-1 0 0 0 0,1 0 0 0 0,0 0 0 0 0,0-1 0 0 0,0 1 0 0 0,1 0 0 0 0,-1 0 0 0 0,0 0 0 0 0,0-1 0 0 0,0 1 0 0 0,1 0 0 0 0,-1 0 0 0 0,0-1 0 0 0,1 1 1 0 0,-1 0-1 0 0,0 0 0 0 0,1-1 0 0 0,-1 1 0 0 0,1 0 0 0 0,-1-1 0 0 0,1 1 0 0 0,0-1 0 0 0,-1 1 0 0 0,1-1 0 0 0,0 1 0 0 0,0 0 0 0 0,3 2 23 0 0,0-1 0 0 0,0 1 1 0 0,-1-1-1 0 0,7 3 0 0 0,2-1 19 0 0,0 0 0 0 0,0-1 0 0 0,0 0 0 0 0,1-1 0 0 0,12 1 0 0 0,64 0 101 0 0,-77-3-121 0 0,218-6 283 0 0,-113 3-181 0 0,-56 3-36 0 0,-22 0-37 0 0,58-7 1 0 0,-62 4-13 0 0,45 0 1 0 0,-78 3 140 0 0,-5 0-111 0 0,-196 3-1342 0 0,182-3 202 0 0</inkml:trace>
+</inkml:ink>
+</file>
+
+<file path=ppt/notesMasters/notesMaster1.xml><?xml version="1.0" encoding="utf-8"?>
+<p:notesMaster xmlns:a="http://schemas.openxmlformats.org/drawingml/2006/main" xmlns:r="http://schemas.openxmlformats.org/officeDocument/2006/relationships" xmlns:p="http://schemas.openxmlformats.org/presentationml/2006/main">
+  <p:cSld>
+    <p:bg>
+      <p:bgRef idx="1001">
+        <a:schemeClr val="bg1"/>
+      </p:bgRef>
+    </p:bg>
+    <p:spTree>
+      <p:nvGrpSpPr>
+        <p:cNvPr id="1" name=""/>
+        <p:cNvGrpSpPr/>
+        <p:nvPr/>
+      </p:nvGrpSpPr>
+      <p:grpSpPr>
+        <a:xfrm>
+          <a:off x="0" y="0"/>
+          <a:ext cx="0" cy="0"/>
+          <a:chOff x="0" y="0"/>
+          <a:chExt cx="0" cy="0"/>
+        </a:xfrm>
+      </p:grpSpPr>
+      <p:sp>
+        <p:nvSpPr>
+          <p:cNvPr id="2" name="ヘッダー プレースホルダー 1"/>
+          <p:cNvSpPr>
+            <a:spLocks noGrp="1"/>
+          </p:cNvSpPr>
+          <p:nvPr>
+            <p:ph type="hdr" sz="quarter"/>
+          </p:nvPr>
+        </p:nvSpPr>
+        <p:spPr>
+          <a:xfrm>
+            <a:off x="0" y="0"/>
+            <a:ext cx="2971800" cy="458788"/>
+          </a:xfrm>
+          <a:prstGeom prst="rect">
+            <a:avLst/>
+          </a:prstGeom>
+        </p:spPr>
+        <p:txBody>
+          <a:bodyPr vert="horz" lIns="91440" tIns="45720" rIns="91440" bIns="45720" rtlCol="0"/>
+          <a:lstStyle>
+            <a:lvl1pPr algn="l">
+              <a:defRPr sz="1200"/>
+            </a:lvl1pPr>
+          </a:lstStyle>
+          <a:p>
+            <a:endParaRPr kumimoji="1" lang="ja-JP" altLang="en-US"/>
+          </a:p>
+        </p:txBody>
+      </p:sp>
+      <p:sp>
+        <p:nvSpPr>
+          <p:cNvPr id="3" name="日付プレースホルダー 2"/>
+          <p:cNvSpPr>
+            <a:spLocks noGrp="1"/>
+          </p:cNvSpPr>
+          <p:nvPr>
+            <p:ph type="dt" idx="1"/>
+          </p:nvPr>
+        </p:nvSpPr>
+        <p:spPr>
+          <a:xfrm>
+            <a:off x="3884613" y="0"/>
+            <a:ext cx="2971800" cy="458788"/>
+          </a:xfrm>
+          <a:prstGeom prst="rect">
+            <a:avLst/>
+          </a:prstGeom>
+        </p:spPr>
+        <p:txBody>
+          <a:bodyPr vert="horz" lIns="91440" tIns="45720" rIns="91440" bIns="45720" rtlCol="0"/>
+          <a:lstStyle>
+            <a:lvl1pPr algn="r">
+              <a:defRPr sz="1200"/>
+            </a:lvl1pPr>
+          </a:lstStyle>
+          <a:p>
+            <a:fld id="{76C45812-E024-46D3-BD55-EE79C8788479}" type="datetimeFigureOut">
+              <a:rPr kumimoji="1" lang="ja-JP" altLang="en-US" smtClean="0"/>
+              <a:t>2022/6/6</a:t>
+            </a:fld>
+            <a:endParaRPr kumimoji="1" lang="ja-JP" altLang="en-US"/>
+          </a:p>
+        </p:txBody>
+      </p:sp>
+      <p:sp>
+        <p:nvSpPr>
+          <p:cNvPr id="4" name="スライド イメージ プレースホルダー 3"/>
+          <p:cNvSpPr>
+            <a:spLocks noGrp="1" noRot="1" noChangeAspect="1"/>
+          </p:cNvSpPr>
+          <p:nvPr>
+            <p:ph type="sldImg" idx="2"/>
+          </p:nvPr>
+        </p:nvSpPr>
+        <p:spPr>
+          <a:xfrm>
+            <a:off x="685800" y="1143000"/>
+            <a:ext cx="5486400" cy="3086100"/>
+          </a:xfrm>
+          <a:prstGeom prst="rect">
+            <a:avLst/>
+          </a:prstGeom>
+          <a:noFill/>
+          <a:ln w="12700">
+            <a:solidFill>
+              <a:prstClr val="black"/>
+            </a:solidFill>
+          </a:ln>
+        </p:spPr>
+        <p:txBody>
+          <a:bodyPr vert="horz" lIns="91440" tIns="45720" rIns="91440" bIns="45720" rtlCol="0" anchor="ctr"/>
+          <a:lstStyle/>
+          <a:p>
+            <a:endParaRPr lang="ja-JP" altLang="en-US"/>
+          </a:p>
+        </p:txBody>
+      </p:sp>
+      <p:sp>
+        <p:nvSpPr>
+          <p:cNvPr id="5" name="ノート プレースホルダー 4"/>
+          <p:cNvSpPr>
+            <a:spLocks noGrp="1"/>
+          </p:cNvSpPr>
+          <p:nvPr>
+            <p:ph type="body" sz="quarter" idx="3"/>
+          </p:nvPr>
+        </p:nvSpPr>
+        <p:spPr>
+          <a:xfrm>
+            <a:off x="685800" y="4400550"/>
+            <a:ext cx="5486400" cy="3600450"/>
+          </a:xfrm>
+          <a:prstGeom prst="rect">
+            <a:avLst/>
+          </a:prstGeom>
+        </p:spPr>
+        <p:txBody>
+          <a:bodyPr vert="horz" lIns="91440" tIns="45720" rIns="91440" bIns="45720" rtlCol="0"/>
+          <a:lstStyle/>
+          <a:p>
+            <a:pPr lvl="0"/>
+            <a:r>
+              <a:rPr kumimoji="1" lang="ja-JP" altLang="en-US"/>
+              <a:t>マスター テキストの書式設定</a:t>
+            </a:r>
+          </a:p>
+          <a:p>
+            <a:pPr lvl="1"/>
+            <a:r>
+              <a:rPr kumimoji="1" lang="ja-JP" altLang="en-US"/>
+              <a:t>第 </a:t>
+            </a:r>
+            <a:r>
+              <a:rPr kumimoji="1" lang="en-US" altLang="ja-JP"/>
+              <a:t>2 </a:t>
+            </a:r>
+            <a:r>
+              <a:rPr kumimoji="1" lang="ja-JP" altLang="en-US"/>
+              <a:t>レベル</a:t>
+            </a:r>
+          </a:p>
+          <a:p>
+            <a:pPr lvl="2"/>
+            <a:r>
+              <a:rPr kumimoji="1" lang="ja-JP" altLang="en-US"/>
+              <a:t>第 </a:t>
+            </a:r>
+            <a:r>
+              <a:rPr kumimoji="1" lang="en-US" altLang="ja-JP"/>
+              <a:t>3 </a:t>
+            </a:r>
+            <a:r>
+              <a:rPr kumimoji="1" lang="ja-JP" altLang="en-US"/>
+              <a:t>レベル</a:t>
+            </a:r>
+          </a:p>
+          <a:p>
+            <a:pPr lvl="3"/>
+            <a:r>
+              <a:rPr kumimoji="1" lang="ja-JP" altLang="en-US"/>
+              <a:t>第 </a:t>
+            </a:r>
+            <a:r>
+              <a:rPr kumimoji="1" lang="en-US" altLang="ja-JP"/>
+              <a:t>4 </a:t>
+            </a:r>
+            <a:r>
+              <a:rPr kumimoji="1" lang="ja-JP" altLang="en-US"/>
+              <a:t>レベル</a:t>
+            </a:r>
+          </a:p>
+          <a:p>
+            <a:pPr lvl="4"/>
+            <a:r>
+              <a:rPr kumimoji="1" lang="ja-JP" altLang="en-US"/>
+              <a:t>第 </a:t>
+            </a:r>
+            <a:r>
+              <a:rPr kumimoji="1" lang="en-US" altLang="ja-JP"/>
+              <a:t>5 </a:t>
+            </a:r>
+            <a:r>
+              <a:rPr kumimoji="1" lang="ja-JP" altLang="en-US"/>
+              <a:t>レベル</a:t>
+            </a:r>
+          </a:p>
+        </p:txBody>
+      </p:sp>
+      <p:sp>
+        <p:nvSpPr>
+          <p:cNvPr id="6" name="フッター プレースホルダー 5"/>
+          <p:cNvSpPr>
+            <a:spLocks noGrp="1"/>
+          </p:cNvSpPr>
+          <p:nvPr>
+            <p:ph type="ftr" sz="quarter" idx="4"/>
+          </p:nvPr>
+        </p:nvSpPr>
+        <p:spPr>
+          <a:xfrm>
+            <a:off x="0" y="8685213"/>
+            <a:ext cx="2971800" cy="458787"/>
+          </a:xfrm>
+          <a:prstGeom prst="rect">
+            <a:avLst/>
+          </a:prstGeom>
+        </p:spPr>
+        <p:txBody>
+          <a:bodyPr vert="horz" lIns="91440" tIns="45720" rIns="91440" bIns="45720" rtlCol="0" anchor="b"/>
+          <a:lstStyle>
+            <a:lvl1pPr algn="l">
+              <a:defRPr sz="1200"/>
+            </a:lvl1pPr>
+          </a:lstStyle>
+          <a:p>
+            <a:endParaRPr kumimoji="1" lang="ja-JP" altLang="en-US"/>
+          </a:p>
+        </p:txBody>
+      </p:sp>
+      <p:sp>
+        <p:nvSpPr>
+          <p:cNvPr id="7" name="スライド番号プレースホルダー 6"/>
+          <p:cNvSpPr>
+            <a:spLocks noGrp="1"/>
+          </p:cNvSpPr>
+          <p:nvPr>
+            <p:ph type="sldNum" sz="quarter" idx="5"/>
+          </p:nvPr>
+        </p:nvSpPr>
+        <p:spPr>
+          <a:xfrm>
+            <a:off x="3884613" y="8685213"/>
+            <a:ext cx="2971800" cy="458787"/>
+          </a:xfrm>
+          <a:prstGeom prst="rect">
+            <a:avLst/>
+          </a:prstGeom>
+        </p:spPr>
+        <p:txBody>
+          <a:bodyPr vert="horz" lIns="91440" tIns="45720" rIns="91440" bIns="45720" rtlCol="0" anchor="b"/>
+          <a:lstStyle>
+            <a:lvl1pPr algn="r">
+              <a:defRPr sz="1200"/>
+            </a:lvl1pPr>
+          </a:lstStyle>
+          <a:p>
+            <a:fld id="{10C229B1-0773-4E2D-830F-2FAB7D55386A}" type="slidenum">
+              <a:rPr kumimoji="1" lang="ja-JP" altLang="en-US" smtClean="0"/>
+              <a:t>‹#›</a:t>
+            </a:fld>
+            <a:endParaRPr kumimoji="1" lang="ja-JP" altLang="en-US"/>
+          </a:p>
+        </p:txBody>
+      </p:sp>
+    </p:spTree>
+    <p:extLst>
+      <p:ext uri="{BB962C8B-B14F-4D97-AF65-F5344CB8AC3E}">
+        <p14:creationId xmlns:p14="http://schemas.microsoft.com/office/powerpoint/2010/main" val="3090962577"/>
+      </p:ext>
+    </p:extLst>
+  </p:cSld>
+  <p:clrMap bg1="lt1" tx1="dk1" bg2="lt2" tx2="dk2" accent1="accent1" accent2="accent2" accent3="accent3" accent4="accent4" accent5="accent5" accent6="accent6" hlink="hlink" folHlink="folHlink"/>
+  <p:notesStyle>
+    <a:lvl1pPr marL="0" algn="l" defTabSz="914400" rtl="0" eaLnBrk="1" latinLnBrk="0" hangingPunct="1">
+      <a:defRPr kumimoji="1" sz="1200" kern="1200">
+        <a:solidFill>
+          <a:schemeClr val="tx1"/>
+        </a:solidFill>
+        <a:latin typeface="+mn-lt"/>
+        <a:ea typeface="+mn-ea"/>
+        <a:cs typeface="+mn-cs"/>
+      </a:defRPr>
+    </a:lvl1pPr>
+    <a:lvl2pPr marL="457200" algn="l" defTabSz="914400" rtl="0" eaLnBrk="1" latinLnBrk="0" hangingPunct="1">
+      <a:defRPr kumimoji="1" sz="1200" kern="1200">
+        <a:solidFill>
+          <a:schemeClr val="tx1"/>
+        </a:solidFill>
+        <a:latin typeface="+mn-lt"/>
+        <a:ea typeface="+mn-ea"/>
+        <a:cs typeface="+mn-cs"/>
+      </a:defRPr>
+    </a:lvl2pPr>
+    <a:lvl3pPr marL="914400" algn="l" defTabSz="914400" rtl="0" eaLnBrk="1" latinLnBrk="0" hangingPunct="1">
+      <a:defRPr kumimoji="1" sz="1200" kern="1200">
+        <a:solidFill>
+          <a:schemeClr val="tx1"/>
+        </a:solidFill>
+        <a:latin typeface="+mn-lt"/>
+        <a:ea typeface="+mn-ea"/>
+        <a:cs typeface="+mn-cs"/>
+      </a:defRPr>
+    </a:lvl3pPr>
+    <a:lvl4pPr marL="1371600" algn="l" defTabSz="914400" rtl="0" eaLnBrk="1" latinLnBrk="0" hangingPunct="1">
+      <a:defRPr kumimoji="1" sz="1200" kern="1200">
+        <a:solidFill>
+          <a:schemeClr val="tx1"/>
+        </a:solidFill>
+        <a:latin typeface="+mn-lt"/>
+        <a:ea typeface="+mn-ea"/>
+        <a:cs typeface="+mn-cs"/>
+      </a:defRPr>
+    </a:lvl4pPr>
+    <a:lvl5pPr marL="1828800" algn="l" defTabSz="914400" rtl="0" eaLnBrk="1" latinLnBrk="0" hangingPunct="1">
+      <a:defRPr kumimoji="1" sz="1200" kern="1200">
+        <a:solidFill>
+          <a:schemeClr val="tx1"/>
+        </a:solidFill>
+        <a:latin typeface="+mn-lt"/>
+        <a:ea typeface="+mn-ea"/>
+        <a:cs typeface="+mn-cs"/>
+      </a:defRPr>
+    </a:lvl5pPr>
+    <a:lvl6pPr marL="2286000" algn="l" defTabSz="914400" rtl="0" eaLnBrk="1" latinLnBrk="0" hangingPunct="1">
+      <a:defRPr kumimoji="1" sz="1200" kern="1200">
+        <a:solidFill>
+          <a:schemeClr val="tx1"/>
+        </a:solidFill>
+        <a:latin typeface="+mn-lt"/>
+        <a:ea typeface="+mn-ea"/>
+        <a:cs typeface="+mn-cs"/>
+      </a:defRPr>
+    </a:lvl6pPr>
+    <a:lvl7pPr marL="2743200" algn="l" defTabSz="914400" rtl="0" eaLnBrk="1" latinLnBrk="0" hangingPunct="1">
+      <a:defRPr kumimoji="1" sz="1200" kern="1200">
+        <a:solidFill>
+          <a:schemeClr val="tx1"/>
+        </a:solidFill>
+        <a:latin typeface="+mn-lt"/>
+        <a:ea typeface="+mn-ea"/>
+        <a:cs typeface="+mn-cs"/>
+      </a:defRPr>
+    </a:lvl7pPr>
+    <a:lvl8pPr marL="3200400" algn="l" defTabSz="914400" rtl="0" eaLnBrk="1" latinLnBrk="0" hangingPunct="1">
+      <a:defRPr kumimoji="1" sz="1200" kern="1200">
+        <a:solidFill>
+          <a:schemeClr val="tx1"/>
+        </a:solidFill>
+        <a:latin typeface="+mn-lt"/>
+        <a:ea typeface="+mn-ea"/>
+        <a:cs typeface="+mn-cs"/>
+      </a:defRPr>
+    </a:lvl8pPr>
+    <a:lvl9pPr marL="3657600" algn="l" defTabSz="914400" rtl="0" eaLnBrk="1" latinLnBrk="0" hangingPunct="1">
+      <a:defRPr kumimoji="1" sz="1200" kern="1200">
+        <a:solidFill>
+          <a:schemeClr val="tx1"/>
+        </a:solidFill>
+        <a:latin typeface="+mn-lt"/>
+        <a:ea typeface="+mn-ea"/>
+        <a:cs typeface="+mn-cs"/>
+      </a:defRPr>
+    </a:lvl9pPr>
+  </p:notesStyle>
+</p:notesMaster>
+</file>
+
+<file path=ppt/notesSlides/notesSlide1.xml><?xml version="1.0" encoding="utf-8"?>
+<p:notes xmlns:a="http://schemas.openxmlformats.org/drawingml/2006/main" xmlns:r="http://schemas.openxmlformats.org/officeDocument/2006/relationships" xmlns:p="http://schemas.openxmlformats.org/presentationml/2006/main">
+  <p:cSld>
+    <p:spTree>
+      <p:nvGrpSpPr>
+        <p:cNvPr id="1" name=""/>
+        <p:cNvGrpSpPr/>
+        <p:nvPr/>
+      </p:nvGrpSpPr>
+      <p:grpSpPr>
+        <a:xfrm>
+          <a:off x="0" y="0"/>
+          <a:ext cx="0" cy="0"/>
+          <a:chOff x="0" y="0"/>
+          <a:chExt cx="0" cy="0"/>
+        </a:xfrm>
+      </p:grpSpPr>
+      <p:sp>
+        <p:nvSpPr>
+          <p:cNvPr id="2" name="スライド イメージ プレースホルダー 1"/>
+          <p:cNvSpPr>
+            <a:spLocks noGrp="1" noRot="1" noChangeAspect="1"/>
+          </p:cNvSpPr>
+          <p:nvPr>
+            <p:ph type="sldImg"/>
+          </p:nvPr>
+        </p:nvSpPr>
+        <p:spPr/>
+      </p:sp>
+      <p:sp>
+        <p:nvSpPr>
+          <p:cNvPr id="3" name="ノート プレースホルダー 2"/>
+          <p:cNvSpPr>
+            <a:spLocks noGrp="1"/>
+          </p:cNvSpPr>
+          <p:nvPr>
+            <p:ph type="body" idx="1"/>
+          </p:nvPr>
+        </p:nvSpPr>
+        <p:spPr/>
+        <p:txBody>
+          <a:bodyPr/>
+          <a:lstStyle/>
+          <a:p>
+            <a:endParaRPr kumimoji="1" lang="ja-JP" altLang="en-US" dirty="0"/>
+          </a:p>
+        </p:txBody>
+      </p:sp>
+      <p:sp>
+        <p:nvSpPr>
+          <p:cNvPr id="4" name="スライド番号プレースホルダー 3"/>
+          <p:cNvSpPr>
+            <a:spLocks noGrp="1"/>
+          </p:cNvSpPr>
+          <p:nvPr>
+            <p:ph type="sldNum" sz="quarter" idx="5"/>
+          </p:nvPr>
+        </p:nvSpPr>
+        <p:spPr/>
+        <p:txBody>
+          <a:bodyPr/>
+          <a:lstStyle/>
+          <a:p>
+            <a:fld id="{F2E6310A-6A00-4B31-9AE3-1D131F98EE6D}" type="slidenum">
+              <a:rPr kumimoji="1" lang="ja-JP" altLang="en-US" smtClean="0"/>
+              <a:t>4</a:t>
+            </a:fld>
+            <a:endParaRPr kumimoji="1" lang="ja-JP" altLang="en-US"/>
+          </a:p>
+        </p:txBody>
+      </p:sp>
+    </p:spTree>
+    <p:extLst>
+      <p:ext uri="{BB962C8B-B14F-4D97-AF65-F5344CB8AC3E}">
+        <p14:creationId xmlns:p14="http://schemas.microsoft.com/office/powerpoint/2010/main" val="681129525"/>
+      </p:ext>
+    </p:extLst>
+  </p:cSld>
+  <p:clrMapOvr>
+    <a:masterClrMapping/>
+  </p:clrMapOvr>
+</p:notes>
+</file>
+
 <file path=ppt/slideLayouts/slideLayout1.xml><?xml version="1.0" encoding="utf-8"?>
 <p:sldLayout xmlns:a="http://schemas.openxmlformats.org/drawingml/2006/main" xmlns:r="http://schemas.openxmlformats.org/officeDocument/2006/relationships" xmlns:p="http://schemas.openxmlformats.org/presentationml/2006/main" type="title" preserve="1">
   <p:cSld name="タイトル スライド">
@@ -264,7 +807,7 @@
           <a:p>
             <a:fld id="{CFECFDD7-AECA-43D8-A318-74989596C351}" type="datetimeFigureOut">
               <a:rPr kumimoji="1" lang="ja-JP" altLang="en-US" smtClean="0"/>
-              <a:t>2022/6/3</a:t>
+              <a:t>2022/6/6</a:t>
             </a:fld>
             <a:endParaRPr kumimoji="1" lang="ja-JP" altLang="en-US"/>
           </a:p>
@@ -494,7 +1037,7 @@
           <a:p>
             <a:fld id="{CFECFDD7-AECA-43D8-A318-74989596C351}" type="datetimeFigureOut">
               <a:rPr kumimoji="1" lang="ja-JP" altLang="en-US" smtClean="0"/>
-              <a:t>2022/6/3</a:t>
+              <a:t>2022/6/6</a:t>
             </a:fld>
             <a:endParaRPr kumimoji="1" lang="ja-JP" altLang="en-US"/>
           </a:p>
@@ -734,7 +1277,7 @@
           <a:p>
             <a:fld id="{CFECFDD7-AECA-43D8-A318-74989596C351}" type="datetimeFigureOut">
               <a:rPr kumimoji="1" lang="ja-JP" altLang="en-US" smtClean="0"/>
-              <a:t>2022/6/3</a:t>
+              <a:t>2022/6/6</a:t>
             </a:fld>
             <a:endParaRPr kumimoji="1" lang="ja-JP" altLang="en-US"/>
           </a:p>
@@ -964,7 +1507,7 @@
           <a:p>
             <a:fld id="{CFECFDD7-AECA-43D8-A318-74989596C351}" type="datetimeFigureOut">
               <a:rPr kumimoji="1" lang="ja-JP" altLang="en-US" smtClean="0"/>
-              <a:t>2022/6/3</a:t>
+              <a:t>2022/6/6</a:t>
             </a:fld>
             <a:endParaRPr kumimoji="1" lang="ja-JP" altLang="en-US"/>
           </a:p>
@@ -1239,7 +1782,7 @@
           <a:p>
             <a:fld id="{CFECFDD7-AECA-43D8-A318-74989596C351}" type="datetimeFigureOut">
               <a:rPr kumimoji="1" lang="ja-JP" altLang="en-US" smtClean="0"/>
-              <a:t>2022/6/3</a:t>
+              <a:t>2022/6/6</a:t>
             </a:fld>
             <a:endParaRPr kumimoji="1" lang="ja-JP" altLang="en-US"/>
           </a:p>
@@ -1568,7 +2111,7 @@
           <a:p>
             <a:fld id="{CFECFDD7-AECA-43D8-A318-74989596C351}" type="datetimeFigureOut">
               <a:rPr kumimoji="1" lang="ja-JP" altLang="en-US" smtClean="0"/>
-              <a:t>2022/6/3</a:t>
+              <a:t>2022/6/6</a:t>
             </a:fld>
             <a:endParaRPr kumimoji="1" lang="ja-JP" altLang="en-US"/>
           </a:p>
@@ -2044,7 +2587,7 @@
           <a:p>
             <a:fld id="{CFECFDD7-AECA-43D8-A318-74989596C351}" type="datetimeFigureOut">
               <a:rPr kumimoji="1" lang="ja-JP" altLang="en-US" smtClean="0"/>
-              <a:t>2022/6/3</a:t>
+              <a:t>2022/6/6</a:t>
             </a:fld>
             <a:endParaRPr kumimoji="1" lang="ja-JP" altLang="en-US"/>
           </a:p>
@@ -2185,7 +2728,7 @@
           <a:p>
             <a:fld id="{CFECFDD7-AECA-43D8-A318-74989596C351}" type="datetimeFigureOut">
               <a:rPr kumimoji="1" lang="ja-JP" altLang="en-US" smtClean="0"/>
-              <a:t>2022/6/3</a:t>
+              <a:t>2022/6/6</a:t>
             </a:fld>
             <a:endParaRPr kumimoji="1" lang="ja-JP" altLang="en-US"/>
           </a:p>
@@ -2298,7 +2841,7 @@
           <a:p>
             <a:fld id="{CFECFDD7-AECA-43D8-A318-74989596C351}" type="datetimeFigureOut">
               <a:rPr kumimoji="1" lang="ja-JP" altLang="en-US" smtClean="0"/>
-              <a:t>2022/6/3</a:t>
+              <a:t>2022/6/6</a:t>
             </a:fld>
             <a:endParaRPr kumimoji="1" lang="ja-JP" altLang="en-US"/>
           </a:p>
@@ -2641,7 +3184,7 @@
           <a:p>
             <a:fld id="{CFECFDD7-AECA-43D8-A318-74989596C351}" type="datetimeFigureOut">
               <a:rPr kumimoji="1" lang="ja-JP" altLang="en-US" smtClean="0"/>
-              <a:t>2022/6/3</a:t>
+              <a:t>2022/6/6</a:t>
             </a:fld>
             <a:endParaRPr kumimoji="1" lang="ja-JP" altLang="en-US"/>
           </a:p>
@@ -2929,7 +3472,7 @@
           <a:p>
             <a:fld id="{CFECFDD7-AECA-43D8-A318-74989596C351}" type="datetimeFigureOut">
               <a:rPr kumimoji="1" lang="ja-JP" altLang="en-US" smtClean="0"/>
-              <a:t>2022/6/3</a:t>
+              <a:t>2022/6/6</a:t>
             </a:fld>
             <a:endParaRPr kumimoji="1" lang="ja-JP" altLang="en-US"/>
           </a:p>
@@ -3202,7 +3745,7 @@
           <a:p>
             <a:fld id="{CFECFDD7-AECA-43D8-A318-74989596C351}" type="datetimeFigureOut">
               <a:rPr kumimoji="1" lang="ja-JP" altLang="en-US" smtClean="0"/>
-              <a:t>2022/6/3</a:t>
+              <a:t>2022/6/6</a:t>
             </a:fld>
             <a:endParaRPr kumimoji="1" lang="ja-JP" altLang="en-US"/>
           </a:p>
@@ -3619,350 +4162,64 @@
           <a:chExt cx="0" cy="0"/>
         </a:xfrm>
       </p:grpSpPr>
-      <p:pic>
-        <p:nvPicPr>
-          <p:cNvPr id="5" name="図 4">
-            <a:extLst>
-              <a:ext uri="{FF2B5EF4-FFF2-40B4-BE49-F238E27FC236}">
-                <a16:creationId xmlns:a16="http://schemas.microsoft.com/office/drawing/2014/main" id="{98344A84-2492-F7D4-2912-D5361A762629}"/>
-              </a:ext>
-            </a:extLst>
-          </p:cNvPr>
-          <p:cNvPicPr>
-            <a:picLocks noChangeAspect="1"/>
-          </p:cNvPicPr>
-          <p:nvPr/>
-        </p:nvPicPr>
-        <p:blipFill>
-          <a:blip r:embed="rId2"/>
-          <a:stretch>
-            <a:fillRect/>
-          </a:stretch>
-        </p:blipFill>
-        <p:spPr>
-          <a:xfrm>
-            <a:off x="241683" y="52491"/>
-            <a:ext cx="8327300" cy="1791715"/>
-          </a:xfrm>
-          <a:prstGeom prst="rect">
-            <a:avLst/>
-          </a:prstGeom>
-          <a:ln>
-            <a:noFill/>
-          </a:ln>
-          <a:effectLst>
-            <a:outerShdw blurRad="292100" dist="139700" dir="2700000" algn="tl" rotWithShape="0">
-              <a:srgbClr val="333333">
-                <a:alpha val="65000"/>
-              </a:srgbClr>
-            </a:outerShdw>
-          </a:effectLst>
-        </p:spPr>
-      </p:pic>
-      <p:pic>
-        <p:nvPicPr>
-          <p:cNvPr id="10" name="図 9">
-            <a:extLst>
-              <a:ext uri="{FF2B5EF4-FFF2-40B4-BE49-F238E27FC236}">
-                <a16:creationId xmlns:a16="http://schemas.microsoft.com/office/drawing/2014/main" id="{A183F6A6-C1CD-332E-8952-CD8F813A6741}"/>
-              </a:ext>
-            </a:extLst>
-          </p:cNvPr>
-          <p:cNvPicPr>
-            <a:picLocks noChangeAspect="1"/>
-          </p:cNvPicPr>
-          <p:nvPr/>
-        </p:nvPicPr>
-        <p:blipFill>
-          <a:blip r:embed="rId3"/>
-          <a:stretch>
-            <a:fillRect/>
-          </a:stretch>
-        </p:blipFill>
-        <p:spPr>
-          <a:xfrm>
-            <a:off x="241683" y="1967910"/>
-            <a:ext cx="8327300" cy="4421467"/>
-          </a:xfrm>
-          <a:prstGeom prst="rect">
-            <a:avLst/>
-          </a:prstGeom>
-          <a:ln>
-            <a:noFill/>
-          </a:ln>
-          <a:effectLst>
-            <a:outerShdw blurRad="292100" dist="139700" dir="2700000" algn="tl" rotWithShape="0">
-              <a:srgbClr val="333333">
-                <a:alpha val="65000"/>
-              </a:srgbClr>
-            </a:outerShdw>
-          </a:effectLst>
-        </p:spPr>
-      </p:pic>
-      <p:sp>
-        <p:nvSpPr>
-          <p:cNvPr id="13" name="四角形: 角を丸くする 12">
-            <a:extLst>
-              <a:ext uri="{FF2B5EF4-FFF2-40B4-BE49-F238E27FC236}">
-                <a16:creationId xmlns:a16="http://schemas.microsoft.com/office/drawing/2014/main" id="{8A156218-E70E-9537-0140-FC545C5EBAA9}"/>
-              </a:ext>
-            </a:extLst>
-          </p:cNvPr>
-          <p:cNvSpPr/>
-          <p:nvPr/>
-        </p:nvSpPr>
-        <p:spPr>
-          <a:xfrm>
-            <a:off x="1673043" y="1139770"/>
-            <a:ext cx="6895940" cy="200338"/>
-          </a:xfrm>
-          <a:prstGeom prst="roundRect">
-            <a:avLst/>
-          </a:prstGeom>
-          <a:noFill/>
-          <a:ln w="28575">
-            <a:solidFill>
-              <a:srgbClr val="FF0000"/>
-            </a:solidFill>
-          </a:ln>
-        </p:spPr>
-        <p:style>
-          <a:lnRef idx="2">
-            <a:schemeClr val="accent1">
-              <a:shade val="50000"/>
-            </a:schemeClr>
-          </a:lnRef>
-          <a:fillRef idx="1">
-            <a:schemeClr val="accent1"/>
-          </a:fillRef>
-          <a:effectRef idx="0">
-            <a:schemeClr val="accent1"/>
-          </a:effectRef>
-          <a:fontRef idx="minor">
-            <a:schemeClr val="lt1"/>
-          </a:fontRef>
-        </p:style>
-        <p:txBody>
-          <a:bodyPr rtlCol="0" anchor="ctr"/>
-          <a:lstStyle/>
-          <a:p>
-            <a:pPr algn="ctr"/>
-            <a:endParaRPr kumimoji="1" lang="ja-JP" altLang="en-US" dirty="0"/>
-          </a:p>
-        </p:txBody>
-      </p:sp>
-      <p:sp>
-        <p:nvSpPr>
-          <p:cNvPr id="14" name="吹き出し: 四角形 13">
-            <a:extLst>
-              <a:ext uri="{FF2B5EF4-FFF2-40B4-BE49-F238E27FC236}">
-                <a16:creationId xmlns:a16="http://schemas.microsoft.com/office/drawing/2014/main" id="{316F1721-E3E6-6395-AEE4-8E0B8D18490F}"/>
-              </a:ext>
-            </a:extLst>
-          </p:cNvPr>
-          <p:cNvSpPr/>
-          <p:nvPr/>
-        </p:nvSpPr>
-        <p:spPr>
-          <a:xfrm>
-            <a:off x="8728745" y="656904"/>
-            <a:ext cx="2642532" cy="583035"/>
-          </a:xfrm>
-          <a:prstGeom prst="wedgeRectCallout">
-            <a:avLst>
-              <a:gd name="adj1" fmla="val -64833"/>
-              <a:gd name="adj2" fmla="val 39478"/>
-            </a:avLst>
-          </a:prstGeom>
-        </p:spPr>
-        <p:style>
-          <a:lnRef idx="2">
-            <a:schemeClr val="accent2"/>
-          </a:lnRef>
-          <a:fillRef idx="1">
-            <a:schemeClr val="lt1"/>
-          </a:fillRef>
-          <a:effectRef idx="0">
-            <a:schemeClr val="accent2"/>
-          </a:effectRef>
-          <a:fontRef idx="minor">
-            <a:schemeClr val="dk1"/>
-          </a:fontRef>
-        </p:style>
-        <p:txBody>
-          <a:bodyPr rtlCol="0" anchor="ctr"/>
-          <a:lstStyle/>
-          <a:p>
-            <a:pPr algn="ctr"/>
-            <a:r>
-              <a:rPr kumimoji="1" lang="en-US" altLang="ja-JP" sz="1200" dirty="0"/>
-              <a:t>Echo API</a:t>
-            </a:r>
-            <a:r>
-              <a:rPr kumimoji="1" lang="ja-JP" altLang="en-US" sz="1200" dirty="0"/>
-              <a:t> に </a:t>
-            </a:r>
-            <a:r>
-              <a:rPr kumimoji="1" lang="en-US" altLang="ja-JP" sz="1200" dirty="0"/>
-              <a:t>Rev2</a:t>
-            </a:r>
-            <a:r>
-              <a:rPr kumimoji="1" lang="ja-JP" altLang="en-US" sz="1200" dirty="0"/>
-              <a:t> を追加</a:t>
-            </a:r>
-            <a:endParaRPr kumimoji="1" lang="en-US" altLang="ja-JP" sz="1200" dirty="0"/>
-          </a:p>
-          <a:p>
-            <a:pPr algn="ctr"/>
-            <a:r>
-              <a:rPr lang="ja-JP" altLang="en-US" sz="1200" dirty="0"/>
-              <a:t>（</a:t>
-            </a:r>
-            <a:r>
-              <a:rPr lang="en-US" altLang="ja-JP" sz="1200" dirty="0"/>
-              <a:t>Current </a:t>
-            </a:r>
-            <a:r>
-              <a:rPr lang="ja-JP" altLang="en-US" sz="1200" dirty="0"/>
-              <a:t>にはしない）</a:t>
-            </a:r>
-            <a:endParaRPr kumimoji="1" lang="ja-JP" altLang="en-US" sz="1200" dirty="0"/>
-          </a:p>
-        </p:txBody>
-      </p:sp>
-      <p:sp>
-        <p:nvSpPr>
-          <p:cNvPr id="16" name="吹き出し: 四角形 15">
-            <a:extLst>
-              <a:ext uri="{FF2B5EF4-FFF2-40B4-BE49-F238E27FC236}">
-                <a16:creationId xmlns:a16="http://schemas.microsoft.com/office/drawing/2014/main" id="{76C35255-B7D0-A63F-F7C7-F17F9338B148}"/>
-              </a:ext>
-            </a:extLst>
-          </p:cNvPr>
-          <p:cNvSpPr/>
-          <p:nvPr/>
-        </p:nvSpPr>
-        <p:spPr>
-          <a:xfrm>
-            <a:off x="4324525" y="2088758"/>
-            <a:ext cx="2642532" cy="583035"/>
-          </a:xfrm>
-          <a:prstGeom prst="wedgeRectCallout">
-            <a:avLst>
-              <a:gd name="adj1" fmla="val -71658"/>
-              <a:gd name="adj2" fmla="val -38939"/>
-            </a:avLst>
-          </a:prstGeom>
-        </p:spPr>
-        <p:style>
-          <a:lnRef idx="2">
-            <a:schemeClr val="accent2"/>
-          </a:lnRef>
-          <a:fillRef idx="1">
-            <a:schemeClr val="lt1"/>
-          </a:fillRef>
-          <a:effectRef idx="0">
-            <a:schemeClr val="accent2"/>
-          </a:effectRef>
-          <a:fontRef idx="minor">
-            <a:schemeClr val="dk1"/>
-          </a:fontRef>
-        </p:style>
-        <p:txBody>
-          <a:bodyPr rtlCol="0" anchor="ctr"/>
-          <a:lstStyle/>
-          <a:p>
-            <a:pPr algn="ctr"/>
-            <a:r>
-              <a:rPr kumimoji="1" lang="en-US" altLang="ja-JP" sz="1200" dirty="0"/>
-              <a:t>Rev</a:t>
-            </a:r>
-            <a:r>
-              <a:rPr kumimoji="1" lang="ja-JP" altLang="en-US" sz="1200" dirty="0"/>
-              <a:t> </a:t>
-            </a:r>
-            <a:r>
-              <a:rPr kumimoji="1" lang="en-US" altLang="ja-JP" sz="1200" dirty="0"/>
-              <a:t>2 </a:t>
-            </a:r>
-            <a:r>
-              <a:rPr kumimoji="1" lang="ja-JP" altLang="en-US" sz="1200" dirty="0"/>
-              <a:t>が選択されていることを</a:t>
-            </a:r>
-            <a:br>
-              <a:rPr kumimoji="1" lang="en-US" altLang="ja-JP" sz="1200" dirty="0"/>
-            </a:br>
-            <a:r>
-              <a:rPr kumimoji="1" lang="ja-JP" altLang="en-US" sz="1200" dirty="0"/>
-              <a:t>確認して </a:t>
-            </a:r>
-            <a:r>
-              <a:rPr kumimoji="1" lang="en-US" altLang="ja-JP" sz="1200" dirty="0"/>
-              <a:t>API</a:t>
-            </a:r>
-            <a:r>
-              <a:rPr kumimoji="1" lang="ja-JP" altLang="en-US" sz="1200" dirty="0"/>
-              <a:t> を修正</a:t>
-            </a:r>
-          </a:p>
-        </p:txBody>
-      </p:sp>
-      <p:sp>
-        <p:nvSpPr>
-          <p:cNvPr id="18" name="四角形: 角を丸くする 17">
-            <a:extLst>
-              <a:ext uri="{FF2B5EF4-FFF2-40B4-BE49-F238E27FC236}">
-                <a16:creationId xmlns:a16="http://schemas.microsoft.com/office/drawing/2014/main" id="{53313848-C2B2-4963-11A3-B10EE7FCFD9B}"/>
-              </a:ext>
-            </a:extLst>
-          </p:cNvPr>
-          <p:cNvSpPr/>
-          <p:nvPr/>
-        </p:nvSpPr>
-        <p:spPr>
-          <a:xfrm>
-            <a:off x="1456328" y="1946278"/>
-            <a:ext cx="2369052" cy="284960"/>
-          </a:xfrm>
-          <a:prstGeom prst="roundRect">
-            <a:avLst/>
-          </a:prstGeom>
-          <a:noFill/>
-          <a:ln w="28575">
-            <a:solidFill>
-              <a:srgbClr val="FF0000"/>
-            </a:solidFill>
-          </a:ln>
-        </p:spPr>
-        <p:style>
-          <a:lnRef idx="2">
-            <a:schemeClr val="accent1">
-              <a:shade val="50000"/>
-            </a:schemeClr>
-          </a:lnRef>
-          <a:fillRef idx="1">
-            <a:schemeClr val="accent1"/>
-          </a:fillRef>
-          <a:effectRef idx="0">
-            <a:schemeClr val="accent1"/>
-          </a:effectRef>
-          <a:fontRef idx="minor">
-            <a:schemeClr val="lt1"/>
-          </a:fontRef>
-        </p:style>
-        <p:txBody>
-          <a:bodyPr rtlCol="0" anchor="ctr"/>
-          <a:lstStyle/>
-          <a:p>
-            <a:pPr algn="ctr"/>
-            <a:endParaRPr kumimoji="1" lang="ja-JP" altLang="en-US" dirty="0"/>
+      <p:sp>
+        <p:nvSpPr>
+          <p:cNvPr id="2" name="タイトル 1">
+            <a:extLst>
+              <a:ext uri="{FF2B5EF4-FFF2-40B4-BE49-F238E27FC236}">
+                <a16:creationId xmlns:a16="http://schemas.microsoft.com/office/drawing/2014/main" id="{8BBC89F5-68F3-9E97-7DA4-EC4545A718CA}"/>
+              </a:ext>
+            </a:extLst>
+          </p:cNvPr>
+          <p:cNvSpPr>
+            <a:spLocks noGrp="1"/>
+          </p:cNvSpPr>
+          <p:nvPr>
+            <p:ph type="title"/>
+          </p:nvPr>
+        </p:nvSpPr>
+        <p:spPr/>
+        <p:txBody>
+          <a:bodyPr/>
+          <a:lstStyle/>
+          <a:p>
+            <a:r>
+              <a:rPr lang="en-US" altLang="ja-JP" dirty="0"/>
+              <a:t>API Management</a:t>
+            </a:r>
+            <a:endParaRPr lang="ja-JP" altLang="en-US" dirty="0"/>
+          </a:p>
+        </p:txBody>
+      </p:sp>
+      <p:sp>
+        <p:nvSpPr>
+          <p:cNvPr id="3" name="テキスト プレースホルダー 2">
+            <a:extLst>
+              <a:ext uri="{FF2B5EF4-FFF2-40B4-BE49-F238E27FC236}">
+                <a16:creationId xmlns:a16="http://schemas.microsoft.com/office/drawing/2014/main" id="{A7679AAE-4499-775B-A714-C86C00C02CE1}"/>
+              </a:ext>
+            </a:extLst>
+          </p:cNvPr>
+          <p:cNvSpPr>
+            <a:spLocks noGrp="1"/>
+          </p:cNvSpPr>
+          <p:nvPr>
+            <p:ph type="body" idx="1"/>
+          </p:nvPr>
+        </p:nvSpPr>
+        <p:spPr/>
+        <p:txBody>
+          <a:bodyPr/>
+          <a:lstStyle/>
+          <a:p>
+            <a:endParaRPr lang="ja-JP" altLang="en-US"/>
           </a:p>
         </p:txBody>
       </p:sp>
     </p:spTree>
     <p:extLst>
       <p:ext uri="{BB962C8B-B14F-4D97-AF65-F5344CB8AC3E}">
-        <p14:creationId xmlns:p14="http://schemas.microsoft.com/office/powerpoint/2010/main" val="1731937351"/>
+        <p14:creationId xmlns:p14="http://schemas.microsoft.com/office/powerpoint/2010/main" val="2581680462"/>
       </p:ext>
     </p:extLst>
   </p:cSld>
@@ -3972,7 +4229,7 @@
 </p:sld>
 </file>
 
-<file path=ppt/slides/slide2.xml><?xml version="1.0" encoding="utf-8"?>
+<file path=ppt/slides/slide10.xml><?xml version="1.0" encoding="utf-8"?>
 <p:sld xmlns:a="http://schemas.openxmlformats.org/drawingml/2006/main" xmlns:r="http://schemas.openxmlformats.org/officeDocument/2006/relationships" xmlns:p="http://schemas.openxmlformats.org/presentationml/2006/main">
   <p:cSld>
     <p:spTree>
@@ -3991,1057 +4248,66 @@
       </p:grpSpPr>
       <p:sp>
         <p:nvSpPr>
-          <p:cNvPr id="13" name="四角形: 角を丸くする 12">
-            <a:extLst>
-              <a:ext uri="{FF2B5EF4-FFF2-40B4-BE49-F238E27FC236}">
-                <a16:creationId xmlns:a16="http://schemas.microsoft.com/office/drawing/2014/main" id="{4C10AD9C-D3DF-CBA9-68F2-416D104ECC1F}"/>
-              </a:ext>
-            </a:extLst>
-          </p:cNvPr>
-          <p:cNvSpPr/>
-          <p:nvPr/>
-        </p:nvSpPr>
-        <p:spPr>
-          <a:xfrm>
-            <a:off x="4278375" y="1120334"/>
-            <a:ext cx="4634917" cy="2360704"/>
-          </a:xfrm>
-          <a:prstGeom prst="roundRect">
-            <a:avLst>
-              <a:gd name="adj" fmla="val 0"/>
-            </a:avLst>
-          </a:prstGeom>
-          <a:ln>
-            <a:prstDash val="dash"/>
-          </a:ln>
-        </p:spPr>
-        <p:style>
-          <a:lnRef idx="2">
-            <a:schemeClr val="dk1"/>
-          </a:lnRef>
-          <a:fillRef idx="1">
-            <a:schemeClr val="lt1"/>
-          </a:fillRef>
-          <a:effectRef idx="0">
-            <a:schemeClr val="dk1"/>
-          </a:effectRef>
-          <a:fontRef idx="minor">
-            <a:schemeClr val="dk1"/>
-          </a:fontRef>
-        </p:style>
-        <p:txBody>
-          <a:bodyPr rtlCol="0" anchor="t"/>
-          <a:lstStyle/>
-          <a:p>
-            <a:r>
-              <a:rPr lang="en-US" altLang="ja-JP" sz="1400" dirty="0" err="1"/>
-              <a:t>echo-api;rev</a:t>
-            </a:r>
-            <a:r>
-              <a:rPr lang="en-US" altLang="ja-JP" sz="1400" dirty="0"/>
-              <a:t>=1</a:t>
-            </a:r>
-            <a:endParaRPr kumimoji="1" lang="ja-JP" altLang="en-US" sz="1400" dirty="0"/>
-          </a:p>
-          <a:p>
-            <a:endParaRPr kumimoji="1" lang="ja-JP" altLang="en-US" sz="1400" dirty="0"/>
-          </a:p>
-        </p:txBody>
-      </p:sp>
-      <p:sp>
-        <p:nvSpPr>
-          <p:cNvPr id="15" name="四角形: 角を丸くする 14">
-            <a:extLst>
-              <a:ext uri="{FF2B5EF4-FFF2-40B4-BE49-F238E27FC236}">
-                <a16:creationId xmlns:a16="http://schemas.microsoft.com/office/drawing/2014/main" id="{D26230C8-8E9E-5437-F8B4-8F9970D0928C}"/>
-              </a:ext>
-            </a:extLst>
-          </p:cNvPr>
-          <p:cNvSpPr/>
-          <p:nvPr/>
-        </p:nvSpPr>
-        <p:spPr>
-          <a:xfrm>
-            <a:off x="4430775" y="1474064"/>
-            <a:ext cx="4634917" cy="2360704"/>
-          </a:xfrm>
-          <a:prstGeom prst="roundRect">
-            <a:avLst>
-              <a:gd name="adj" fmla="val 0"/>
-            </a:avLst>
-          </a:prstGeom>
-          <a:ln>
-            <a:prstDash val="dash"/>
-          </a:ln>
-        </p:spPr>
-        <p:style>
-          <a:lnRef idx="2">
-            <a:schemeClr val="dk1"/>
-          </a:lnRef>
-          <a:fillRef idx="1">
-            <a:schemeClr val="lt1"/>
-          </a:fillRef>
-          <a:effectRef idx="0">
-            <a:schemeClr val="dk1"/>
-          </a:effectRef>
-          <a:fontRef idx="minor">
-            <a:schemeClr val="dk1"/>
-          </a:fontRef>
-        </p:style>
-        <p:txBody>
-          <a:bodyPr rtlCol="0" anchor="t"/>
-          <a:lstStyle/>
-          <a:p>
-            <a:r>
-              <a:rPr lang="en-US" altLang="ja-JP" sz="1400" dirty="0" err="1"/>
-              <a:t>echo-api;rev</a:t>
-            </a:r>
-            <a:r>
-              <a:rPr lang="en-US" altLang="ja-JP" sz="1400" dirty="0"/>
-              <a:t>=2</a:t>
-            </a:r>
-            <a:endParaRPr kumimoji="1" lang="ja-JP" altLang="en-US" sz="1400" dirty="0"/>
-          </a:p>
-        </p:txBody>
-      </p:sp>
-      <p:sp>
-        <p:nvSpPr>
-          <p:cNvPr id="2" name="四角形: メモ 1">
-            <a:extLst>
-              <a:ext uri="{FF2B5EF4-FFF2-40B4-BE49-F238E27FC236}">
-                <a16:creationId xmlns:a16="http://schemas.microsoft.com/office/drawing/2014/main" id="{E8006ADA-AC22-94D3-7839-B5118F1EE0E9}"/>
-              </a:ext>
-            </a:extLst>
-          </p:cNvPr>
-          <p:cNvSpPr/>
-          <p:nvPr/>
-        </p:nvSpPr>
-        <p:spPr>
-          <a:xfrm>
-            <a:off x="2005266" y="1734321"/>
-            <a:ext cx="1573637" cy="1040447"/>
-          </a:xfrm>
-          <a:prstGeom prst="foldedCorner">
-            <a:avLst/>
-          </a:prstGeom>
-        </p:spPr>
-        <p:style>
-          <a:lnRef idx="2">
-            <a:schemeClr val="accent1"/>
-          </a:lnRef>
-          <a:fillRef idx="1">
-            <a:schemeClr val="lt1"/>
-          </a:fillRef>
-          <a:effectRef idx="0">
-            <a:schemeClr val="accent1"/>
-          </a:effectRef>
-          <a:fontRef idx="minor">
-            <a:schemeClr val="dk1"/>
-          </a:fontRef>
-        </p:style>
-        <p:txBody>
-          <a:bodyPr rtlCol="0" anchor="ctr"/>
-          <a:lstStyle/>
-          <a:p>
-            <a:pPr algn="ctr"/>
-            <a:r>
-              <a:rPr kumimoji="1" lang="en-US" altLang="ja-JP" sz="1400" dirty="0" err="1"/>
-              <a:t>armdeploy</a:t>
-            </a:r>
-            <a:br>
-              <a:rPr kumimoji="1" lang="en-US" altLang="ja-JP" sz="1400" dirty="0"/>
-            </a:br>
-            <a:r>
-              <a:rPr kumimoji="1" lang="en-US" altLang="ja-JP" sz="1400" dirty="0"/>
-              <a:t>.prod</a:t>
-            </a:r>
-            <a:br>
-              <a:rPr kumimoji="1" lang="en-US" altLang="ja-JP" sz="1400" dirty="0"/>
-            </a:br>
-            <a:r>
-              <a:rPr kumimoji="1" lang="en-US" altLang="ja-JP" sz="1400" dirty="0"/>
-              <a:t>.</a:t>
-            </a:r>
-            <a:r>
-              <a:rPr kumimoji="1" lang="en-US" altLang="ja-JP" sz="1400" dirty="0" err="1"/>
-              <a:t>json</a:t>
-            </a:r>
-            <a:endParaRPr kumimoji="1" lang="ja-JP" altLang="en-US" sz="1400" dirty="0"/>
-          </a:p>
-        </p:txBody>
-      </p:sp>
-      <p:sp>
-        <p:nvSpPr>
-          <p:cNvPr id="4" name="四角形: メモ 3">
-            <a:extLst>
-              <a:ext uri="{FF2B5EF4-FFF2-40B4-BE49-F238E27FC236}">
-                <a16:creationId xmlns:a16="http://schemas.microsoft.com/office/drawing/2014/main" id="{FC56C4BC-1265-D38A-9F10-A4F76D05919B}"/>
-              </a:ext>
-            </a:extLst>
-          </p:cNvPr>
-          <p:cNvSpPr/>
-          <p:nvPr/>
-        </p:nvSpPr>
-        <p:spPr>
-          <a:xfrm>
-            <a:off x="4801425" y="1912687"/>
-            <a:ext cx="1627189" cy="859874"/>
-          </a:xfrm>
-          <a:prstGeom prst="foldedCorner">
-            <a:avLst/>
-          </a:prstGeom>
-        </p:spPr>
-        <p:style>
-          <a:lnRef idx="2">
-            <a:schemeClr val="accent1"/>
-          </a:lnRef>
-          <a:fillRef idx="1">
-            <a:schemeClr val="lt1"/>
-          </a:fillRef>
-          <a:effectRef idx="0">
-            <a:schemeClr val="accent1"/>
-          </a:effectRef>
-          <a:fontRef idx="minor">
-            <a:schemeClr val="dk1"/>
-          </a:fontRef>
-        </p:style>
-        <p:txBody>
-          <a:bodyPr rtlCol="0" anchor="ctr"/>
-          <a:lstStyle/>
-          <a:p>
-            <a:pPr algn="ctr"/>
-            <a:r>
-              <a:rPr kumimoji="1" lang="en-US" altLang="ja-JP" sz="1200" dirty="0"/>
-              <a:t>XXXX-master</a:t>
-            </a:r>
-            <a:br>
-              <a:rPr kumimoji="1" lang="en-US" altLang="ja-JP" sz="1200" dirty="0"/>
-            </a:br>
-            <a:r>
-              <a:rPr kumimoji="1" lang="en-US" altLang="ja-JP" sz="1200" dirty="0"/>
-              <a:t>.template</a:t>
-            </a:r>
-            <a:br>
-              <a:rPr kumimoji="1" lang="en-US" altLang="ja-JP" sz="1200" dirty="0"/>
-            </a:br>
-            <a:r>
-              <a:rPr kumimoji="1" lang="en-US" altLang="ja-JP" sz="1200" dirty="0"/>
-              <a:t>.</a:t>
-            </a:r>
-            <a:r>
-              <a:rPr kumimoji="1" lang="en-US" altLang="ja-JP" sz="1200" dirty="0" err="1"/>
-              <a:t>json</a:t>
-            </a:r>
-            <a:endParaRPr kumimoji="1" lang="ja-JP" altLang="en-US" sz="1200" dirty="0"/>
-          </a:p>
-        </p:txBody>
-      </p:sp>
-      <p:sp>
-        <p:nvSpPr>
-          <p:cNvPr id="6" name="四角形: メモ 5">
-            <a:extLst>
-              <a:ext uri="{FF2B5EF4-FFF2-40B4-BE49-F238E27FC236}">
-                <a16:creationId xmlns:a16="http://schemas.microsoft.com/office/drawing/2014/main" id="{09890F55-A2D5-10FA-CF10-E93B3328F703}"/>
-              </a:ext>
-            </a:extLst>
-          </p:cNvPr>
-          <p:cNvSpPr/>
-          <p:nvPr/>
-        </p:nvSpPr>
-        <p:spPr>
-          <a:xfrm>
-            <a:off x="6788078" y="1620472"/>
-            <a:ext cx="1312877" cy="1493240"/>
-          </a:xfrm>
-          <a:prstGeom prst="foldedCorner">
-            <a:avLst/>
-          </a:prstGeom>
-        </p:spPr>
-        <p:style>
-          <a:lnRef idx="2">
-            <a:schemeClr val="accent1"/>
-          </a:lnRef>
-          <a:fillRef idx="1">
-            <a:schemeClr val="lt1"/>
-          </a:fillRef>
-          <a:effectRef idx="0">
-            <a:schemeClr val="accent1"/>
-          </a:effectRef>
-          <a:fontRef idx="minor">
-            <a:schemeClr val="dk1"/>
-          </a:fontRef>
-        </p:style>
-        <p:txBody>
-          <a:bodyPr rtlCol="0" anchor="ctr"/>
-          <a:lstStyle/>
-          <a:p>
-            <a:pPr algn="ctr"/>
-            <a:endParaRPr kumimoji="1" lang="ja-JP" altLang="en-US" sz="1200"/>
-          </a:p>
-        </p:txBody>
-      </p:sp>
-      <p:sp>
-        <p:nvSpPr>
-          <p:cNvPr id="8" name="四角形: メモ 7">
-            <a:extLst>
-              <a:ext uri="{FF2B5EF4-FFF2-40B4-BE49-F238E27FC236}">
-                <a16:creationId xmlns:a16="http://schemas.microsoft.com/office/drawing/2014/main" id="{FDBA41B4-6134-8CC7-1038-746004A19769}"/>
-              </a:ext>
-            </a:extLst>
-          </p:cNvPr>
-          <p:cNvSpPr/>
-          <p:nvPr/>
-        </p:nvSpPr>
-        <p:spPr>
-          <a:xfrm>
-            <a:off x="6940478" y="1772872"/>
-            <a:ext cx="1312877" cy="1493240"/>
-          </a:xfrm>
-          <a:prstGeom prst="foldedCorner">
-            <a:avLst/>
-          </a:prstGeom>
-        </p:spPr>
-        <p:style>
-          <a:lnRef idx="2">
-            <a:schemeClr val="accent1"/>
-          </a:lnRef>
-          <a:fillRef idx="1">
-            <a:schemeClr val="lt1"/>
-          </a:fillRef>
-          <a:effectRef idx="0">
-            <a:schemeClr val="accent1"/>
-          </a:effectRef>
-          <a:fontRef idx="minor">
-            <a:schemeClr val="dk1"/>
-          </a:fontRef>
-        </p:style>
-        <p:txBody>
-          <a:bodyPr rtlCol="0" anchor="ctr"/>
-          <a:lstStyle/>
-          <a:p>
-            <a:pPr algn="ctr"/>
-            <a:endParaRPr kumimoji="1" lang="ja-JP" altLang="en-US" sz="1200"/>
-          </a:p>
-        </p:txBody>
-      </p:sp>
-      <p:sp>
-        <p:nvSpPr>
-          <p:cNvPr id="10" name="四角形: メモ 9">
-            <a:extLst>
-              <a:ext uri="{FF2B5EF4-FFF2-40B4-BE49-F238E27FC236}">
-                <a16:creationId xmlns:a16="http://schemas.microsoft.com/office/drawing/2014/main" id="{17135500-28A6-A192-502F-B85F21348C58}"/>
-              </a:ext>
-            </a:extLst>
-          </p:cNvPr>
-          <p:cNvSpPr/>
-          <p:nvPr/>
-        </p:nvSpPr>
-        <p:spPr>
-          <a:xfrm>
-            <a:off x="7092878" y="1925272"/>
-            <a:ext cx="1312877" cy="1493240"/>
-          </a:xfrm>
-          <a:prstGeom prst="foldedCorner">
-            <a:avLst/>
-          </a:prstGeom>
-        </p:spPr>
-        <p:style>
-          <a:lnRef idx="2">
-            <a:schemeClr val="accent1"/>
-          </a:lnRef>
-          <a:fillRef idx="1">
-            <a:schemeClr val="lt1"/>
-          </a:fillRef>
-          <a:effectRef idx="0">
-            <a:schemeClr val="accent1"/>
-          </a:effectRef>
-          <a:fontRef idx="minor">
-            <a:schemeClr val="dk1"/>
-          </a:fontRef>
-        </p:style>
-        <p:txBody>
-          <a:bodyPr rtlCol="0" anchor="ctr"/>
-          <a:lstStyle/>
-          <a:p>
-            <a:pPr algn="ctr"/>
-            <a:endParaRPr kumimoji="1" lang="ja-JP" altLang="en-US" sz="1200"/>
-          </a:p>
-        </p:txBody>
-      </p:sp>
-      <p:sp>
-        <p:nvSpPr>
-          <p:cNvPr id="12" name="四角形: メモ 11">
-            <a:extLst>
-              <a:ext uri="{FF2B5EF4-FFF2-40B4-BE49-F238E27FC236}">
-                <a16:creationId xmlns:a16="http://schemas.microsoft.com/office/drawing/2014/main" id="{E2E73E27-D6DD-B624-0094-8F7030DE533D}"/>
-              </a:ext>
-            </a:extLst>
-          </p:cNvPr>
-          <p:cNvSpPr/>
-          <p:nvPr/>
-        </p:nvSpPr>
-        <p:spPr>
-          <a:xfrm>
-            <a:off x="7245278" y="2077672"/>
-            <a:ext cx="1312877" cy="1493240"/>
-          </a:xfrm>
-          <a:prstGeom prst="foldedCorner">
-            <a:avLst/>
-          </a:prstGeom>
-        </p:spPr>
-        <p:style>
-          <a:lnRef idx="2">
-            <a:schemeClr val="accent1"/>
-          </a:lnRef>
-          <a:fillRef idx="1">
-            <a:schemeClr val="lt1"/>
-          </a:fillRef>
-          <a:effectRef idx="0">
-            <a:schemeClr val="accent1"/>
-          </a:effectRef>
-          <a:fontRef idx="minor">
-            <a:schemeClr val="dk1"/>
-          </a:fontRef>
-        </p:style>
-        <p:txBody>
-          <a:bodyPr rtlCol="0" anchor="ctr"/>
-          <a:lstStyle/>
-          <a:p>
-            <a:pPr algn="ctr"/>
-            <a:endParaRPr kumimoji="1" lang="ja-JP" altLang="en-US" sz="1200"/>
-          </a:p>
-        </p:txBody>
-      </p:sp>
-      <p:sp>
-        <p:nvSpPr>
-          <p:cNvPr id="17" name="四角形: メモ 16">
-            <a:extLst>
-              <a:ext uri="{FF2B5EF4-FFF2-40B4-BE49-F238E27FC236}">
-                <a16:creationId xmlns:a16="http://schemas.microsoft.com/office/drawing/2014/main" id="{66364856-C014-C410-37BB-0065EB490597}"/>
-              </a:ext>
-            </a:extLst>
-          </p:cNvPr>
-          <p:cNvSpPr/>
-          <p:nvPr/>
-        </p:nvSpPr>
-        <p:spPr>
-          <a:xfrm>
-            <a:off x="4801424" y="2848757"/>
-            <a:ext cx="1627189" cy="859874"/>
-          </a:xfrm>
-          <a:prstGeom prst="foldedCorner">
-            <a:avLst/>
-          </a:prstGeom>
-        </p:spPr>
-        <p:style>
-          <a:lnRef idx="2">
-            <a:schemeClr val="accent1"/>
-          </a:lnRef>
-          <a:fillRef idx="1">
-            <a:schemeClr val="lt1"/>
-          </a:fillRef>
-          <a:effectRef idx="0">
-            <a:schemeClr val="accent1"/>
-          </a:effectRef>
-          <a:fontRef idx="minor">
-            <a:schemeClr val="dk1"/>
-          </a:fontRef>
-        </p:style>
-        <p:txBody>
-          <a:bodyPr rtlCol="0" anchor="ctr"/>
-          <a:lstStyle/>
-          <a:p>
-            <a:pPr algn="ctr"/>
-            <a:r>
-              <a:rPr kumimoji="1" lang="en-US" altLang="ja-JP" sz="1200" dirty="0"/>
-              <a:t>XXXX-parameters-.</a:t>
-            </a:r>
-            <a:r>
-              <a:rPr kumimoji="1" lang="en-US" altLang="ja-JP" sz="1200" dirty="0" err="1"/>
-              <a:t>json</a:t>
-            </a:r>
-            <a:endParaRPr kumimoji="1" lang="ja-JP" altLang="en-US" sz="1200" dirty="0"/>
-          </a:p>
-        </p:txBody>
-      </p:sp>
-      <p:sp>
-        <p:nvSpPr>
-          <p:cNvPr id="19" name="四角形: メモ 18">
-            <a:extLst>
-              <a:ext uri="{FF2B5EF4-FFF2-40B4-BE49-F238E27FC236}">
-                <a16:creationId xmlns:a16="http://schemas.microsoft.com/office/drawing/2014/main" id="{F9699E51-D160-F4BE-E822-080A1276E4BB}"/>
-              </a:ext>
-            </a:extLst>
-          </p:cNvPr>
-          <p:cNvSpPr/>
-          <p:nvPr/>
-        </p:nvSpPr>
-        <p:spPr>
-          <a:xfrm>
-            <a:off x="7397678" y="2242654"/>
-            <a:ext cx="1312877" cy="1493240"/>
-          </a:xfrm>
-          <a:prstGeom prst="foldedCorner">
-            <a:avLst/>
-          </a:prstGeom>
-        </p:spPr>
-        <p:style>
-          <a:lnRef idx="2">
-            <a:schemeClr val="accent1"/>
-          </a:lnRef>
-          <a:fillRef idx="1">
-            <a:schemeClr val="lt1"/>
-          </a:fillRef>
-          <a:effectRef idx="0">
-            <a:schemeClr val="accent1"/>
-          </a:effectRef>
-          <a:fontRef idx="minor">
-            <a:schemeClr val="dk1"/>
-          </a:fontRef>
-        </p:style>
-        <p:txBody>
-          <a:bodyPr rtlCol="0" anchor="ctr"/>
-          <a:lstStyle/>
-          <a:p>
-            <a:pPr algn="ctr"/>
-            <a:r>
-              <a:rPr kumimoji="1" lang="en-US" altLang="ja-JP" sz="1200" dirty="0" err="1"/>
-              <a:t>Xxxx-api</a:t>
-            </a:r>
-            <a:br>
-              <a:rPr kumimoji="1" lang="en-US" altLang="ja-JP" sz="1200" dirty="0"/>
-            </a:br>
-            <a:r>
-              <a:rPr kumimoji="1" lang="en-US" altLang="ja-JP" sz="1200" dirty="0"/>
-              <a:t>.template</a:t>
-            </a:r>
-            <a:br>
-              <a:rPr kumimoji="1" lang="en-US" altLang="ja-JP" sz="1200" dirty="0"/>
-            </a:br>
-            <a:r>
-              <a:rPr kumimoji="1" lang="en-US" altLang="ja-JP" sz="1200" dirty="0"/>
-              <a:t>.</a:t>
-            </a:r>
-            <a:r>
-              <a:rPr kumimoji="1" lang="en-US" altLang="ja-JP" sz="1200" dirty="0" err="1"/>
-              <a:t>json</a:t>
-            </a:r>
-            <a:endParaRPr kumimoji="1" lang="ja-JP" altLang="en-US" sz="1200" dirty="0"/>
-          </a:p>
-        </p:txBody>
-      </p:sp>
-      <p:cxnSp>
-        <p:nvCxnSpPr>
-          <p:cNvPr id="21" name="直線矢印コネクタ 20">
-            <a:extLst>
-              <a:ext uri="{FF2B5EF4-FFF2-40B4-BE49-F238E27FC236}">
-                <a16:creationId xmlns:a16="http://schemas.microsoft.com/office/drawing/2014/main" id="{1D03A8F6-2553-2729-8972-C9B01513E423}"/>
-              </a:ext>
-            </a:extLst>
-          </p:cNvPr>
-          <p:cNvCxnSpPr/>
-          <p:nvPr/>
-        </p:nvCxnSpPr>
-        <p:spPr>
-          <a:xfrm>
-            <a:off x="6445463" y="2016154"/>
-            <a:ext cx="363267" cy="0"/>
-          </a:xfrm>
-          <a:prstGeom prst="straightConnector1">
-            <a:avLst/>
-          </a:prstGeom>
-          <a:ln w="19050">
-            <a:solidFill>
-              <a:schemeClr val="tx1"/>
-            </a:solidFill>
-            <a:headEnd type="none" w="med" len="med"/>
-            <a:tailEnd type="arrow" w="med" len="med"/>
-          </a:ln>
-        </p:spPr>
-        <p:style>
-          <a:lnRef idx="1">
-            <a:schemeClr val="accent1"/>
-          </a:lnRef>
-          <a:fillRef idx="0">
-            <a:schemeClr val="accent1"/>
-          </a:fillRef>
-          <a:effectRef idx="0">
-            <a:schemeClr val="accent1"/>
-          </a:effectRef>
-          <a:fontRef idx="minor">
-            <a:schemeClr val="tx1"/>
-          </a:fontRef>
-        </p:style>
-      </p:cxnSp>
-      <p:cxnSp>
-        <p:nvCxnSpPr>
-          <p:cNvPr id="23" name="直線矢印コネクタ 22">
-            <a:extLst>
-              <a:ext uri="{FF2B5EF4-FFF2-40B4-BE49-F238E27FC236}">
-                <a16:creationId xmlns:a16="http://schemas.microsoft.com/office/drawing/2014/main" id="{8BD7F97B-43A1-24F8-F1BA-09711D2A0E98}"/>
-              </a:ext>
-            </a:extLst>
-          </p:cNvPr>
-          <p:cNvCxnSpPr>
-            <a:cxnSpLocks/>
-          </p:cNvCxnSpPr>
-          <p:nvPr/>
-        </p:nvCxnSpPr>
-        <p:spPr>
-          <a:xfrm>
-            <a:off x="6458050" y="2168554"/>
-            <a:ext cx="483508" cy="0"/>
-          </a:xfrm>
-          <a:prstGeom prst="straightConnector1">
-            <a:avLst/>
-          </a:prstGeom>
-          <a:ln w="19050">
-            <a:solidFill>
-              <a:schemeClr val="tx1"/>
-            </a:solidFill>
-            <a:headEnd type="none" w="med" len="med"/>
-            <a:tailEnd type="arrow" w="med" len="med"/>
-          </a:ln>
-        </p:spPr>
-        <p:style>
-          <a:lnRef idx="1">
-            <a:schemeClr val="accent1"/>
-          </a:lnRef>
-          <a:fillRef idx="0">
-            <a:schemeClr val="accent1"/>
-          </a:fillRef>
-          <a:effectRef idx="0">
-            <a:schemeClr val="accent1"/>
-          </a:effectRef>
-          <a:fontRef idx="minor">
-            <a:schemeClr val="tx1"/>
-          </a:fontRef>
-        </p:style>
-      </p:cxnSp>
-      <p:cxnSp>
-        <p:nvCxnSpPr>
-          <p:cNvPr id="25" name="直線矢印コネクタ 24">
-            <a:extLst>
-              <a:ext uri="{FF2B5EF4-FFF2-40B4-BE49-F238E27FC236}">
-                <a16:creationId xmlns:a16="http://schemas.microsoft.com/office/drawing/2014/main" id="{B4EE8F26-6ED7-A910-1819-D77C0D4A22FF}"/>
-              </a:ext>
-            </a:extLst>
-          </p:cNvPr>
-          <p:cNvCxnSpPr>
-            <a:cxnSpLocks/>
-          </p:cNvCxnSpPr>
-          <p:nvPr/>
-        </p:nvCxnSpPr>
-        <p:spPr>
-          <a:xfrm>
-            <a:off x="6475906" y="2320954"/>
-            <a:ext cx="643550" cy="0"/>
-          </a:xfrm>
-          <a:prstGeom prst="straightConnector1">
-            <a:avLst/>
-          </a:prstGeom>
-          <a:ln w="19050">
-            <a:solidFill>
-              <a:schemeClr val="tx1"/>
-            </a:solidFill>
-            <a:headEnd type="none" w="med" len="med"/>
-            <a:tailEnd type="arrow" w="med" len="med"/>
-          </a:ln>
-        </p:spPr>
-        <p:style>
-          <a:lnRef idx="1">
-            <a:schemeClr val="accent1"/>
-          </a:lnRef>
-          <a:fillRef idx="0">
-            <a:schemeClr val="accent1"/>
-          </a:fillRef>
-          <a:effectRef idx="0">
-            <a:schemeClr val="accent1"/>
-          </a:effectRef>
-          <a:fontRef idx="minor">
-            <a:schemeClr val="tx1"/>
-          </a:fontRef>
-        </p:style>
-      </p:cxnSp>
-      <p:cxnSp>
-        <p:nvCxnSpPr>
-          <p:cNvPr id="27" name="直線矢印コネクタ 26">
-            <a:extLst>
-              <a:ext uri="{FF2B5EF4-FFF2-40B4-BE49-F238E27FC236}">
-                <a16:creationId xmlns:a16="http://schemas.microsoft.com/office/drawing/2014/main" id="{375CC4AA-794A-C444-CF21-B441A272E506}"/>
-              </a:ext>
-            </a:extLst>
-          </p:cNvPr>
-          <p:cNvCxnSpPr>
-            <a:cxnSpLocks/>
-          </p:cNvCxnSpPr>
-          <p:nvPr/>
-        </p:nvCxnSpPr>
-        <p:spPr>
-          <a:xfrm>
-            <a:off x="6468462" y="2473354"/>
-            <a:ext cx="778696" cy="0"/>
-          </a:xfrm>
-          <a:prstGeom prst="straightConnector1">
-            <a:avLst/>
-          </a:prstGeom>
-          <a:ln w="19050">
-            <a:solidFill>
-              <a:schemeClr val="tx1"/>
-            </a:solidFill>
-            <a:headEnd type="none" w="med" len="med"/>
-            <a:tailEnd type="arrow" w="med" len="med"/>
-          </a:ln>
-        </p:spPr>
-        <p:style>
-          <a:lnRef idx="1">
-            <a:schemeClr val="accent1"/>
-          </a:lnRef>
-          <a:fillRef idx="0">
-            <a:schemeClr val="accent1"/>
-          </a:fillRef>
-          <a:effectRef idx="0">
-            <a:schemeClr val="accent1"/>
-          </a:effectRef>
-          <a:fontRef idx="minor">
-            <a:schemeClr val="tx1"/>
-          </a:fontRef>
-        </p:style>
-      </p:cxnSp>
-      <p:cxnSp>
-        <p:nvCxnSpPr>
-          <p:cNvPr id="29" name="直線矢印コネクタ 28">
-            <a:extLst>
-              <a:ext uri="{FF2B5EF4-FFF2-40B4-BE49-F238E27FC236}">
-                <a16:creationId xmlns:a16="http://schemas.microsoft.com/office/drawing/2014/main" id="{82749E29-8E57-7BEA-7441-8ABDC982CEE6}"/>
-              </a:ext>
-            </a:extLst>
-          </p:cNvPr>
-          <p:cNvCxnSpPr>
-            <a:cxnSpLocks/>
-          </p:cNvCxnSpPr>
-          <p:nvPr/>
-        </p:nvCxnSpPr>
-        <p:spPr>
-          <a:xfrm>
-            <a:off x="6463599" y="2625754"/>
-            <a:ext cx="942223" cy="0"/>
-          </a:xfrm>
-          <a:prstGeom prst="straightConnector1">
-            <a:avLst/>
-          </a:prstGeom>
-          <a:ln w="19050">
-            <a:solidFill>
-              <a:schemeClr val="tx1"/>
-            </a:solidFill>
-            <a:headEnd type="none" w="med" len="med"/>
-            <a:tailEnd type="arrow" w="med" len="med"/>
-          </a:ln>
-        </p:spPr>
-        <p:style>
-          <a:lnRef idx="1">
-            <a:schemeClr val="accent1"/>
-          </a:lnRef>
-          <a:fillRef idx="0">
-            <a:schemeClr val="accent1"/>
-          </a:fillRef>
-          <a:effectRef idx="0">
-            <a:schemeClr val="accent1"/>
-          </a:effectRef>
-          <a:fontRef idx="minor">
-            <a:schemeClr val="tx1"/>
-          </a:fontRef>
-        </p:style>
-      </p:cxnSp>
-      <p:cxnSp>
-        <p:nvCxnSpPr>
-          <p:cNvPr id="31" name="直線矢印コネクタ 30">
-            <a:extLst>
-              <a:ext uri="{FF2B5EF4-FFF2-40B4-BE49-F238E27FC236}">
-                <a16:creationId xmlns:a16="http://schemas.microsoft.com/office/drawing/2014/main" id="{FCABB10F-DC14-C80D-674F-59AFC5FD9FAC}"/>
-              </a:ext>
-            </a:extLst>
-          </p:cNvPr>
-          <p:cNvCxnSpPr>
-            <a:cxnSpLocks/>
-          </p:cNvCxnSpPr>
-          <p:nvPr/>
-        </p:nvCxnSpPr>
-        <p:spPr>
-          <a:xfrm>
-            <a:off x="3634854" y="2379677"/>
-            <a:ext cx="1140090" cy="0"/>
-          </a:xfrm>
-          <a:prstGeom prst="straightConnector1">
-            <a:avLst/>
-          </a:prstGeom>
-          <a:ln w="19050">
-            <a:solidFill>
-              <a:schemeClr val="tx1"/>
-            </a:solidFill>
-            <a:headEnd type="none" w="med" len="med"/>
-            <a:tailEnd type="arrow" w="med" len="med"/>
-          </a:ln>
-        </p:spPr>
-        <p:style>
-          <a:lnRef idx="1">
-            <a:schemeClr val="accent1"/>
-          </a:lnRef>
-          <a:fillRef idx="0">
-            <a:schemeClr val="accent1"/>
-          </a:fillRef>
-          <a:effectRef idx="0">
-            <a:schemeClr val="accent1"/>
-          </a:effectRef>
-          <a:fontRef idx="minor">
-            <a:schemeClr val="tx1"/>
-          </a:fontRef>
-        </p:style>
-      </p:cxnSp>
-      <p:sp>
-        <p:nvSpPr>
-          <p:cNvPr id="32" name="矢印: 下 31">
-            <a:extLst>
-              <a:ext uri="{FF2B5EF4-FFF2-40B4-BE49-F238E27FC236}">
-                <a16:creationId xmlns:a16="http://schemas.microsoft.com/office/drawing/2014/main" id="{1EA97667-30E6-C994-7BEB-CB7E62FD6452}"/>
-              </a:ext>
-            </a:extLst>
-          </p:cNvPr>
-          <p:cNvSpPr/>
-          <p:nvPr/>
-        </p:nvSpPr>
-        <p:spPr>
-          <a:xfrm rot="5400000">
-            <a:off x="9813887" y="1003670"/>
-            <a:ext cx="696457" cy="1451547"/>
-          </a:xfrm>
-          <a:prstGeom prst="downArrow">
-            <a:avLst/>
-          </a:prstGeom>
-        </p:spPr>
-        <p:style>
-          <a:lnRef idx="2">
-            <a:schemeClr val="accent1">
-              <a:shade val="50000"/>
-            </a:schemeClr>
-          </a:lnRef>
-          <a:fillRef idx="1">
-            <a:schemeClr val="accent1"/>
-          </a:fillRef>
-          <a:effectRef idx="0">
-            <a:schemeClr val="accent1"/>
-          </a:effectRef>
-          <a:fontRef idx="minor">
-            <a:schemeClr val="lt1"/>
-          </a:fontRef>
-        </p:style>
-        <p:txBody>
-          <a:bodyPr rtlCol="0" anchor="ctr"/>
-          <a:lstStyle/>
-          <a:p>
-            <a:pPr algn="ctr"/>
-            <a:endParaRPr kumimoji="1" lang="ja-JP" altLang="en-US"/>
-          </a:p>
-        </p:txBody>
-      </p:sp>
-      <p:sp>
-        <p:nvSpPr>
-          <p:cNvPr id="33" name="テキスト ボックス 32">
-            <a:extLst>
-              <a:ext uri="{FF2B5EF4-FFF2-40B4-BE49-F238E27FC236}">
-                <a16:creationId xmlns:a16="http://schemas.microsoft.com/office/drawing/2014/main" id="{BA67CAAA-2C65-6096-5F2D-EEE13106DAA2}"/>
-              </a:ext>
-            </a:extLst>
-          </p:cNvPr>
-          <p:cNvSpPr txBox="1"/>
-          <p:nvPr/>
-        </p:nvSpPr>
-        <p:spPr>
-          <a:xfrm>
-            <a:off x="9882357" y="1936454"/>
-            <a:ext cx="1862356" cy="307777"/>
-          </a:xfrm>
-          <a:prstGeom prst="rect">
-            <a:avLst/>
-          </a:prstGeom>
-          <a:noFill/>
-        </p:spPr>
-        <p:txBody>
-          <a:bodyPr wrap="square" rtlCol="0">
-            <a:spAutoFit/>
-          </a:bodyPr>
-          <a:lstStyle/>
-          <a:p>
-            <a:r>
-              <a:rPr kumimoji="1" lang="en-US" altLang="ja-JP" sz="1400" dirty="0"/>
-              <a:t>Extractor </a:t>
-            </a:r>
-            <a:r>
-              <a:rPr kumimoji="1" lang="ja-JP" altLang="en-US" sz="1400" dirty="0"/>
-              <a:t>で生成</a:t>
-            </a:r>
-          </a:p>
-        </p:txBody>
-      </p:sp>
-      <p:sp>
-        <p:nvSpPr>
-          <p:cNvPr id="35" name="四角形: メモ 34">
-            <a:extLst>
-              <a:ext uri="{FF2B5EF4-FFF2-40B4-BE49-F238E27FC236}">
-                <a16:creationId xmlns:a16="http://schemas.microsoft.com/office/drawing/2014/main" id="{B16DFE95-604D-ED5D-11EE-98529180FEC2}"/>
-              </a:ext>
-            </a:extLst>
-          </p:cNvPr>
-          <p:cNvSpPr/>
-          <p:nvPr/>
-        </p:nvSpPr>
-        <p:spPr>
-          <a:xfrm>
-            <a:off x="2005266" y="2848757"/>
-            <a:ext cx="1573637" cy="1040447"/>
-          </a:xfrm>
-          <a:prstGeom prst="foldedCorner">
-            <a:avLst/>
-          </a:prstGeom>
-        </p:spPr>
-        <p:style>
-          <a:lnRef idx="2">
-            <a:schemeClr val="accent1"/>
-          </a:lnRef>
-          <a:fillRef idx="1">
-            <a:schemeClr val="lt1"/>
-          </a:fillRef>
-          <a:effectRef idx="0">
-            <a:schemeClr val="accent1"/>
-          </a:effectRef>
-          <a:fontRef idx="minor">
-            <a:schemeClr val="dk1"/>
-          </a:fontRef>
-        </p:style>
-        <p:txBody>
-          <a:bodyPr rtlCol="0" anchor="ctr"/>
-          <a:lstStyle/>
-          <a:p>
-            <a:pPr algn="ctr"/>
-            <a:r>
-              <a:rPr kumimoji="1" lang="en-US" altLang="ja-JP" sz="1400" dirty="0" err="1"/>
-              <a:t>armdeploy</a:t>
-            </a:r>
-            <a:br>
-              <a:rPr kumimoji="1" lang="en-US" altLang="ja-JP" sz="1400" dirty="0"/>
-            </a:br>
-            <a:r>
-              <a:rPr kumimoji="1" lang="en-US" altLang="ja-JP" sz="1400" dirty="0"/>
-              <a:t>.prod</a:t>
-            </a:r>
-            <a:br>
-              <a:rPr kumimoji="1" lang="en-US" altLang="ja-JP" sz="1400" dirty="0"/>
-            </a:br>
-            <a:r>
-              <a:rPr kumimoji="1" lang="en-US" altLang="ja-JP" sz="1400" dirty="0"/>
-              <a:t>.parameters</a:t>
-            </a:r>
-            <a:br>
-              <a:rPr kumimoji="1" lang="en-US" altLang="ja-JP" sz="1400" dirty="0"/>
-            </a:br>
-            <a:r>
-              <a:rPr kumimoji="1" lang="en-US" altLang="ja-JP" sz="1400" dirty="0"/>
-              <a:t>.</a:t>
-            </a:r>
-            <a:r>
-              <a:rPr kumimoji="1" lang="en-US" altLang="ja-JP" sz="1400" dirty="0" err="1"/>
-              <a:t>json</a:t>
-            </a:r>
-            <a:endParaRPr kumimoji="1" lang="ja-JP" altLang="en-US" sz="1400" dirty="0"/>
-          </a:p>
-        </p:txBody>
-      </p:sp>
-      <p:sp>
-        <p:nvSpPr>
-          <p:cNvPr id="37" name="矢印: 下 36">
-            <a:extLst>
-              <a:ext uri="{FF2B5EF4-FFF2-40B4-BE49-F238E27FC236}">
-                <a16:creationId xmlns:a16="http://schemas.microsoft.com/office/drawing/2014/main" id="{4E903774-6CB7-0D7C-37C9-DCC30B95D061}"/>
-              </a:ext>
-            </a:extLst>
-          </p:cNvPr>
-          <p:cNvSpPr/>
-          <p:nvPr/>
-        </p:nvSpPr>
-        <p:spPr>
-          <a:xfrm rot="16200000" flipH="1">
-            <a:off x="839552" y="2095809"/>
-            <a:ext cx="696457" cy="1451547"/>
-          </a:xfrm>
-          <a:prstGeom prst="downArrow">
-            <a:avLst/>
-          </a:prstGeom>
-        </p:spPr>
-        <p:style>
-          <a:lnRef idx="2">
-            <a:schemeClr val="accent1">
-              <a:shade val="50000"/>
-            </a:schemeClr>
-          </a:lnRef>
-          <a:fillRef idx="1">
-            <a:schemeClr val="accent1"/>
-          </a:fillRef>
-          <a:effectRef idx="0">
-            <a:schemeClr val="accent1"/>
-          </a:effectRef>
-          <a:fontRef idx="minor">
-            <a:schemeClr val="lt1"/>
-          </a:fontRef>
-        </p:style>
-        <p:txBody>
-          <a:bodyPr rtlCol="0" anchor="ctr"/>
-          <a:lstStyle/>
-          <a:p>
-            <a:pPr algn="ctr"/>
-            <a:endParaRPr kumimoji="1" lang="ja-JP" altLang="en-US"/>
-          </a:p>
-        </p:txBody>
-      </p:sp>
-      <p:sp>
-        <p:nvSpPr>
-          <p:cNvPr id="39" name="テキスト ボックス 38">
-            <a:extLst>
-              <a:ext uri="{FF2B5EF4-FFF2-40B4-BE49-F238E27FC236}">
-                <a16:creationId xmlns:a16="http://schemas.microsoft.com/office/drawing/2014/main" id="{40B034DC-AFDC-A3E2-7DBD-F2E929C795A8}"/>
-              </a:ext>
-            </a:extLst>
-          </p:cNvPr>
-          <p:cNvSpPr txBox="1"/>
-          <p:nvPr/>
-        </p:nvSpPr>
-        <p:spPr>
-          <a:xfrm>
-            <a:off x="246351" y="2357823"/>
-            <a:ext cx="1331365" cy="307777"/>
-          </a:xfrm>
-          <a:prstGeom prst="rect">
-            <a:avLst/>
-          </a:prstGeom>
-          <a:noFill/>
-        </p:spPr>
-        <p:txBody>
-          <a:bodyPr wrap="square" rtlCol="0">
-            <a:spAutoFit/>
-          </a:bodyPr>
-          <a:lstStyle/>
-          <a:p>
-            <a:r>
-              <a:rPr lang="ja-JP" altLang="en-US" sz="1400" dirty="0"/>
-              <a:t>手動で作成</a:t>
-            </a:r>
-            <a:endParaRPr kumimoji="1" lang="ja-JP" altLang="en-US" sz="1400" dirty="0"/>
+          <p:cNvPr id="2" name="タイトル 1">
+            <a:extLst>
+              <a:ext uri="{FF2B5EF4-FFF2-40B4-BE49-F238E27FC236}">
+                <a16:creationId xmlns:a16="http://schemas.microsoft.com/office/drawing/2014/main" id="{8BBC89F5-68F3-9E97-7DA4-EC4545A718CA}"/>
+              </a:ext>
+            </a:extLst>
+          </p:cNvPr>
+          <p:cNvSpPr>
+            <a:spLocks noGrp="1"/>
+          </p:cNvSpPr>
+          <p:nvPr>
+            <p:ph type="title"/>
+          </p:nvPr>
+        </p:nvSpPr>
+        <p:spPr/>
+        <p:txBody>
+          <a:bodyPr/>
+          <a:lstStyle/>
+          <a:p>
+            <a:r>
+              <a:rPr lang="en-US" altLang="ja-JP" dirty="0" err="1"/>
+              <a:t>Github</a:t>
+            </a:r>
+            <a:r>
+              <a:rPr lang="en-US" altLang="ja-JP" dirty="0"/>
+              <a:t> Actions</a:t>
+            </a:r>
+            <a:endParaRPr lang="ja-JP" altLang="en-US" dirty="0"/>
+          </a:p>
+        </p:txBody>
+      </p:sp>
+      <p:sp>
+        <p:nvSpPr>
+          <p:cNvPr id="3" name="テキスト プレースホルダー 2">
+            <a:extLst>
+              <a:ext uri="{FF2B5EF4-FFF2-40B4-BE49-F238E27FC236}">
+                <a16:creationId xmlns:a16="http://schemas.microsoft.com/office/drawing/2014/main" id="{A7679AAE-4499-775B-A714-C86C00C02CE1}"/>
+              </a:ext>
+            </a:extLst>
+          </p:cNvPr>
+          <p:cNvSpPr>
+            <a:spLocks noGrp="1"/>
+          </p:cNvSpPr>
+          <p:nvPr>
+            <p:ph type="body" idx="1"/>
+          </p:nvPr>
+        </p:nvSpPr>
+        <p:spPr/>
+        <p:txBody>
+          <a:bodyPr/>
+          <a:lstStyle/>
+          <a:p>
+            <a:endParaRPr lang="ja-JP" altLang="en-US"/>
           </a:p>
         </p:txBody>
       </p:sp>
     </p:spTree>
     <p:extLst>
       <p:ext uri="{BB962C8B-B14F-4D97-AF65-F5344CB8AC3E}">
-        <p14:creationId xmlns:p14="http://schemas.microsoft.com/office/powerpoint/2010/main" val="2824385020"/>
+        <p14:creationId xmlns:p14="http://schemas.microsoft.com/office/powerpoint/2010/main" val="3010757036"/>
       </p:ext>
     </p:extLst>
   </p:cSld>
@@ -5051,129 +4317,7 @@
 </p:sld>
 </file>
 
-<file path=ppt/slides/slide3.xml><?xml version="1.0" encoding="utf-8"?>
-<p:sld xmlns:a="http://schemas.openxmlformats.org/drawingml/2006/main" xmlns:r="http://schemas.openxmlformats.org/officeDocument/2006/relationships" xmlns:p="http://schemas.openxmlformats.org/presentationml/2006/main">
-  <p:cSld>
-    <p:spTree>
-      <p:nvGrpSpPr>
-        <p:cNvPr id="1" name=""/>
-        <p:cNvGrpSpPr/>
-        <p:nvPr/>
-      </p:nvGrpSpPr>
-      <p:grpSpPr>
-        <a:xfrm>
-          <a:off x="0" y="0"/>
-          <a:ext cx="0" cy="0"/>
-          <a:chOff x="0" y="0"/>
-          <a:chExt cx="0" cy="0"/>
-        </a:xfrm>
-      </p:grpSpPr>
-      <p:pic>
-        <p:nvPicPr>
-          <p:cNvPr id="3" name="図 2">
-            <a:extLst>
-              <a:ext uri="{FF2B5EF4-FFF2-40B4-BE49-F238E27FC236}">
-                <a16:creationId xmlns:a16="http://schemas.microsoft.com/office/drawing/2014/main" id="{C07728EF-AC9A-6D68-71BC-90F0FCD925B2}"/>
-              </a:ext>
-            </a:extLst>
-          </p:cNvPr>
-          <p:cNvPicPr>
-            <a:picLocks noChangeAspect="1"/>
-          </p:cNvPicPr>
-          <p:nvPr/>
-        </p:nvPicPr>
-        <p:blipFill>
-          <a:blip r:embed="rId2"/>
-          <a:stretch>
-            <a:fillRect/>
-          </a:stretch>
-        </p:blipFill>
-        <p:spPr>
-          <a:xfrm>
-            <a:off x="1057984" y="2027885"/>
-            <a:ext cx="10076033" cy="2802229"/>
-          </a:xfrm>
-          <a:prstGeom prst="rect">
-            <a:avLst/>
-          </a:prstGeom>
-          <a:ln>
-            <a:noFill/>
-          </a:ln>
-          <a:effectLst>
-            <a:outerShdw blurRad="292100" dist="139700" dir="2700000" algn="tl" rotWithShape="0">
-              <a:srgbClr val="333333">
-                <a:alpha val="65000"/>
-              </a:srgbClr>
-            </a:outerShdw>
-          </a:effectLst>
-        </p:spPr>
-      </p:pic>
-      <p:sp>
-        <p:nvSpPr>
-          <p:cNvPr id="5" name="四角形: 角を丸くする 4">
-            <a:extLst>
-              <a:ext uri="{FF2B5EF4-FFF2-40B4-BE49-F238E27FC236}">
-                <a16:creationId xmlns:a16="http://schemas.microsoft.com/office/drawing/2014/main" id="{B030B72F-1A6A-7613-0433-2B4129EAE49E}"/>
-              </a:ext>
-            </a:extLst>
-          </p:cNvPr>
-          <p:cNvSpPr/>
-          <p:nvPr/>
-        </p:nvSpPr>
-        <p:spPr>
-          <a:xfrm>
-            <a:off x="9347127" y="3707966"/>
-            <a:ext cx="1779905" cy="284960"/>
-          </a:xfrm>
-          <a:prstGeom prst="roundRect">
-            <a:avLst/>
-          </a:prstGeom>
-          <a:noFill/>
-          <a:ln w="28575">
-            <a:solidFill>
-              <a:srgbClr val="FF0000"/>
-            </a:solidFill>
-          </a:ln>
-        </p:spPr>
-        <p:style>
-          <a:lnRef idx="2">
-            <a:schemeClr val="accent1">
-              <a:shade val="50000"/>
-            </a:schemeClr>
-          </a:lnRef>
-          <a:fillRef idx="1">
-            <a:schemeClr val="accent1"/>
-          </a:fillRef>
-          <a:effectRef idx="0">
-            <a:schemeClr val="accent1"/>
-          </a:effectRef>
-          <a:fontRef idx="minor">
-            <a:schemeClr val="lt1"/>
-          </a:fontRef>
-        </p:style>
-        <p:txBody>
-          <a:bodyPr rtlCol="0" anchor="ctr"/>
-          <a:lstStyle/>
-          <a:p>
-            <a:pPr algn="ctr"/>
-            <a:endParaRPr kumimoji="1" lang="ja-JP" altLang="en-US" dirty="0"/>
-          </a:p>
-        </p:txBody>
-      </p:sp>
-    </p:spTree>
-    <p:extLst>
-      <p:ext uri="{BB962C8B-B14F-4D97-AF65-F5344CB8AC3E}">
-        <p14:creationId xmlns:p14="http://schemas.microsoft.com/office/powerpoint/2010/main" val="4122791472"/>
-      </p:ext>
-    </p:extLst>
-  </p:cSld>
-  <p:clrMapOvr>
-    <a:masterClrMapping/>
-  </p:clrMapOvr>
-</p:sld>
-</file>
-
-<file path=ppt/slides/slide4.xml><?xml version="1.0" encoding="utf-8"?>
+<file path=ppt/slides/slide11.xml><?xml version="1.0" encoding="utf-8"?>
 <p:sld xmlns:a="http://schemas.openxmlformats.org/drawingml/2006/main" xmlns:r="http://schemas.openxmlformats.org/officeDocument/2006/relationships" xmlns:p="http://schemas.openxmlformats.org/presentationml/2006/main">
   <p:cSld>
     <p:spTree>
@@ -6697,7 +5841,7 @@
 </p:sld>
 </file>
 
-<file path=ppt/slides/slide5.xml><?xml version="1.0" encoding="utf-8"?>
+<file path=ppt/slides/slide12.xml><?xml version="1.0" encoding="utf-8"?>
 <p:sld xmlns:a="http://schemas.openxmlformats.org/drawingml/2006/main" xmlns:r="http://schemas.openxmlformats.org/officeDocument/2006/relationships" xmlns:p="http://schemas.openxmlformats.org/presentationml/2006/main">
   <p:cSld>
     <p:spTree>
@@ -7806,6 +6950,1382 @@
     <p:extLst>
       <p:ext uri="{BB962C8B-B14F-4D97-AF65-F5344CB8AC3E}">
         <p14:creationId xmlns:p14="http://schemas.microsoft.com/office/powerpoint/2010/main" val="3445205803"/>
+      </p:ext>
+    </p:extLst>
+  </p:cSld>
+  <p:clrMapOvr>
+    <a:masterClrMapping/>
+  </p:clrMapOvr>
+</p:sld>
+</file>
+
+<file path=ppt/slides/slide13.xml><?xml version="1.0" encoding="utf-8"?>
+<p:sld xmlns:a="http://schemas.openxmlformats.org/drawingml/2006/main" xmlns:r="http://schemas.openxmlformats.org/officeDocument/2006/relationships" xmlns:p="http://schemas.openxmlformats.org/presentationml/2006/main">
+  <p:cSld>
+    <p:spTree>
+      <p:nvGrpSpPr>
+        <p:cNvPr id="1" name=""/>
+        <p:cNvGrpSpPr/>
+        <p:nvPr/>
+      </p:nvGrpSpPr>
+      <p:grpSpPr>
+        <a:xfrm>
+          <a:off x="0" y="0"/>
+          <a:ext cx="0" cy="0"/>
+          <a:chOff x="0" y="0"/>
+          <a:chExt cx="0" cy="0"/>
+        </a:xfrm>
+      </p:grpSpPr>
+      <p:pic>
+        <p:nvPicPr>
+          <p:cNvPr id="3" name="図 2">
+            <a:extLst>
+              <a:ext uri="{FF2B5EF4-FFF2-40B4-BE49-F238E27FC236}">
+                <a16:creationId xmlns:a16="http://schemas.microsoft.com/office/drawing/2014/main" id="{A83B9BFA-B716-E016-7011-3D21FD591B0F}"/>
+              </a:ext>
+            </a:extLst>
+          </p:cNvPr>
+          <p:cNvPicPr>
+            <a:picLocks noChangeAspect="1"/>
+          </p:cNvPicPr>
+          <p:nvPr/>
+        </p:nvPicPr>
+        <p:blipFill rotWithShape="1">
+          <a:blip r:embed="rId2"/>
+          <a:srcRect r="37915"/>
+          <a:stretch/>
+        </p:blipFill>
+        <p:spPr>
+          <a:xfrm>
+            <a:off x="-204638" y="1577520"/>
+            <a:ext cx="3140827" cy="3592122"/>
+          </a:xfrm>
+          <a:prstGeom prst="rect">
+            <a:avLst/>
+          </a:prstGeom>
+          <a:ln>
+            <a:noFill/>
+          </a:ln>
+          <a:effectLst>
+            <a:outerShdw blurRad="292100" dist="139700" dir="2700000" algn="tl" rotWithShape="0">
+              <a:srgbClr val="333333">
+                <a:alpha val="65000"/>
+              </a:srgbClr>
+            </a:outerShdw>
+          </a:effectLst>
+        </p:spPr>
+      </p:pic>
+      <p:pic>
+        <p:nvPicPr>
+          <p:cNvPr id="5" name="図 4">
+            <a:extLst>
+              <a:ext uri="{FF2B5EF4-FFF2-40B4-BE49-F238E27FC236}">
+                <a16:creationId xmlns:a16="http://schemas.microsoft.com/office/drawing/2014/main" id="{478B73BB-2CC8-B041-D683-796A685F870E}"/>
+              </a:ext>
+            </a:extLst>
+          </p:cNvPr>
+          <p:cNvPicPr>
+            <a:picLocks noChangeAspect="1"/>
+          </p:cNvPicPr>
+          <p:nvPr/>
+        </p:nvPicPr>
+        <p:blipFill>
+          <a:blip r:embed="rId3"/>
+          <a:stretch>
+            <a:fillRect/>
+          </a:stretch>
+        </p:blipFill>
+        <p:spPr>
+          <a:xfrm>
+            <a:off x="3219541" y="1577520"/>
+            <a:ext cx="5344018" cy="3592122"/>
+          </a:xfrm>
+          <a:prstGeom prst="rect">
+            <a:avLst/>
+          </a:prstGeom>
+          <a:ln>
+            <a:noFill/>
+          </a:ln>
+          <a:effectLst>
+            <a:outerShdw blurRad="292100" dist="139700" dir="2700000" algn="tl" rotWithShape="0">
+              <a:srgbClr val="333333">
+                <a:alpha val="65000"/>
+              </a:srgbClr>
+            </a:outerShdw>
+          </a:effectLst>
+        </p:spPr>
+      </p:pic>
+      <p:sp>
+        <p:nvSpPr>
+          <p:cNvPr id="7" name="四角形: 角を丸くする 6">
+            <a:extLst>
+              <a:ext uri="{FF2B5EF4-FFF2-40B4-BE49-F238E27FC236}">
+                <a16:creationId xmlns:a16="http://schemas.microsoft.com/office/drawing/2014/main" id="{0520AD89-DCE3-7571-768C-09239C3C16EA}"/>
+              </a:ext>
+            </a:extLst>
+          </p:cNvPr>
+          <p:cNvSpPr/>
+          <p:nvPr/>
+        </p:nvSpPr>
+        <p:spPr>
+          <a:xfrm>
+            <a:off x="1313880" y="2833108"/>
+            <a:ext cx="1199567" cy="861252"/>
+          </a:xfrm>
+          <a:prstGeom prst="roundRect">
+            <a:avLst/>
+          </a:prstGeom>
+          <a:noFill/>
+          <a:ln w="28575">
+            <a:solidFill>
+              <a:srgbClr val="FF0000"/>
+            </a:solidFill>
+          </a:ln>
+        </p:spPr>
+        <p:style>
+          <a:lnRef idx="2">
+            <a:schemeClr val="accent1">
+              <a:shade val="50000"/>
+            </a:schemeClr>
+          </a:lnRef>
+          <a:fillRef idx="1">
+            <a:schemeClr val="accent1"/>
+          </a:fillRef>
+          <a:effectRef idx="0">
+            <a:schemeClr val="accent1"/>
+          </a:effectRef>
+          <a:fontRef idx="minor">
+            <a:schemeClr val="lt1"/>
+          </a:fontRef>
+        </p:style>
+        <p:txBody>
+          <a:bodyPr rtlCol="0" anchor="ctr"/>
+          <a:lstStyle/>
+          <a:p>
+            <a:pPr algn="ctr"/>
+            <a:endParaRPr kumimoji="1" lang="ja-JP" altLang="en-US" dirty="0"/>
+          </a:p>
+        </p:txBody>
+      </p:sp>
+      <p:sp>
+        <p:nvSpPr>
+          <p:cNvPr id="9" name="四角形: 角を丸くする 8">
+            <a:extLst>
+              <a:ext uri="{FF2B5EF4-FFF2-40B4-BE49-F238E27FC236}">
+                <a16:creationId xmlns:a16="http://schemas.microsoft.com/office/drawing/2014/main" id="{96EFCE97-2C0C-1F57-9CB3-6A5C11C3F46A}"/>
+              </a:ext>
+            </a:extLst>
+          </p:cNvPr>
+          <p:cNvSpPr/>
+          <p:nvPr/>
+        </p:nvSpPr>
+        <p:spPr>
+          <a:xfrm>
+            <a:off x="6605395" y="4495062"/>
+            <a:ext cx="1756286" cy="441958"/>
+          </a:xfrm>
+          <a:prstGeom prst="roundRect">
+            <a:avLst/>
+          </a:prstGeom>
+          <a:noFill/>
+          <a:ln w="28575">
+            <a:solidFill>
+              <a:srgbClr val="FF0000"/>
+            </a:solidFill>
+          </a:ln>
+        </p:spPr>
+        <p:style>
+          <a:lnRef idx="2">
+            <a:schemeClr val="accent1">
+              <a:shade val="50000"/>
+            </a:schemeClr>
+          </a:lnRef>
+          <a:fillRef idx="1">
+            <a:schemeClr val="accent1"/>
+          </a:fillRef>
+          <a:effectRef idx="0">
+            <a:schemeClr val="accent1"/>
+          </a:effectRef>
+          <a:fontRef idx="minor">
+            <a:schemeClr val="lt1"/>
+          </a:fontRef>
+        </p:style>
+        <p:txBody>
+          <a:bodyPr rtlCol="0" anchor="ctr"/>
+          <a:lstStyle/>
+          <a:p>
+            <a:pPr algn="ctr"/>
+            <a:endParaRPr kumimoji="1" lang="ja-JP" altLang="en-US" dirty="0"/>
+          </a:p>
+        </p:txBody>
+      </p:sp>
+      <p:sp>
+        <p:nvSpPr>
+          <p:cNvPr id="13" name="四角形: メモ 12">
+            <a:extLst>
+              <a:ext uri="{FF2B5EF4-FFF2-40B4-BE49-F238E27FC236}">
+                <a16:creationId xmlns:a16="http://schemas.microsoft.com/office/drawing/2014/main" id="{7CA1217B-8546-BD78-917D-C07A9F54D766}"/>
+              </a:ext>
+            </a:extLst>
+          </p:cNvPr>
+          <p:cNvSpPr/>
+          <p:nvPr/>
+        </p:nvSpPr>
+        <p:spPr>
+          <a:xfrm>
+            <a:off x="10026690" y="4006151"/>
+            <a:ext cx="1573637" cy="1040447"/>
+          </a:xfrm>
+          <a:prstGeom prst="foldedCorner">
+            <a:avLst/>
+          </a:prstGeom>
+        </p:spPr>
+        <p:style>
+          <a:lnRef idx="2">
+            <a:schemeClr val="accent1"/>
+          </a:lnRef>
+          <a:fillRef idx="1">
+            <a:schemeClr val="lt1"/>
+          </a:fillRef>
+          <a:effectRef idx="0">
+            <a:schemeClr val="accent1"/>
+          </a:effectRef>
+          <a:fontRef idx="minor">
+            <a:schemeClr val="dk1"/>
+          </a:fontRef>
+        </p:style>
+        <p:txBody>
+          <a:bodyPr rtlCol="0" anchor="ctr"/>
+          <a:lstStyle/>
+          <a:p>
+            <a:pPr algn="ctr"/>
+            <a:r>
+              <a:rPr kumimoji="1" lang="en-US" altLang="ja-JP" sz="1400" dirty="0" err="1"/>
+              <a:t>armdeploy</a:t>
+            </a:r>
+            <a:br>
+              <a:rPr kumimoji="1" lang="en-US" altLang="ja-JP" sz="1400" dirty="0"/>
+            </a:br>
+            <a:r>
+              <a:rPr kumimoji="1" lang="en-US" altLang="ja-JP" sz="1400" dirty="0"/>
+              <a:t>.</a:t>
+            </a:r>
+            <a:r>
+              <a:rPr kumimoji="1" lang="en-US" altLang="ja-JP" sz="1400" b="1" dirty="0">
+                <a:effectLst>
+                  <a:outerShdw blurRad="38100" dist="38100" dir="2700000" algn="tl">
+                    <a:srgbClr val="000000">
+                      <a:alpha val="43137"/>
+                    </a:srgbClr>
+                  </a:outerShdw>
+                </a:effectLst>
+              </a:rPr>
+              <a:t>dev</a:t>
+            </a:r>
+            <a:br>
+              <a:rPr kumimoji="1" lang="en-US" altLang="ja-JP" sz="1400" dirty="0"/>
+            </a:br>
+            <a:r>
+              <a:rPr kumimoji="1" lang="en-US" altLang="ja-JP" sz="1400" dirty="0"/>
+              <a:t>.parameters</a:t>
+            </a:r>
+            <a:br>
+              <a:rPr kumimoji="1" lang="en-US" altLang="ja-JP" sz="1400" dirty="0"/>
+            </a:br>
+            <a:r>
+              <a:rPr kumimoji="1" lang="en-US" altLang="ja-JP" sz="1400" dirty="0"/>
+              <a:t>.</a:t>
+            </a:r>
+            <a:r>
+              <a:rPr kumimoji="1" lang="en-US" altLang="ja-JP" sz="1400" dirty="0" err="1"/>
+              <a:t>json</a:t>
+            </a:r>
+            <a:endParaRPr kumimoji="1" lang="ja-JP" altLang="en-US" sz="1400" dirty="0"/>
+          </a:p>
+        </p:txBody>
+      </p:sp>
+      <p:sp>
+        <p:nvSpPr>
+          <p:cNvPr id="19" name="テキスト ボックス 18">
+            <a:extLst>
+              <a:ext uri="{FF2B5EF4-FFF2-40B4-BE49-F238E27FC236}">
+                <a16:creationId xmlns:a16="http://schemas.microsoft.com/office/drawing/2014/main" id="{7D005FFA-D0F4-4A7A-6935-E4718BF7DB52}"/>
+              </a:ext>
+            </a:extLst>
+          </p:cNvPr>
+          <p:cNvSpPr txBox="1"/>
+          <p:nvPr/>
+        </p:nvSpPr>
+        <p:spPr>
+          <a:xfrm>
+            <a:off x="73520" y="1357826"/>
+            <a:ext cx="1695545" cy="369332"/>
+          </a:xfrm>
+          <a:prstGeom prst="rect">
+            <a:avLst/>
+          </a:prstGeom>
+        </p:spPr>
+        <p:style>
+          <a:lnRef idx="1">
+            <a:schemeClr val="accent2"/>
+          </a:lnRef>
+          <a:fillRef idx="2">
+            <a:schemeClr val="accent2"/>
+          </a:fillRef>
+          <a:effectRef idx="1">
+            <a:schemeClr val="accent2"/>
+          </a:effectRef>
+          <a:fontRef idx="minor">
+            <a:schemeClr val="dk1"/>
+          </a:fontRef>
+        </p:style>
+        <p:txBody>
+          <a:bodyPr wrap="square" rtlCol="0">
+            <a:spAutoFit/>
+          </a:bodyPr>
+          <a:lstStyle/>
+          <a:p>
+            <a:r>
+              <a:rPr kumimoji="1" lang="ja-JP" altLang="en-US" dirty="0"/>
+              <a:t>環境を定義</a:t>
+            </a:r>
+          </a:p>
+        </p:txBody>
+      </p:sp>
+      <p:sp>
+        <p:nvSpPr>
+          <p:cNvPr id="21" name="テキスト ボックス 20">
+            <a:extLst>
+              <a:ext uri="{FF2B5EF4-FFF2-40B4-BE49-F238E27FC236}">
+                <a16:creationId xmlns:a16="http://schemas.microsoft.com/office/drawing/2014/main" id="{3FFE956E-27B8-9147-648A-433A9D4842D4}"/>
+              </a:ext>
+            </a:extLst>
+          </p:cNvPr>
+          <p:cNvSpPr txBox="1"/>
+          <p:nvPr/>
+        </p:nvSpPr>
+        <p:spPr>
+          <a:xfrm>
+            <a:off x="3465377" y="1392854"/>
+            <a:ext cx="1695545" cy="369332"/>
+          </a:xfrm>
+          <a:prstGeom prst="rect">
+            <a:avLst/>
+          </a:prstGeom>
+        </p:spPr>
+        <p:style>
+          <a:lnRef idx="1">
+            <a:schemeClr val="accent2"/>
+          </a:lnRef>
+          <a:fillRef idx="2">
+            <a:schemeClr val="accent2"/>
+          </a:fillRef>
+          <a:effectRef idx="1">
+            <a:schemeClr val="accent2"/>
+          </a:effectRef>
+          <a:fontRef idx="minor">
+            <a:schemeClr val="dk1"/>
+          </a:fontRef>
+        </p:style>
+        <p:txBody>
+          <a:bodyPr wrap="square" rtlCol="0">
+            <a:spAutoFit/>
+          </a:bodyPr>
+          <a:lstStyle/>
+          <a:p>
+            <a:r>
+              <a:rPr kumimoji="1" lang="ja-JP" altLang="en-US" dirty="0"/>
+              <a:t>環境を指定</a:t>
+            </a:r>
+          </a:p>
+        </p:txBody>
+      </p:sp>
+      <p:sp>
+        <p:nvSpPr>
+          <p:cNvPr id="24" name="四角形: 角を丸くする 23">
+            <a:extLst>
+              <a:ext uri="{FF2B5EF4-FFF2-40B4-BE49-F238E27FC236}">
+                <a16:creationId xmlns:a16="http://schemas.microsoft.com/office/drawing/2014/main" id="{665B217D-9C14-814D-5BAC-97721983E7E4}"/>
+              </a:ext>
+            </a:extLst>
+          </p:cNvPr>
+          <p:cNvSpPr/>
+          <p:nvPr/>
+        </p:nvSpPr>
+        <p:spPr>
+          <a:xfrm>
+            <a:off x="10026690" y="2727250"/>
+            <a:ext cx="1573637" cy="646331"/>
+          </a:xfrm>
+          <a:prstGeom prst="roundRect">
+            <a:avLst/>
+          </a:prstGeom>
+        </p:spPr>
+        <p:style>
+          <a:lnRef idx="2">
+            <a:schemeClr val="accent1"/>
+          </a:lnRef>
+          <a:fillRef idx="1">
+            <a:schemeClr val="lt1"/>
+          </a:fillRef>
+          <a:effectRef idx="0">
+            <a:schemeClr val="accent1"/>
+          </a:effectRef>
+          <a:fontRef idx="minor">
+            <a:schemeClr val="dk1"/>
+          </a:fontRef>
+        </p:style>
+        <p:txBody>
+          <a:bodyPr rtlCol="0" anchor="ctr"/>
+          <a:lstStyle/>
+          <a:p>
+            <a:pPr algn="ctr"/>
+            <a:r>
+              <a:rPr lang="en-US" altLang="ja-JP" sz="1400" dirty="0">
+                <a:solidFill>
+                  <a:schemeClr val="dk1"/>
+                </a:solidFill>
+              </a:rPr>
+              <a:t>Azure</a:t>
+            </a:r>
+            <a:r>
+              <a:rPr lang="ja-JP" altLang="en-US" sz="1400" dirty="0">
+                <a:solidFill>
+                  <a:schemeClr val="dk1"/>
+                </a:solidFill>
+              </a:rPr>
+              <a:t> </a:t>
+            </a:r>
+            <a:r>
+              <a:rPr lang="en-US" altLang="ja-JP" sz="1400" dirty="0">
+                <a:solidFill>
+                  <a:schemeClr val="dk1"/>
+                </a:solidFill>
+              </a:rPr>
+              <a:t>AD</a:t>
+            </a:r>
+            <a:br>
+              <a:rPr lang="en-US" altLang="ja-JP" sz="1400" dirty="0">
+                <a:solidFill>
+                  <a:schemeClr val="dk1"/>
+                </a:solidFill>
+              </a:rPr>
+            </a:br>
+            <a:r>
+              <a:rPr lang="en-US" altLang="ja-JP" sz="1400" dirty="0">
+                <a:solidFill>
+                  <a:schemeClr val="dk1"/>
+                </a:solidFill>
+              </a:rPr>
+              <a:t>Application</a:t>
+            </a:r>
+          </a:p>
+        </p:txBody>
+      </p:sp>
+      <p:pic>
+        <p:nvPicPr>
+          <p:cNvPr id="18" name="グラフィックス 17">
+            <a:extLst>
+              <a:ext uri="{FF2B5EF4-FFF2-40B4-BE49-F238E27FC236}">
+                <a16:creationId xmlns:a16="http://schemas.microsoft.com/office/drawing/2014/main" id="{12C1A4F5-1CB4-7368-08B3-31A31B8836AD}"/>
+              </a:ext>
+            </a:extLst>
+          </p:cNvPr>
+          <p:cNvPicPr>
+            <a:picLocks noChangeAspect="1"/>
+          </p:cNvPicPr>
+          <p:nvPr/>
+        </p:nvPicPr>
+        <p:blipFill>
+          <a:blip r:embed="rId4">
+            <a:extLst>
+              <a:ext uri="{28A0092B-C50C-407E-A947-70E740481C1C}">
+                <a14:useLocalDpi xmlns:a14="http://schemas.microsoft.com/office/drawing/2010/main" val="0"/>
+              </a:ext>
+              <a:ext uri="{96DAC541-7B7A-43D3-8B79-37D633B846F1}">
+                <asvg:svgBlip xmlns:asvg="http://schemas.microsoft.com/office/drawing/2016/SVG/main" r:embed="rId5"/>
+              </a:ext>
+            </a:extLst>
+          </a:blip>
+          <a:stretch>
+            <a:fillRect/>
+          </a:stretch>
+        </p:blipFill>
+        <p:spPr>
+          <a:xfrm>
+            <a:off x="9779030" y="2430215"/>
+            <a:ext cx="495321" cy="495321"/>
+          </a:xfrm>
+          <a:prstGeom prst="rect">
+            <a:avLst/>
+          </a:prstGeom>
+        </p:spPr>
+      </p:pic>
+      <p:sp>
+        <p:nvSpPr>
+          <p:cNvPr id="26" name="矢印: 右 25">
+            <a:extLst>
+              <a:ext uri="{FF2B5EF4-FFF2-40B4-BE49-F238E27FC236}">
+                <a16:creationId xmlns:a16="http://schemas.microsoft.com/office/drawing/2014/main" id="{CAEF79D1-6CDE-7C9E-7B70-68EC9967E716}"/>
+              </a:ext>
+            </a:extLst>
+          </p:cNvPr>
+          <p:cNvSpPr/>
+          <p:nvPr/>
+        </p:nvSpPr>
+        <p:spPr>
+          <a:xfrm>
+            <a:off x="8477219" y="3969566"/>
+            <a:ext cx="1635811" cy="611386"/>
+          </a:xfrm>
+          <a:prstGeom prst="rightArrow">
+            <a:avLst/>
+          </a:prstGeom>
+        </p:spPr>
+        <p:style>
+          <a:lnRef idx="1">
+            <a:schemeClr val="accent2"/>
+          </a:lnRef>
+          <a:fillRef idx="3">
+            <a:schemeClr val="accent2"/>
+          </a:fillRef>
+          <a:effectRef idx="2">
+            <a:schemeClr val="accent2"/>
+          </a:effectRef>
+          <a:fontRef idx="minor">
+            <a:schemeClr val="lt1"/>
+          </a:fontRef>
+        </p:style>
+        <p:txBody>
+          <a:bodyPr wrap="square" rtlCol="0" anchor="ctr">
+            <a:spAutoFit/>
+          </a:bodyPr>
+          <a:lstStyle/>
+          <a:p>
+            <a:pPr algn="ctr"/>
+            <a:r>
+              <a:rPr lang="ja-JP" altLang="en-US" sz="1400" dirty="0"/>
+              <a:t>ファイル指定</a:t>
+            </a:r>
+          </a:p>
+        </p:txBody>
+      </p:sp>
+      <p:sp>
+        <p:nvSpPr>
+          <p:cNvPr id="28" name="矢印: 右 27">
+            <a:extLst>
+              <a:ext uri="{FF2B5EF4-FFF2-40B4-BE49-F238E27FC236}">
+                <a16:creationId xmlns:a16="http://schemas.microsoft.com/office/drawing/2014/main" id="{0EBF7FBE-A6A2-C781-8A7A-2E59DFFD8CE5}"/>
+              </a:ext>
+            </a:extLst>
+          </p:cNvPr>
+          <p:cNvSpPr/>
+          <p:nvPr/>
+        </p:nvSpPr>
+        <p:spPr>
+          <a:xfrm>
+            <a:off x="8520389" y="2799013"/>
+            <a:ext cx="1635811" cy="611386"/>
+          </a:xfrm>
+          <a:prstGeom prst="rightArrow">
+            <a:avLst/>
+          </a:prstGeom>
+        </p:spPr>
+        <p:style>
+          <a:lnRef idx="1">
+            <a:schemeClr val="accent2"/>
+          </a:lnRef>
+          <a:fillRef idx="3">
+            <a:schemeClr val="accent2"/>
+          </a:fillRef>
+          <a:effectRef idx="2">
+            <a:schemeClr val="accent2"/>
+          </a:effectRef>
+          <a:fontRef idx="minor">
+            <a:schemeClr val="lt1"/>
+          </a:fontRef>
+        </p:style>
+        <p:txBody>
+          <a:bodyPr wrap="square" rtlCol="0" anchor="ctr">
+            <a:spAutoFit/>
+          </a:bodyPr>
+          <a:lstStyle/>
+          <a:p>
+            <a:pPr algn="ctr"/>
+            <a:r>
+              <a:rPr lang="en-US" altLang="ja-JP" sz="1400" dirty="0"/>
+              <a:t>Federation</a:t>
+            </a:r>
+            <a:endParaRPr lang="ja-JP" altLang="en-US" sz="1400" dirty="0"/>
+          </a:p>
+        </p:txBody>
+      </p:sp>
+    </p:spTree>
+    <p:extLst>
+      <p:ext uri="{BB962C8B-B14F-4D97-AF65-F5344CB8AC3E}">
+        <p14:creationId xmlns:p14="http://schemas.microsoft.com/office/powerpoint/2010/main" val="1128214560"/>
+      </p:ext>
+    </p:extLst>
+  </p:cSld>
+  <p:clrMapOvr>
+    <a:masterClrMapping/>
+  </p:clrMapOvr>
+</p:sld>
+</file>
+
+<file path=ppt/slides/slide2.xml><?xml version="1.0" encoding="utf-8"?>
+<p:sld xmlns:a="http://schemas.openxmlformats.org/drawingml/2006/main" xmlns:r="http://schemas.openxmlformats.org/officeDocument/2006/relationships" xmlns:p="http://schemas.openxmlformats.org/presentationml/2006/main">
+  <p:cSld>
+    <p:spTree>
+      <p:nvGrpSpPr>
+        <p:cNvPr id="1" name=""/>
+        <p:cNvGrpSpPr/>
+        <p:nvPr/>
+      </p:nvGrpSpPr>
+      <p:grpSpPr>
+        <a:xfrm>
+          <a:off x="0" y="0"/>
+          <a:ext cx="0" cy="0"/>
+          <a:chOff x="0" y="0"/>
+          <a:chExt cx="0" cy="0"/>
+        </a:xfrm>
+      </p:grpSpPr>
+      <p:sp>
+        <p:nvSpPr>
+          <p:cNvPr id="4" name="四角形: メモ 3">
+            <a:extLst>
+              <a:ext uri="{FF2B5EF4-FFF2-40B4-BE49-F238E27FC236}">
+                <a16:creationId xmlns:a16="http://schemas.microsoft.com/office/drawing/2014/main" id="{DA92CC16-A781-B67C-4888-44E06919C0CA}"/>
+              </a:ext>
+            </a:extLst>
+          </p:cNvPr>
+          <p:cNvSpPr/>
+          <p:nvPr/>
+        </p:nvSpPr>
+        <p:spPr>
+          <a:xfrm>
+            <a:off x="167788" y="281030"/>
+            <a:ext cx="1199625" cy="1166070"/>
+          </a:xfrm>
+          <a:prstGeom prst="foldedCorner">
+            <a:avLst/>
+          </a:prstGeom>
+        </p:spPr>
+        <p:style>
+          <a:lnRef idx="2">
+            <a:schemeClr val="accent1"/>
+          </a:lnRef>
+          <a:fillRef idx="1">
+            <a:schemeClr val="lt1"/>
+          </a:fillRef>
+          <a:effectRef idx="0">
+            <a:schemeClr val="accent1"/>
+          </a:effectRef>
+          <a:fontRef idx="minor">
+            <a:schemeClr val="dk1"/>
+          </a:fontRef>
+        </p:style>
+        <p:txBody>
+          <a:bodyPr rtlCol="0" anchor="ctr"/>
+          <a:lstStyle/>
+          <a:p>
+            <a:pPr algn="ctr"/>
+            <a:r>
+              <a:rPr kumimoji="1" lang="en-US" altLang="ja-JP" sz="1200" dirty="0" err="1"/>
+              <a:t>apimbackup</a:t>
+            </a:r>
+            <a:endParaRPr kumimoji="1" lang="ja-JP" altLang="en-US" sz="1200" dirty="0"/>
+          </a:p>
+        </p:txBody>
+      </p:sp>
+      <p:sp>
+        <p:nvSpPr>
+          <p:cNvPr id="8" name="四角形: メモ 7">
+            <a:extLst>
+              <a:ext uri="{FF2B5EF4-FFF2-40B4-BE49-F238E27FC236}">
+                <a16:creationId xmlns:a16="http://schemas.microsoft.com/office/drawing/2014/main" id="{E896605C-2FB4-98C4-6147-AF01415ECB11}"/>
+              </a:ext>
+            </a:extLst>
+          </p:cNvPr>
+          <p:cNvSpPr/>
+          <p:nvPr/>
+        </p:nvSpPr>
+        <p:spPr>
+          <a:xfrm>
+            <a:off x="2186739" y="281031"/>
+            <a:ext cx="4914550" cy="3007454"/>
+          </a:xfrm>
+          <a:prstGeom prst="foldedCorner">
+            <a:avLst/>
+          </a:prstGeom>
+        </p:spPr>
+        <p:style>
+          <a:lnRef idx="2">
+            <a:schemeClr val="accent1"/>
+          </a:lnRef>
+          <a:fillRef idx="1">
+            <a:schemeClr val="lt1"/>
+          </a:fillRef>
+          <a:effectRef idx="0">
+            <a:schemeClr val="accent1"/>
+          </a:effectRef>
+          <a:fontRef idx="minor">
+            <a:schemeClr val="dk1"/>
+          </a:fontRef>
+        </p:style>
+        <p:txBody>
+          <a:bodyPr rtlCol="0" anchor="t"/>
+          <a:lstStyle/>
+          <a:p>
+            <a:pPr algn="ctr"/>
+            <a:r>
+              <a:rPr kumimoji="1" lang="en-US" altLang="ja-JP" sz="1200" dirty="0"/>
+              <a:t>Metadata.xml</a:t>
+            </a:r>
+            <a:endParaRPr kumimoji="1" lang="ja-JP" altLang="en-US" sz="1200" dirty="0"/>
+          </a:p>
+        </p:txBody>
+      </p:sp>
+      <p:sp>
+        <p:nvSpPr>
+          <p:cNvPr id="9" name="矢印: 右 8">
+            <a:extLst>
+              <a:ext uri="{FF2B5EF4-FFF2-40B4-BE49-F238E27FC236}">
+                <a16:creationId xmlns:a16="http://schemas.microsoft.com/office/drawing/2014/main" id="{D537DD8D-D406-9C18-6980-8FDC188E189E}"/>
+              </a:ext>
+            </a:extLst>
+          </p:cNvPr>
+          <p:cNvSpPr/>
+          <p:nvPr/>
+        </p:nvSpPr>
+        <p:spPr>
+          <a:xfrm>
+            <a:off x="1227850" y="591423"/>
+            <a:ext cx="1029943" cy="406867"/>
+          </a:xfrm>
+          <a:prstGeom prst="rightArrow">
+            <a:avLst/>
+          </a:prstGeom>
+        </p:spPr>
+        <p:style>
+          <a:lnRef idx="2">
+            <a:schemeClr val="accent1">
+              <a:shade val="50000"/>
+            </a:schemeClr>
+          </a:lnRef>
+          <a:fillRef idx="1">
+            <a:schemeClr val="accent1"/>
+          </a:fillRef>
+          <a:effectRef idx="0">
+            <a:schemeClr val="accent1"/>
+          </a:effectRef>
+          <a:fontRef idx="minor">
+            <a:schemeClr val="lt1"/>
+          </a:fontRef>
+        </p:style>
+        <p:txBody>
+          <a:bodyPr rtlCol="0" anchor="ctr"/>
+          <a:lstStyle/>
+          <a:p>
+            <a:pPr algn="ctr"/>
+            <a:r>
+              <a:rPr kumimoji="1" lang="en-US" altLang="ja-JP" sz="1200" dirty="0"/>
+              <a:t>Unzip</a:t>
+            </a:r>
+            <a:endParaRPr kumimoji="1" lang="ja-JP" altLang="en-US" sz="1200" dirty="0"/>
+          </a:p>
+        </p:txBody>
+      </p:sp>
+      <p:pic>
+        <p:nvPicPr>
+          <p:cNvPr id="11" name="図 10">
+            <a:extLst>
+              <a:ext uri="{FF2B5EF4-FFF2-40B4-BE49-F238E27FC236}">
+                <a16:creationId xmlns:a16="http://schemas.microsoft.com/office/drawing/2014/main" id="{13CF6442-B545-2AED-3FD0-BF726D8EC882}"/>
+              </a:ext>
+            </a:extLst>
+          </p:cNvPr>
+          <p:cNvPicPr>
+            <a:picLocks noChangeAspect="1"/>
+          </p:cNvPicPr>
+          <p:nvPr/>
+        </p:nvPicPr>
+        <p:blipFill>
+          <a:blip r:embed="rId2"/>
+          <a:stretch>
+            <a:fillRect/>
+          </a:stretch>
+        </p:blipFill>
+        <p:spPr>
+          <a:xfrm>
+            <a:off x="2308127" y="550154"/>
+            <a:ext cx="4541472" cy="2444041"/>
+          </a:xfrm>
+          <a:prstGeom prst="rect">
+            <a:avLst/>
+          </a:prstGeom>
+        </p:spPr>
+      </p:pic>
+      <p:sp>
+        <p:nvSpPr>
+          <p:cNvPr id="13" name="四角形: メモ 12">
+            <a:extLst>
+              <a:ext uri="{FF2B5EF4-FFF2-40B4-BE49-F238E27FC236}">
+                <a16:creationId xmlns:a16="http://schemas.microsoft.com/office/drawing/2014/main" id="{CAC54306-5CC2-8372-158B-15FAD670DC10}"/>
+              </a:ext>
+            </a:extLst>
+          </p:cNvPr>
+          <p:cNvSpPr/>
+          <p:nvPr/>
+        </p:nvSpPr>
+        <p:spPr>
+          <a:xfrm>
+            <a:off x="7184481" y="281030"/>
+            <a:ext cx="4914550" cy="3007454"/>
+          </a:xfrm>
+          <a:prstGeom prst="foldedCorner">
+            <a:avLst/>
+          </a:prstGeom>
+        </p:spPr>
+        <p:style>
+          <a:lnRef idx="2">
+            <a:schemeClr val="accent1"/>
+          </a:lnRef>
+          <a:fillRef idx="1">
+            <a:schemeClr val="lt1"/>
+          </a:fillRef>
+          <a:effectRef idx="0">
+            <a:schemeClr val="accent1"/>
+          </a:effectRef>
+          <a:fontRef idx="minor">
+            <a:schemeClr val="dk1"/>
+          </a:fontRef>
+        </p:style>
+        <p:txBody>
+          <a:bodyPr rtlCol="0" anchor="t"/>
+          <a:lstStyle/>
+          <a:p>
+            <a:pPr algn="ctr"/>
+            <a:r>
+              <a:rPr kumimoji="1" lang="en-US" altLang="ja-JP" sz="1200" dirty="0"/>
+              <a:t>Backup</a:t>
+            </a:r>
+            <a:endParaRPr kumimoji="1" lang="ja-JP" altLang="en-US" sz="1200" dirty="0"/>
+          </a:p>
+        </p:txBody>
+      </p:sp>
+      <p:pic>
+        <p:nvPicPr>
+          <p:cNvPr id="15" name="図 14">
+            <a:extLst>
+              <a:ext uri="{FF2B5EF4-FFF2-40B4-BE49-F238E27FC236}">
+                <a16:creationId xmlns:a16="http://schemas.microsoft.com/office/drawing/2014/main" id="{AFD15F95-ED15-3FE7-5D8B-354469B11152}"/>
+              </a:ext>
+            </a:extLst>
+          </p:cNvPr>
+          <p:cNvPicPr>
+            <a:picLocks noChangeAspect="1"/>
+          </p:cNvPicPr>
+          <p:nvPr/>
+        </p:nvPicPr>
+        <p:blipFill>
+          <a:blip r:embed="rId3"/>
+          <a:stretch>
+            <a:fillRect/>
+          </a:stretch>
+        </p:blipFill>
+        <p:spPr>
+          <a:xfrm>
+            <a:off x="7291484" y="624789"/>
+            <a:ext cx="4700544" cy="1828292"/>
+          </a:xfrm>
+          <a:prstGeom prst="rect">
+            <a:avLst/>
+          </a:prstGeom>
+        </p:spPr>
+      </p:pic>
+    </p:spTree>
+    <p:extLst>
+      <p:ext uri="{BB962C8B-B14F-4D97-AF65-F5344CB8AC3E}">
+        <p14:creationId xmlns:p14="http://schemas.microsoft.com/office/powerpoint/2010/main" val="2611874524"/>
+      </p:ext>
+    </p:extLst>
+  </p:cSld>
+  <p:clrMapOvr>
+    <a:masterClrMapping/>
+  </p:clrMapOvr>
+</p:sld>
+</file>
+
+<file path=ppt/slides/slide3.xml><?xml version="1.0" encoding="utf-8"?>
+<p:sld xmlns:a="http://schemas.openxmlformats.org/drawingml/2006/main" xmlns:r="http://schemas.openxmlformats.org/officeDocument/2006/relationships" xmlns:p="http://schemas.openxmlformats.org/presentationml/2006/main">
+  <p:cSld>
+    <p:spTree>
+      <p:nvGrpSpPr>
+        <p:cNvPr id="1" name=""/>
+        <p:cNvGrpSpPr/>
+        <p:nvPr/>
+      </p:nvGrpSpPr>
+      <p:grpSpPr>
+        <a:xfrm>
+          <a:off x="0" y="0"/>
+          <a:ext cx="0" cy="0"/>
+          <a:chOff x="0" y="0"/>
+          <a:chExt cx="0" cy="0"/>
+        </a:xfrm>
+      </p:grpSpPr>
+      <p:pic>
+        <p:nvPicPr>
+          <p:cNvPr id="3" name="図 2">
+            <a:extLst>
+              <a:ext uri="{FF2B5EF4-FFF2-40B4-BE49-F238E27FC236}">
+                <a16:creationId xmlns:a16="http://schemas.microsoft.com/office/drawing/2014/main" id="{6614AEBD-9556-91E3-8A00-3CC1A1ACE22A}"/>
+              </a:ext>
+            </a:extLst>
+          </p:cNvPr>
+          <p:cNvPicPr>
+            <a:picLocks noChangeAspect="1"/>
+          </p:cNvPicPr>
+          <p:nvPr/>
+        </p:nvPicPr>
+        <p:blipFill rotWithShape="1">
+          <a:blip r:embed="rId2"/>
+          <a:srcRect b="29651"/>
+          <a:stretch/>
+        </p:blipFill>
+        <p:spPr>
+          <a:xfrm>
+            <a:off x="1114288" y="400595"/>
+            <a:ext cx="9902464" cy="4824548"/>
+          </a:xfrm>
+          <a:prstGeom prst="rect">
+            <a:avLst/>
+          </a:prstGeom>
+          <a:ln>
+            <a:noFill/>
+          </a:ln>
+          <a:effectLst>
+            <a:outerShdw blurRad="292100" dist="139700" dir="2700000" algn="tl" rotWithShape="0">
+              <a:srgbClr val="333333">
+                <a:alpha val="65000"/>
+              </a:srgbClr>
+            </a:outerShdw>
+          </a:effectLst>
+        </p:spPr>
+      </p:pic>
+    </p:spTree>
+    <p:extLst>
+      <p:ext uri="{BB962C8B-B14F-4D97-AF65-F5344CB8AC3E}">
+        <p14:creationId xmlns:p14="http://schemas.microsoft.com/office/powerpoint/2010/main" val="1238026968"/>
+      </p:ext>
+    </p:extLst>
+  </p:cSld>
+  <p:clrMapOvr>
+    <a:masterClrMapping/>
+  </p:clrMapOvr>
+</p:sld>
+</file>
+
+<file path=ppt/slides/slide4.xml><?xml version="1.0" encoding="utf-8"?>
+<p:sld xmlns:a="http://schemas.openxmlformats.org/drawingml/2006/main" xmlns:r="http://schemas.openxmlformats.org/officeDocument/2006/relationships" xmlns:p="http://schemas.openxmlformats.org/presentationml/2006/main">
+  <p:cSld>
+    <p:spTree>
+      <p:nvGrpSpPr>
+        <p:cNvPr id="1" name=""/>
+        <p:cNvGrpSpPr/>
+        <p:nvPr/>
+      </p:nvGrpSpPr>
+      <p:grpSpPr>
+        <a:xfrm>
+          <a:off x="0" y="0"/>
+          <a:ext cx="0" cy="0"/>
+          <a:chOff x="0" y="0"/>
+          <a:chExt cx="0" cy="0"/>
+        </a:xfrm>
+      </p:grpSpPr>
+      <p:pic>
+        <p:nvPicPr>
+          <p:cNvPr id="3" name="図 2">
+            <a:extLst>
+              <a:ext uri="{FF2B5EF4-FFF2-40B4-BE49-F238E27FC236}">
+                <a16:creationId xmlns:a16="http://schemas.microsoft.com/office/drawing/2014/main" id="{7C678A38-64A2-6129-5113-42746C3F4AFA}"/>
+              </a:ext>
+            </a:extLst>
+          </p:cNvPr>
+          <p:cNvPicPr>
+            <a:picLocks noChangeAspect="1"/>
+          </p:cNvPicPr>
+          <p:nvPr/>
+        </p:nvPicPr>
+        <p:blipFill rotWithShape="1">
+          <a:blip r:embed="rId3"/>
+          <a:srcRect r="44243" b="10921"/>
+          <a:stretch/>
+        </p:blipFill>
+        <p:spPr>
+          <a:xfrm>
+            <a:off x="577050" y="1216816"/>
+            <a:ext cx="4910855" cy="4589830"/>
+          </a:xfrm>
+          <a:prstGeom prst="rect">
+            <a:avLst/>
+          </a:prstGeom>
+          <a:ln>
+            <a:noFill/>
+          </a:ln>
+          <a:effectLst>
+            <a:outerShdw blurRad="292100" dist="139700" dir="2700000" algn="tl" rotWithShape="0">
+              <a:srgbClr val="333333">
+                <a:alpha val="65000"/>
+              </a:srgbClr>
+            </a:outerShdw>
+          </a:effectLst>
+        </p:spPr>
+      </p:pic>
+      <p:pic>
+        <p:nvPicPr>
+          <p:cNvPr id="5" name="図 4">
+            <a:extLst>
+              <a:ext uri="{FF2B5EF4-FFF2-40B4-BE49-F238E27FC236}">
+                <a16:creationId xmlns:a16="http://schemas.microsoft.com/office/drawing/2014/main" id="{BE2FF4F8-86FB-7E81-57F9-5A837B70CFC9}"/>
+              </a:ext>
+            </a:extLst>
+          </p:cNvPr>
+          <p:cNvPicPr>
+            <a:picLocks noChangeAspect="1"/>
+          </p:cNvPicPr>
+          <p:nvPr/>
+        </p:nvPicPr>
+        <p:blipFill>
+          <a:blip r:embed="rId4"/>
+          <a:stretch>
+            <a:fillRect/>
+          </a:stretch>
+        </p:blipFill>
+        <p:spPr>
+          <a:xfrm>
+            <a:off x="5740414" y="1216817"/>
+            <a:ext cx="6952129" cy="4635590"/>
+          </a:xfrm>
+          <a:prstGeom prst="rect">
+            <a:avLst/>
+          </a:prstGeom>
+          <a:ln>
+            <a:noFill/>
+          </a:ln>
+          <a:effectLst>
+            <a:outerShdw blurRad="292100" dist="139700" dir="2700000" algn="tl" rotWithShape="0">
+              <a:srgbClr val="333333">
+                <a:alpha val="65000"/>
+              </a:srgbClr>
+            </a:outerShdw>
+          </a:effectLst>
+        </p:spPr>
+      </p:pic>
+      <p:sp>
+        <p:nvSpPr>
+          <p:cNvPr id="6" name="テキスト ボックス 5">
+            <a:extLst>
+              <a:ext uri="{FF2B5EF4-FFF2-40B4-BE49-F238E27FC236}">
+                <a16:creationId xmlns:a16="http://schemas.microsoft.com/office/drawing/2014/main" id="{DCBCCA56-71ED-4880-B5BB-8E39BCD0C005}"/>
+              </a:ext>
+            </a:extLst>
+          </p:cNvPr>
+          <p:cNvSpPr txBox="1"/>
+          <p:nvPr/>
+        </p:nvSpPr>
+        <p:spPr>
+          <a:xfrm>
+            <a:off x="3267553" y="1051354"/>
+            <a:ext cx="1949573" cy="307777"/>
+          </a:xfrm>
+          <a:prstGeom prst="rect">
+            <a:avLst/>
+          </a:prstGeom>
+        </p:spPr>
+        <p:style>
+          <a:lnRef idx="1">
+            <a:schemeClr val="accent1"/>
+          </a:lnRef>
+          <a:fillRef idx="2">
+            <a:schemeClr val="accent1"/>
+          </a:fillRef>
+          <a:effectRef idx="1">
+            <a:schemeClr val="accent1"/>
+          </a:effectRef>
+          <a:fontRef idx="minor">
+            <a:schemeClr val="dk1"/>
+          </a:fontRef>
+        </p:style>
+        <p:txBody>
+          <a:bodyPr wrap="none" rtlCol="0">
+            <a:spAutoFit/>
+          </a:bodyPr>
+          <a:lstStyle/>
+          <a:p>
+            <a:r>
+              <a:rPr kumimoji="1" lang="en-US" altLang="ja-JP" sz="1400" dirty="0"/>
+              <a:t>Git </a:t>
+            </a:r>
+            <a:r>
+              <a:rPr kumimoji="1" lang="ja-JP" altLang="en-US" sz="1400" dirty="0"/>
+              <a:t>で </a:t>
+            </a:r>
+            <a:r>
+              <a:rPr kumimoji="1" lang="en-US" altLang="ja-JP" sz="1400" dirty="0"/>
+              <a:t>Clone</a:t>
+            </a:r>
+            <a:r>
+              <a:rPr kumimoji="1" lang="ja-JP" altLang="en-US" sz="1400" dirty="0"/>
+              <a:t> したもの</a:t>
+            </a:r>
+          </a:p>
+        </p:txBody>
+      </p:sp>
+      <p:sp>
+        <p:nvSpPr>
+          <p:cNvPr id="8" name="テキスト ボックス 7">
+            <a:extLst>
+              <a:ext uri="{FF2B5EF4-FFF2-40B4-BE49-F238E27FC236}">
+                <a16:creationId xmlns:a16="http://schemas.microsoft.com/office/drawing/2014/main" id="{72C97706-9ED3-07B9-D497-C1F055A7F38D}"/>
+              </a:ext>
+            </a:extLst>
+          </p:cNvPr>
+          <p:cNvSpPr txBox="1"/>
+          <p:nvPr/>
+        </p:nvSpPr>
+        <p:spPr>
+          <a:xfrm>
+            <a:off x="10449927" y="1062927"/>
+            <a:ext cx="1715534" cy="307777"/>
+          </a:xfrm>
+          <a:prstGeom prst="rect">
+            <a:avLst/>
+          </a:prstGeom>
+        </p:spPr>
+        <p:style>
+          <a:lnRef idx="1">
+            <a:schemeClr val="accent1"/>
+          </a:lnRef>
+          <a:fillRef idx="2">
+            <a:schemeClr val="accent1"/>
+          </a:fillRef>
+          <a:effectRef idx="1">
+            <a:schemeClr val="accent1"/>
+          </a:effectRef>
+          <a:fontRef idx="minor">
+            <a:schemeClr val="dk1"/>
+          </a:fontRef>
+        </p:style>
+        <p:txBody>
+          <a:bodyPr wrap="none" rtlCol="0">
+            <a:spAutoFit/>
+          </a:bodyPr>
+          <a:lstStyle/>
+          <a:p>
+            <a:r>
+              <a:rPr kumimoji="1" lang="en-US" altLang="ja-JP" sz="1400" dirty="0"/>
+              <a:t>ARM</a:t>
+            </a:r>
+            <a:r>
+              <a:rPr kumimoji="1" lang="ja-JP" altLang="en-US" sz="1400" dirty="0"/>
+              <a:t> で見えるもの</a:t>
+            </a:r>
+          </a:p>
+        </p:txBody>
+      </p:sp>
+    </p:spTree>
+    <p:extLst>
+      <p:ext uri="{BB962C8B-B14F-4D97-AF65-F5344CB8AC3E}">
+        <p14:creationId xmlns:p14="http://schemas.microsoft.com/office/powerpoint/2010/main" val="2863780685"/>
+      </p:ext>
+    </p:extLst>
+  </p:cSld>
+  <p:clrMapOvr>
+    <a:masterClrMapping/>
+  </p:clrMapOvr>
+</p:sld>
+</file>
+
+<file path=ppt/slides/slide5.xml><?xml version="1.0" encoding="utf-8"?>
+<p:sld xmlns:a="http://schemas.openxmlformats.org/drawingml/2006/main" xmlns:r="http://schemas.openxmlformats.org/officeDocument/2006/relationships" xmlns:p="http://schemas.openxmlformats.org/presentationml/2006/main">
+  <p:cSld>
+    <p:spTree>
+      <p:nvGrpSpPr>
+        <p:cNvPr id="1" name=""/>
+        <p:cNvGrpSpPr/>
+        <p:nvPr/>
+      </p:nvGrpSpPr>
+      <p:grpSpPr>
+        <a:xfrm>
+          <a:off x="0" y="0"/>
+          <a:ext cx="0" cy="0"/>
+          <a:chOff x="0" y="0"/>
+          <a:chExt cx="0" cy="0"/>
+        </a:xfrm>
+      </p:grpSpPr>
+      <p:pic>
+        <p:nvPicPr>
+          <p:cNvPr id="1026" name="Picture 2">
+            <a:extLst>
+              <a:ext uri="{FF2B5EF4-FFF2-40B4-BE49-F238E27FC236}">
+                <a16:creationId xmlns:a16="http://schemas.microsoft.com/office/drawing/2014/main" id="{F404A2C5-CBA0-C2C8-5411-CEED7312FF26}"/>
+              </a:ext>
+            </a:extLst>
+          </p:cNvPr>
+          <p:cNvPicPr>
+            <a:picLocks noChangeAspect="1" noChangeArrowheads="1"/>
+          </p:cNvPicPr>
+          <p:nvPr/>
+        </p:nvPicPr>
+        <p:blipFill>
+          <a:blip r:embed="rId2">
+            <a:extLst>
+              <a:ext uri="{28A0092B-C50C-407E-A947-70E740481C1C}">
+                <a14:useLocalDpi xmlns:a14="http://schemas.microsoft.com/office/drawing/2010/main" val="0"/>
+              </a:ext>
+            </a:extLst>
+          </a:blip>
+          <a:srcRect/>
+          <a:stretch>
+            <a:fillRect/>
+          </a:stretch>
+        </p:blipFill>
+        <p:spPr bwMode="auto">
+          <a:xfrm>
+            <a:off x="1057984" y="1088422"/>
+            <a:ext cx="10076033" cy="4681157"/>
+          </a:xfrm>
+          <a:prstGeom prst="rect">
+            <a:avLst/>
+          </a:prstGeom>
+          <a:ln>
+            <a:noFill/>
+          </a:ln>
+          <a:effectLst>
+            <a:outerShdw blurRad="292100" dist="139700" dir="2700000" algn="tl" rotWithShape="0">
+              <a:srgbClr val="333333">
+                <a:alpha val="65000"/>
+              </a:srgbClr>
+            </a:outerShdw>
+          </a:effectLst>
+          <a:extLst>
+            <a:ext uri="{909E8E84-426E-40DD-AFC4-6F175D3DCCD1}">
+              <a14:hiddenFill xmlns:a14="http://schemas.microsoft.com/office/drawing/2010/main">
+                <a:solidFill>
+                  <a:srgbClr val="FFFFFF"/>
+                </a:solidFill>
+              </a14:hiddenFill>
+            </a:ext>
+          </a:extLst>
+        </p:spPr>
+      </p:pic>
+      <mc:AlternateContent xmlns:mc="http://schemas.openxmlformats.org/markup-compatibility/2006">
+        <mc:Choice xmlns:p14="http://schemas.microsoft.com/office/powerpoint/2010/main" Requires="p14">
+          <p:contentPart p14:bwMode="auto" r:id="rId3">
+            <p14:nvContentPartPr>
+              <p14:cNvPr id="18" name="インク 17">
+                <a:extLst>
+                  <a:ext uri="{FF2B5EF4-FFF2-40B4-BE49-F238E27FC236}">
+                    <a16:creationId xmlns:a16="http://schemas.microsoft.com/office/drawing/2014/main" id="{BB586347-AF89-653E-DF56-1C437CB76E35}"/>
+                  </a:ext>
+                </a:extLst>
+              </p14:cNvPr>
+              <p14:cNvContentPartPr/>
+              <p14:nvPr/>
+            </p14:nvContentPartPr>
+            <p14:xfrm>
+              <a:off x="8830756" y="4380840"/>
+              <a:ext cx="1024920" cy="384480"/>
+            </p14:xfrm>
+          </p:contentPart>
+        </mc:Choice>
+        <mc:Fallback>
+          <p:pic>
+            <p:nvPicPr>
+              <p:cNvPr id="18" name="インク 17">
+                <a:extLst>
+                  <a:ext uri="{FF2B5EF4-FFF2-40B4-BE49-F238E27FC236}">
+                    <a16:creationId xmlns:a16="http://schemas.microsoft.com/office/drawing/2014/main" id="{BB586347-AF89-653E-DF56-1C437CB76E35}"/>
+                  </a:ext>
+                </a:extLst>
+              </p:cNvPr>
+              <p:cNvPicPr/>
+              <p:nvPr/>
+            </p:nvPicPr>
+            <p:blipFill>
+              <a:blip r:embed="rId4"/>
+              <a:stretch>
+                <a:fillRect/>
+              </a:stretch>
+            </p:blipFill>
+            <p:spPr>
+              <a:xfrm>
+                <a:off x="8777116" y="4273200"/>
+                <a:ext cx="1132560" cy="600120"/>
+              </a:xfrm>
+              <a:prstGeom prst="rect">
+                <a:avLst/>
+              </a:prstGeom>
+            </p:spPr>
+          </p:pic>
+        </mc:Fallback>
+      </mc:AlternateContent>
+      <mc:AlternateContent xmlns:mc="http://schemas.openxmlformats.org/markup-compatibility/2006">
+        <mc:Choice xmlns:p14="http://schemas.microsoft.com/office/powerpoint/2010/main" Requires="p14">
+          <p:contentPart p14:bwMode="auto" r:id="rId5">
+            <p14:nvContentPartPr>
+              <p14:cNvPr id="19" name="インク 18">
+                <a:extLst>
+                  <a:ext uri="{FF2B5EF4-FFF2-40B4-BE49-F238E27FC236}">
+                    <a16:creationId xmlns:a16="http://schemas.microsoft.com/office/drawing/2014/main" id="{E28343C2-13E5-17FC-5607-638DAB25F99B}"/>
+                  </a:ext>
+                </a:extLst>
+              </p14:cNvPr>
+              <p14:cNvContentPartPr/>
+              <p14:nvPr/>
+            </p14:nvContentPartPr>
+            <p14:xfrm>
+              <a:off x="9150796" y="2884320"/>
+              <a:ext cx="459720" cy="191160"/>
+            </p14:xfrm>
+          </p:contentPart>
+        </mc:Choice>
+        <mc:Fallback>
+          <p:pic>
+            <p:nvPicPr>
+              <p:cNvPr id="19" name="インク 18">
+                <a:extLst>
+                  <a:ext uri="{FF2B5EF4-FFF2-40B4-BE49-F238E27FC236}">
+                    <a16:creationId xmlns:a16="http://schemas.microsoft.com/office/drawing/2014/main" id="{E28343C2-13E5-17FC-5607-638DAB25F99B}"/>
+                  </a:ext>
+                </a:extLst>
+              </p:cNvPr>
+              <p:cNvPicPr/>
+              <p:nvPr/>
+            </p:nvPicPr>
+            <p:blipFill>
+              <a:blip r:embed="rId6"/>
+              <a:stretch>
+                <a:fillRect/>
+              </a:stretch>
+            </p:blipFill>
+            <p:spPr>
+              <a:xfrm>
+                <a:off x="9097156" y="2776320"/>
+                <a:ext cx="567360" cy="406800"/>
+              </a:xfrm>
+              <a:prstGeom prst="rect">
+                <a:avLst/>
+              </a:prstGeom>
+            </p:spPr>
+          </p:pic>
+        </mc:Fallback>
+      </mc:AlternateContent>
+    </p:spTree>
+    <p:extLst>
+      <p:ext uri="{BB962C8B-B14F-4D97-AF65-F5344CB8AC3E}">
+        <p14:creationId xmlns:p14="http://schemas.microsoft.com/office/powerpoint/2010/main" val="4266696665"/>
       </p:ext>
     </p:extLst>
   </p:cSld>
@@ -7832,12 +8352,96 @@
           <a:chExt cx="0" cy="0"/>
         </a:xfrm>
       </p:grpSpPr>
+      <p:sp>
+        <p:nvSpPr>
+          <p:cNvPr id="2" name="タイトル 1">
+            <a:extLst>
+              <a:ext uri="{FF2B5EF4-FFF2-40B4-BE49-F238E27FC236}">
+                <a16:creationId xmlns:a16="http://schemas.microsoft.com/office/drawing/2014/main" id="{8BBC89F5-68F3-9E97-7DA4-EC4545A718CA}"/>
+              </a:ext>
+            </a:extLst>
+          </p:cNvPr>
+          <p:cNvSpPr>
+            <a:spLocks noGrp="1"/>
+          </p:cNvSpPr>
+          <p:nvPr>
+            <p:ph type="title"/>
+          </p:nvPr>
+        </p:nvSpPr>
+        <p:spPr/>
+        <p:txBody>
+          <a:bodyPr/>
+          <a:lstStyle/>
+          <a:p>
+            <a:r>
+              <a:rPr lang="en-US" altLang="ja-JP" dirty="0"/>
+              <a:t>PowerShell</a:t>
+            </a:r>
+            <a:endParaRPr lang="ja-JP" altLang="en-US" dirty="0"/>
+          </a:p>
+        </p:txBody>
+      </p:sp>
+      <p:sp>
+        <p:nvSpPr>
+          <p:cNvPr id="3" name="テキスト プレースホルダー 2">
+            <a:extLst>
+              <a:ext uri="{FF2B5EF4-FFF2-40B4-BE49-F238E27FC236}">
+                <a16:creationId xmlns:a16="http://schemas.microsoft.com/office/drawing/2014/main" id="{A7679AAE-4499-775B-A714-C86C00C02CE1}"/>
+              </a:ext>
+            </a:extLst>
+          </p:cNvPr>
+          <p:cNvSpPr>
+            <a:spLocks noGrp="1"/>
+          </p:cNvSpPr>
+          <p:nvPr>
+            <p:ph type="body" idx="1"/>
+          </p:nvPr>
+        </p:nvSpPr>
+        <p:spPr/>
+        <p:txBody>
+          <a:bodyPr/>
+          <a:lstStyle/>
+          <a:p>
+            <a:endParaRPr lang="ja-JP" altLang="en-US"/>
+          </a:p>
+        </p:txBody>
+      </p:sp>
+    </p:spTree>
+    <p:extLst>
+      <p:ext uri="{BB962C8B-B14F-4D97-AF65-F5344CB8AC3E}">
+        <p14:creationId xmlns:p14="http://schemas.microsoft.com/office/powerpoint/2010/main" val="4134580399"/>
+      </p:ext>
+    </p:extLst>
+  </p:cSld>
+  <p:clrMapOvr>
+    <a:masterClrMapping/>
+  </p:clrMapOvr>
+</p:sld>
+</file>
+
+<file path=ppt/slides/slide7.xml><?xml version="1.0" encoding="utf-8"?>
+<p:sld xmlns:a="http://schemas.openxmlformats.org/drawingml/2006/main" xmlns:r="http://schemas.openxmlformats.org/officeDocument/2006/relationships" xmlns:p="http://schemas.openxmlformats.org/presentationml/2006/main">
+  <p:cSld>
+    <p:spTree>
+      <p:nvGrpSpPr>
+        <p:cNvPr id="1" name=""/>
+        <p:cNvGrpSpPr/>
+        <p:nvPr/>
+      </p:nvGrpSpPr>
+      <p:grpSpPr>
+        <a:xfrm>
+          <a:off x="0" y="0"/>
+          <a:ext cx="0" cy="0"/>
+          <a:chOff x="0" y="0"/>
+          <a:chExt cx="0" cy="0"/>
+        </a:xfrm>
+      </p:grpSpPr>
       <p:pic>
         <p:nvPicPr>
-          <p:cNvPr id="3" name="図 2">
-            <a:extLst>
-              <a:ext uri="{FF2B5EF4-FFF2-40B4-BE49-F238E27FC236}">
-                <a16:creationId xmlns:a16="http://schemas.microsoft.com/office/drawing/2014/main" id="{A83B9BFA-B716-E016-7011-3D21FD591B0F}"/>
+          <p:cNvPr id="5" name="図 4">
+            <a:extLst>
+              <a:ext uri="{FF2B5EF4-FFF2-40B4-BE49-F238E27FC236}">
+                <a16:creationId xmlns:a16="http://schemas.microsoft.com/office/drawing/2014/main" id="{98344A84-2492-F7D4-2912-D5361A762629}"/>
               </a:ext>
             </a:extLst>
           </p:cNvPr>
@@ -7846,15 +8450,16 @@
           </p:cNvPicPr>
           <p:nvPr/>
         </p:nvPicPr>
-        <p:blipFill rotWithShape="1">
+        <p:blipFill>
           <a:blip r:embed="rId2"/>
-          <a:srcRect r="37915"/>
-          <a:stretch/>
+          <a:stretch>
+            <a:fillRect/>
+          </a:stretch>
         </p:blipFill>
         <p:spPr>
           <a:xfrm>
-            <a:off x="-204638" y="1577520"/>
-            <a:ext cx="3140827" cy="3592122"/>
+            <a:off x="241683" y="52491"/>
+            <a:ext cx="8327300" cy="1791715"/>
           </a:xfrm>
           <a:prstGeom prst="rect">
             <a:avLst/>
@@ -7873,10 +8478,10 @@
       </p:pic>
       <p:pic>
         <p:nvPicPr>
-          <p:cNvPr id="5" name="図 4">
-            <a:extLst>
-              <a:ext uri="{FF2B5EF4-FFF2-40B4-BE49-F238E27FC236}">
-                <a16:creationId xmlns:a16="http://schemas.microsoft.com/office/drawing/2014/main" id="{478B73BB-2CC8-B041-D683-796A685F870E}"/>
+          <p:cNvPr id="10" name="図 9">
+            <a:extLst>
+              <a:ext uri="{FF2B5EF4-FFF2-40B4-BE49-F238E27FC236}">
+                <a16:creationId xmlns:a16="http://schemas.microsoft.com/office/drawing/2014/main" id="{A183F6A6-C1CD-332E-8952-CD8F813A6741}"/>
               </a:ext>
             </a:extLst>
           </p:cNvPr>
@@ -7893,8 +8498,8 @@
         </p:blipFill>
         <p:spPr>
           <a:xfrm>
-            <a:off x="3219541" y="1577520"/>
-            <a:ext cx="5344018" cy="3592122"/>
+            <a:off x="241683" y="1967910"/>
+            <a:ext cx="8327300" cy="4421467"/>
           </a:xfrm>
           <a:prstGeom prst="rect">
             <a:avLst/>
@@ -7913,10 +8518,10 @@
       </p:pic>
       <p:sp>
         <p:nvSpPr>
-          <p:cNvPr id="7" name="四角形: 角を丸くする 6">
-            <a:extLst>
-              <a:ext uri="{FF2B5EF4-FFF2-40B4-BE49-F238E27FC236}">
-                <a16:creationId xmlns:a16="http://schemas.microsoft.com/office/drawing/2014/main" id="{0520AD89-DCE3-7571-768C-09239C3C16EA}"/>
+          <p:cNvPr id="13" name="四角形: 角を丸くする 12">
+            <a:extLst>
+              <a:ext uri="{FF2B5EF4-FFF2-40B4-BE49-F238E27FC236}">
+                <a16:creationId xmlns:a16="http://schemas.microsoft.com/office/drawing/2014/main" id="{8A156218-E70E-9537-0140-FC545C5EBAA9}"/>
               </a:ext>
             </a:extLst>
           </p:cNvPr>
@@ -7925,8 +8530,8 @@
         </p:nvSpPr>
         <p:spPr>
           <a:xfrm>
-            <a:off x="1313880" y="2833108"/>
-            <a:ext cx="1199567" cy="861252"/>
+            <a:off x="1673043" y="1139770"/>
+            <a:ext cx="6895940" cy="200338"/>
           </a:xfrm>
           <a:prstGeom prst="roundRect">
             <a:avLst/>
@@ -7965,10 +8570,10 @@
       </p:sp>
       <p:sp>
         <p:nvSpPr>
-          <p:cNvPr id="9" name="四角形: 角を丸くする 8">
-            <a:extLst>
-              <a:ext uri="{FF2B5EF4-FFF2-40B4-BE49-F238E27FC236}">
-                <a16:creationId xmlns:a16="http://schemas.microsoft.com/office/drawing/2014/main" id="{96EFCE97-2C0C-1F57-9CB3-6A5C11C3F46A}"/>
+          <p:cNvPr id="14" name="吹き出し: 四角形 13">
+            <a:extLst>
+              <a:ext uri="{FF2B5EF4-FFF2-40B4-BE49-F238E27FC236}">
+                <a16:creationId xmlns:a16="http://schemas.microsoft.com/office/drawing/2014/main" id="{316F1721-E3E6-6395-AEE4-8E0B8D18490F}"/>
               </a:ext>
             </a:extLst>
           </p:cNvPr>
@@ -7977,8 +8582,164 @@
         </p:nvSpPr>
         <p:spPr>
           <a:xfrm>
-            <a:off x="6605395" y="4495062"/>
-            <a:ext cx="1756286" cy="441958"/>
+            <a:off x="8728745" y="656904"/>
+            <a:ext cx="2642532" cy="583035"/>
+          </a:xfrm>
+          <a:prstGeom prst="wedgeRectCallout">
+            <a:avLst>
+              <a:gd name="adj1" fmla="val -64833"/>
+              <a:gd name="adj2" fmla="val 39478"/>
+            </a:avLst>
+          </a:prstGeom>
+        </p:spPr>
+        <p:style>
+          <a:lnRef idx="2">
+            <a:schemeClr val="accent2"/>
+          </a:lnRef>
+          <a:fillRef idx="1">
+            <a:schemeClr val="lt1"/>
+          </a:fillRef>
+          <a:effectRef idx="0">
+            <a:schemeClr val="accent2"/>
+          </a:effectRef>
+          <a:fontRef idx="minor">
+            <a:schemeClr val="dk1"/>
+          </a:fontRef>
+        </p:style>
+        <p:txBody>
+          <a:bodyPr rtlCol="0" anchor="ctr"/>
+          <a:lstStyle/>
+          <a:p>
+            <a:pPr algn="ctr"/>
+            <a:r>
+              <a:rPr kumimoji="1" lang="en-US" altLang="ja-JP" sz="1200" dirty="0"/>
+              <a:t>Echo API</a:t>
+            </a:r>
+            <a:r>
+              <a:rPr kumimoji="1" lang="ja-JP" altLang="en-US" sz="1200" dirty="0"/>
+              <a:t> に </a:t>
+            </a:r>
+            <a:r>
+              <a:rPr kumimoji="1" lang="en-US" altLang="ja-JP" sz="1200" dirty="0"/>
+              <a:t>Rev2</a:t>
+            </a:r>
+            <a:r>
+              <a:rPr kumimoji="1" lang="ja-JP" altLang="en-US" sz="1200" dirty="0"/>
+              <a:t> を追加</a:t>
+            </a:r>
+            <a:endParaRPr kumimoji="1" lang="en-US" altLang="ja-JP" sz="1200" dirty="0"/>
+          </a:p>
+          <a:p>
+            <a:pPr algn="ctr"/>
+            <a:r>
+              <a:rPr lang="ja-JP" altLang="en-US" sz="1200" dirty="0"/>
+              <a:t>（</a:t>
+            </a:r>
+            <a:r>
+              <a:rPr lang="en-US" altLang="ja-JP" sz="1200" dirty="0"/>
+              <a:t>Current </a:t>
+            </a:r>
+            <a:r>
+              <a:rPr lang="ja-JP" altLang="en-US" sz="1200" dirty="0"/>
+              <a:t>にはしない）</a:t>
+            </a:r>
+            <a:endParaRPr kumimoji="1" lang="ja-JP" altLang="en-US" sz="1200" dirty="0"/>
+          </a:p>
+        </p:txBody>
+      </p:sp>
+      <p:sp>
+        <p:nvSpPr>
+          <p:cNvPr id="16" name="吹き出し: 四角形 15">
+            <a:extLst>
+              <a:ext uri="{FF2B5EF4-FFF2-40B4-BE49-F238E27FC236}">
+                <a16:creationId xmlns:a16="http://schemas.microsoft.com/office/drawing/2014/main" id="{76C35255-B7D0-A63F-F7C7-F17F9338B148}"/>
+              </a:ext>
+            </a:extLst>
+          </p:cNvPr>
+          <p:cNvSpPr/>
+          <p:nvPr/>
+        </p:nvSpPr>
+        <p:spPr>
+          <a:xfrm>
+            <a:off x="4324525" y="2088758"/>
+            <a:ext cx="2642532" cy="583035"/>
+          </a:xfrm>
+          <a:prstGeom prst="wedgeRectCallout">
+            <a:avLst>
+              <a:gd name="adj1" fmla="val -71658"/>
+              <a:gd name="adj2" fmla="val -38939"/>
+            </a:avLst>
+          </a:prstGeom>
+        </p:spPr>
+        <p:style>
+          <a:lnRef idx="2">
+            <a:schemeClr val="accent2"/>
+          </a:lnRef>
+          <a:fillRef idx="1">
+            <a:schemeClr val="lt1"/>
+          </a:fillRef>
+          <a:effectRef idx="0">
+            <a:schemeClr val="accent2"/>
+          </a:effectRef>
+          <a:fontRef idx="minor">
+            <a:schemeClr val="dk1"/>
+          </a:fontRef>
+        </p:style>
+        <p:txBody>
+          <a:bodyPr rtlCol="0" anchor="ctr"/>
+          <a:lstStyle/>
+          <a:p>
+            <a:pPr algn="ctr"/>
+            <a:r>
+              <a:rPr kumimoji="1" lang="en-US" altLang="ja-JP" sz="1200" dirty="0"/>
+              <a:t>Rev</a:t>
+            </a:r>
+            <a:r>
+              <a:rPr kumimoji="1" lang="ja-JP" altLang="en-US" sz="1200" dirty="0"/>
+              <a:t> </a:t>
+            </a:r>
+            <a:r>
+              <a:rPr kumimoji="1" lang="en-US" altLang="ja-JP" sz="1200" dirty="0"/>
+              <a:t>2 </a:t>
+            </a:r>
+            <a:r>
+              <a:rPr kumimoji="1" lang="ja-JP" altLang="en-US" sz="1200" dirty="0"/>
+              <a:t>が選択されていることを</a:t>
+            </a:r>
+            <a:br>
+              <a:rPr kumimoji="1" lang="en-US" altLang="ja-JP" sz="1200" dirty="0"/>
+            </a:br>
+            <a:r>
+              <a:rPr kumimoji="1" lang="ja-JP" altLang="en-US" sz="1200" dirty="0"/>
+              <a:t>確認して </a:t>
+            </a:r>
+            <a:r>
+              <a:rPr kumimoji="1" lang="en-US" altLang="ja-JP" sz="1200" dirty="0"/>
+              <a:t>API</a:t>
+            </a:r>
+            <a:r>
+              <a:rPr kumimoji="1" lang="ja-JP" altLang="en-US" sz="1200" dirty="0"/>
+              <a:t> を修正</a:t>
+            </a:r>
+          </a:p>
+        </p:txBody>
+      </p:sp>
+      <p:sp>
+        <p:nvSpPr>
+          <p:cNvPr id="18" name="四角形: 角を丸くする 17">
+            <a:extLst>
+              <a:ext uri="{FF2B5EF4-FFF2-40B4-BE49-F238E27FC236}">
+                <a16:creationId xmlns:a16="http://schemas.microsoft.com/office/drawing/2014/main" id="{53313848-C2B2-4963-11A3-B10EE7FCFD9B}"/>
+              </a:ext>
+            </a:extLst>
+          </p:cNvPr>
+          <p:cNvSpPr/>
+          <p:nvPr/>
+        </p:nvSpPr>
+        <p:spPr>
+          <a:xfrm>
+            <a:off x="1456328" y="1946278"/>
+            <a:ext cx="2369052" cy="284960"/>
           </a:xfrm>
           <a:prstGeom prst="roundRect">
             <a:avLst/>
@@ -8015,12 +8776,42 @@
           </a:p>
         </p:txBody>
       </p:sp>
-      <p:sp>
-        <p:nvSpPr>
-          <p:cNvPr id="13" name="四角形: メモ 12">
-            <a:extLst>
-              <a:ext uri="{FF2B5EF4-FFF2-40B4-BE49-F238E27FC236}">
-                <a16:creationId xmlns:a16="http://schemas.microsoft.com/office/drawing/2014/main" id="{7CA1217B-8546-BD78-917D-C07A9F54D766}"/>
+    </p:spTree>
+    <p:extLst>
+      <p:ext uri="{BB962C8B-B14F-4D97-AF65-F5344CB8AC3E}">
+        <p14:creationId xmlns:p14="http://schemas.microsoft.com/office/powerpoint/2010/main" val="1731937351"/>
+      </p:ext>
+    </p:extLst>
+  </p:cSld>
+  <p:clrMapOvr>
+    <a:masterClrMapping/>
+  </p:clrMapOvr>
+</p:sld>
+</file>
+
+<file path=ppt/slides/slide8.xml><?xml version="1.0" encoding="utf-8"?>
+<p:sld xmlns:a="http://schemas.openxmlformats.org/drawingml/2006/main" xmlns:r="http://schemas.openxmlformats.org/officeDocument/2006/relationships" xmlns:p="http://schemas.openxmlformats.org/presentationml/2006/main">
+  <p:cSld>
+    <p:spTree>
+      <p:nvGrpSpPr>
+        <p:cNvPr id="1" name=""/>
+        <p:cNvGrpSpPr/>
+        <p:nvPr/>
+      </p:nvGrpSpPr>
+      <p:grpSpPr>
+        <a:xfrm>
+          <a:off x="0" y="0"/>
+          <a:ext cx="0" cy="0"/>
+          <a:chOff x="0" y="0"/>
+          <a:chExt cx="0" cy="0"/>
+        </a:xfrm>
+      </p:grpSpPr>
+      <p:sp>
+        <p:nvSpPr>
+          <p:cNvPr id="13" name="四角形: 角を丸くする 12">
+            <a:extLst>
+              <a:ext uri="{FF2B5EF4-FFF2-40B4-BE49-F238E27FC236}">
+                <a16:creationId xmlns:a16="http://schemas.microsoft.com/office/drawing/2014/main" id="{4C10AD9C-D3DF-CBA9-68F2-416D104ECC1F}"/>
               </a:ext>
             </a:extLst>
           </p:cNvPr>
@@ -8029,179 +8820,179 @@
         </p:nvSpPr>
         <p:spPr>
           <a:xfrm>
-            <a:off x="10026690" y="4006151"/>
-            <a:ext cx="1573637" cy="1040447"/>
-          </a:xfrm>
-          <a:prstGeom prst="foldedCorner">
-            <a:avLst/>
-          </a:prstGeom>
+            <a:off x="4278375" y="1120334"/>
+            <a:ext cx="4634917" cy="2360704"/>
+          </a:xfrm>
+          <a:prstGeom prst="roundRect">
+            <a:avLst>
+              <a:gd name="adj" fmla="val 0"/>
+            </a:avLst>
+          </a:prstGeom>
+          <a:ln>
+            <a:prstDash val="dash"/>
+          </a:ln>
         </p:spPr>
         <p:style>
           <a:lnRef idx="2">
-            <a:schemeClr val="accent1"/>
+            <a:schemeClr val="dk1"/>
           </a:lnRef>
           <a:fillRef idx="1">
             <a:schemeClr val="lt1"/>
           </a:fillRef>
           <a:effectRef idx="0">
-            <a:schemeClr val="accent1"/>
+            <a:schemeClr val="dk1"/>
           </a:effectRef>
           <a:fontRef idx="minor">
             <a:schemeClr val="dk1"/>
           </a:fontRef>
         </p:style>
         <p:txBody>
-          <a:bodyPr rtlCol="0" anchor="ctr"/>
-          <a:lstStyle/>
-          <a:p>
-            <a:pPr algn="ctr"/>
-            <a:r>
-              <a:rPr kumimoji="1" lang="en-US" altLang="ja-JP" sz="1400" dirty="0" err="1"/>
-              <a:t>armdeploy</a:t>
-            </a:r>
-            <a:br>
-              <a:rPr kumimoji="1" lang="en-US" altLang="ja-JP" sz="1400" dirty="0"/>
-            </a:br>
-            <a:r>
-              <a:rPr kumimoji="1" lang="en-US" altLang="ja-JP" sz="1400" dirty="0"/>
-              <a:t>.</a:t>
-            </a:r>
-            <a:r>
-              <a:rPr kumimoji="1" lang="en-US" altLang="ja-JP" sz="1400" b="1" dirty="0">
-                <a:effectLst>
-                  <a:outerShdw blurRad="38100" dist="38100" dir="2700000" algn="tl">
-                    <a:srgbClr val="000000">
-                      <a:alpha val="43137"/>
-                    </a:srgbClr>
-                  </a:outerShdw>
-                </a:effectLst>
-              </a:rPr>
-              <a:t>dev</a:t>
-            </a:r>
-            <a:br>
-              <a:rPr kumimoji="1" lang="en-US" altLang="ja-JP" sz="1400" dirty="0"/>
-            </a:br>
-            <a:r>
-              <a:rPr kumimoji="1" lang="en-US" altLang="ja-JP" sz="1400" dirty="0"/>
-              <a:t>.parameters</a:t>
-            </a:r>
-            <a:br>
-              <a:rPr kumimoji="1" lang="en-US" altLang="ja-JP" sz="1400" dirty="0"/>
-            </a:br>
-            <a:r>
-              <a:rPr kumimoji="1" lang="en-US" altLang="ja-JP" sz="1400" dirty="0"/>
-              <a:t>.</a:t>
-            </a:r>
-            <a:r>
-              <a:rPr kumimoji="1" lang="en-US" altLang="ja-JP" sz="1400" dirty="0" err="1"/>
-              <a:t>json</a:t>
+          <a:bodyPr rtlCol="0" anchor="t"/>
+          <a:lstStyle/>
+          <a:p>
+            <a:r>
+              <a:rPr lang="en-US" altLang="ja-JP" sz="1400" dirty="0" err="1"/>
+              <a:t>echo-api;rev</a:t>
+            </a:r>
+            <a:r>
+              <a:rPr lang="en-US" altLang="ja-JP" sz="1400" dirty="0"/>
+              <a:t>=1</a:t>
             </a:r>
             <a:endParaRPr kumimoji="1" lang="ja-JP" altLang="en-US" sz="1400" dirty="0"/>
           </a:p>
-        </p:txBody>
-      </p:sp>
-      <p:sp>
-        <p:nvSpPr>
-          <p:cNvPr id="19" name="テキスト ボックス 18">
-            <a:extLst>
-              <a:ext uri="{FF2B5EF4-FFF2-40B4-BE49-F238E27FC236}">
-                <a16:creationId xmlns:a16="http://schemas.microsoft.com/office/drawing/2014/main" id="{7D005FFA-D0F4-4A7A-6935-E4718BF7DB52}"/>
-              </a:ext>
-            </a:extLst>
-          </p:cNvPr>
-          <p:cNvSpPr txBox="1"/>
+          <a:p>
+            <a:endParaRPr kumimoji="1" lang="ja-JP" altLang="en-US" sz="1400" dirty="0"/>
+          </a:p>
+        </p:txBody>
+      </p:sp>
+      <p:sp>
+        <p:nvSpPr>
+          <p:cNvPr id="15" name="四角形: 角を丸くする 14">
+            <a:extLst>
+              <a:ext uri="{FF2B5EF4-FFF2-40B4-BE49-F238E27FC236}">
+                <a16:creationId xmlns:a16="http://schemas.microsoft.com/office/drawing/2014/main" id="{D26230C8-8E9E-5437-F8B4-8F9970D0928C}"/>
+              </a:ext>
+            </a:extLst>
+          </p:cNvPr>
+          <p:cNvSpPr/>
           <p:nvPr/>
         </p:nvSpPr>
         <p:spPr>
           <a:xfrm>
-            <a:off x="73520" y="1357826"/>
-            <a:ext cx="1695545" cy="369332"/>
-          </a:xfrm>
-          <a:prstGeom prst="rect">
-            <a:avLst/>
-          </a:prstGeom>
+            <a:off x="4430775" y="1474064"/>
+            <a:ext cx="4634917" cy="2360704"/>
+          </a:xfrm>
+          <a:prstGeom prst="roundRect">
+            <a:avLst>
+              <a:gd name="adj" fmla="val 0"/>
+            </a:avLst>
+          </a:prstGeom>
+          <a:ln>
+            <a:prstDash val="dash"/>
+          </a:ln>
         </p:spPr>
         <p:style>
-          <a:lnRef idx="1">
-            <a:schemeClr val="accent2"/>
+          <a:lnRef idx="2">
+            <a:schemeClr val="dk1"/>
           </a:lnRef>
-          <a:fillRef idx="2">
-            <a:schemeClr val="accent2"/>
+          <a:fillRef idx="1">
+            <a:schemeClr val="lt1"/>
           </a:fillRef>
-          <a:effectRef idx="1">
-            <a:schemeClr val="accent2"/>
+          <a:effectRef idx="0">
+            <a:schemeClr val="dk1"/>
           </a:effectRef>
           <a:fontRef idx="minor">
             <a:schemeClr val="dk1"/>
           </a:fontRef>
         </p:style>
         <p:txBody>
-          <a:bodyPr wrap="square" rtlCol="0">
-            <a:spAutoFit/>
-          </a:bodyPr>
-          <a:lstStyle/>
-          <a:p>
-            <a:r>
-              <a:rPr kumimoji="1" lang="ja-JP" altLang="en-US" dirty="0"/>
-              <a:t>環境を定義</a:t>
-            </a:r>
-          </a:p>
-        </p:txBody>
-      </p:sp>
-      <p:sp>
-        <p:nvSpPr>
-          <p:cNvPr id="21" name="テキスト ボックス 20">
-            <a:extLst>
-              <a:ext uri="{FF2B5EF4-FFF2-40B4-BE49-F238E27FC236}">
-                <a16:creationId xmlns:a16="http://schemas.microsoft.com/office/drawing/2014/main" id="{3FFE956E-27B8-9147-648A-433A9D4842D4}"/>
-              </a:ext>
-            </a:extLst>
-          </p:cNvPr>
-          <p:cNvSpPr txBox="1"/>
+          <a:bodyPr rtlCol="0" anchor="t"/>
+          <a:lstStyle/>
+          <a:p>
+            <a:r>
+              <a:rPr lang="en-US" altLang="ja-JP" sz="1400" dirty="0" err="1"/>
+              <a:t>echo-api;rev</a:t>
+            </a:r>
+            <a:r>
+              <a:rPr lang="en-US" altLang="ja-JP" sz="1400" dirty="0"/>
+              <a:t>=2</a:t>
+            </a:r>
+            <a:endParaRPr kumimoji="1" lang="ja-JP" altLang="en-US" sz="1400" dirty="0"/>
+          </a:p>
+        </p:txBody>
+      </p:sp>
+      <p:sp>
+        <p:nvSpPr>
+          <p:cNvPr id="2" name="四角形: メモ 1">
+            <a:extLst>
+              <a:ext uri="{FF2B5EF4-FFF2-40B4-BE49-F238E27FC236}">
+                <a16:creationId xmlns:a16="http://schemas.microsoft.com/office/drawing/2014/main" id="{E8006ADA-AC22-94D3-7839-B5118F1EE0E9}"/>
+              </a:ext>
+            </a:extLst>
+          </p:cNvPr>
+          <p:cNvSpPr/>
           <p:nvPr/>
         </p:nvSpPr>
         <p:spPr>
           <a:xfrm>
-            <a:off x="3465377" y="1392854"/>
-            <a:ext cx="1695545" cy="369332"/>
-          </a:xfrm>
-          <a:prstGeom prst="rect">
+            <a:off x="2005266" y="1734321"/>
+            <a:ext cx="1573637" cy="1040447"/>
+          </a:xfrm>
+          <a:prstGeom prst="foldedCorner">
             <a:avLst/>
           </a:prstGeom>
         </p:spPr>
         <p:style>
-          <a:lnRef idx="1">
-            <a:schemeClr val="accent2"/>
+          <a:lnRef idx="2">
+            <a:schemeClr val="accent1"/>
           </a:lnRef>
-          <a:fillRef idx="2">
-            <a:schemeClr val="accent2"/>
+          <a:fillRef idx="1">
+            <a:schemeClr val="lt1"/>
           </a:fillRef>
-          <a:effectRef idx="1">
-            <a:schemeClr val="accent2"/>
+          <a:effectRef idx="0">
+            <a:schemeClr val="accent1"/>
           </a:effectRef>
           <a:fontRef idx="minor">
             <a:schemeClr val="dk1"/>
           </a:fontRef>
         </p:style>
         <p:txBody>
-          <a:bodyPr wrap="square" rtlCol="0">
-            <a:spAutoFit/>
-          </a:bodyPr>
-          <a:lstStyle/>
-          <a:p>
-            <a:r>
-              <a:rPr kumimoji="1" lang="ja-JP" altLang="en-US" dirty="0"/>
-              <a:t>環境を指定</a:t>
-            </a:r>
-          </a:p>
-        </p:txBody>
-      </p:sp>
-      <p:sp>
-        <p:nvSpPr>
-          <p:cNvPr id="24" name="四角形: 角を丸くする 23">
-            <a:extLst>
-              <a:ext uri="{FF2B5EF4-FFF2-40B4-BE49-F238E27FC236}">
-                <a16:creationId xmlns:a16="http://schemas.microsoft.com/office/drawing/2014/main" id="{665B217D-9C14-814D-5BAC-97721983E7E4}"/>
+          <a:bodyPr rtlCol="0" anchor="ctr"/>
+          <a:lstStyle/>
+          <a:p>
+            <a:pPr algn="ctr"/>
+            <a:r>
+              <a:rPr kumimoji="1" lang="en-US" altLang="ja-JP" sz="1400" dirty="0" err="1"/>
+              <a:t>armdeploy</a:t>
+            </a:r>
+            <a:br>
+              <a:rPr kumimoji="1" lang="en-US" altLang="ja-JP" sz="1400" dirty="0"/>
+            </a:br>
+            <a:r>
+              <a:rPr kumimoji="1" lang="en-US" altLang="ja-JP" sz="1400" dirty="0"/>
+              <a:t>.prod</a:t>
+            </a:r>
+            <a:br>
+              <a:rPr kumimoji="1" lang="en-US" altLang="ja-JP" sz="1400" dirty="0"/>
+            </a:br>
+            <a:r>
+              <a:rPr kumimoji="1" lang="en-US" altLang="ja-JP" sz="1400" dirty="0"/>
+              <a:t>.</a:t>
+            </a:r>
+            <a:r>
+              <a:rPr kumimoji="1" lang="en-US" altLang="ja-JP" sz="1400" dirty="0" err="1"/>
+              <a:t>json</a:t>
+            </a:r>
+            <a:endParaRPr kumimoji="1" lang="ja-JP" altLang="en-US" sz="1400" dirty="0"/>
+          </a:p>
+        </p:txBody>
+      </p:sp>
+      <p:sp>
+        <p:nvSpPr>
+          <p:cNvPr id="4" name="四角形: メモ 3">
+            <a:extLst>
+              <a:ext uri="{FF2B5EF4-FFF2-40B4-BE49-F238E27FC236}">
+                <a16:creationId xmlns:a16="http://schemas.microsoft.com/office/drawing/2014/main" id="{FC56C4BC-1265-D38A-9F10-A4F76D05919B}"/>
               </a:ext>
             </a:extLst>
           </p:cNvPr>
@@ -8210,10 +9001,10 @@
         </p:nvSpPr>
         <p:spPr>
           <a:xfrm>
-            <a:off x="10026690" y="2727250"/>
-            <a:ext cx="1573637" cy="646331"/>
-          </a:xfrm>
-          <a:prstGeom prst="roundRect">
+            <a:off x="4801425" y="1912687"/>
+            <a:ext cx="1627189" cy="859874"/>
+          </a:xfrm>
+          <a:prstGeom prst="foldedCorner">
             <a:avLst/>
           </a:prstGeom>
         </p:spPr>
@@ -8237,53 +9028,869 @@
           <a:p>
             <a:pPr algn="ctr"/>
             <a:r>
-              <a:rPr lang="en-US" altLang="ja-JP" sz="1400" dirty="0">
-                <a:solidFill>
-                  <a:schemeClr val="dk1"/>
-                </a:solidFill>
-              </a:rPr>
-              <a:t>Azure</a:t>
-            </a:r>
-            <a:r>
-              <a:rPr lang="ja-JP" altLang="en-US" sz="1400" dirty="0">
-                <a:solidFill>
-                  <a:schemeClr val="dk1"/>
-                </a:solidFill>
-              </a:rPr>
-              <a:t> </a:t>
-            </a:r>
-            <a:r>
-              <a:rPr lang="en-US" altLang="ja-JP" sz="1400" dirty="0">
-                <a:solidFill>
-                  <a:schemeClr val="dk1"/>
-                </a:solidFill>
-              </a:rPr>
-              <a:t>AD</a:t>
+              <a:rPr kumimoji="1" lang="en-US" altLang="ja-JP" sz="1200" dirty="0"/>
+              <a:t>XXXX-master</a:t>
             </a:r>
             <a:br>
-              <a:rPr lang="en-US" altLang="ja-JP" sz="1400" dirty="0">
-                <a:solidFill>
-                  <a:schemeClr val="dk1"/>
-                </a:solidFill>
-              </a:rPr>
+              <a:rPr kumimoji="1" lang="en-US" altLang="ja-JP" sz="1200" dirty="0"/>
             </a:br>
             <a:r>
-              <a:rPr lang="en-US" altLang="ja-JP" sz="1400" dirty="0">
-                <a:solidFill>
-                  <a:schemeClr val="dk1"/>
-                </a:solidFill>
-              </a:rPr>
-              <a:t>Application</a:t>
-            </a:r>
-          </a:p>
-        </p:txBody>
-      </p:sp>
+              <a:rPr kumimoji="1" lang="en-US" altLang="ja-JP" sz="1200" dirty="0"/>
+              <a:t>.template</a:t>
+            </a:r>
+            <a:br>
+              <a:rPr kumimoji="1" lang="en-US" altLang="ja-JP" sz="1200" dirty="0"/>
+            </a:br>
+            <a:r>
+              <a:rPr kumimoji="1" lang="en-US" altLang="ja-JP" sz="1200" dirty="0"/>
+              <a:t>.</a:t>
+            </a:r>
+            <a:r>
+              <a:rPr kumimoji="1" lang="en-US" altLang="ja-JP" sz="1200" dirty="0" err="1"/>
+              <a:t>json</a:t>
+            </a:r>
+            <a:endParaRPr kumimoji="1" lang="ja-JP" altLang="en-US" sz="1200" dirty="0"/>
+          </a:p>
+        </p:txBody>
+      </p:sp>
+      <p:sp>
+        <p:nvSpPr>
+          <p:cNvPr id="6" name="四角形: メモ 5">
+            <a:extLst>
+              <a:ext uri="{FF2B5EF4-FFF2-40B4-BE49-F238E27FC236}">
+                <a16:creationId xmlns:a16="http://schemas.microsoft.com/office/drawing/2014/main" id="{09890F55-A2D5-10FA-CF10-E93B3328F703}"/>
+              </a:ext>
+            </a:extLst>
+          </p:cNvPr>
+          <p:cNvSpPr/>
+          <p:nvPr/>
+        </p:nvSpPr>
+        <p:spPr>
+          <a:xfrm>
+            <a:off x="6788078" y="1620472"/>
+            <a:ext cx="1312877" cy="1493240"/>
+          </a:xfrm>
+          <a:prstGeom prst="foldedCorner">
+            <a:avLst/>
+          </a:prstGeom>
+        </p:spPr>
+        <p:style>
+          <a:lnRef idx="2">
+            <a:schemeClr val="accent1"/>
+          </a:lnRef>
+          <a:fillRef idx="1">
+            <a:schemeClr val="lt1"/>
+          </a:fillRef>
+          <a:effectRef idx="0">
+            <a:schemeClr val="accent1"/>
+          </a:effectRef>
+          <a:fontRef idx="minor">
+            <a:schemeClr val="dk1"/>
+          </a:fontRef>
+        </p:style>
+        <p:txBody>
+          <a:bodyPr rtlCol="0" anchor="ctr"/>
+          <a:lstStyle/>
+          <a:p>
+            <a:pPr algn="ctr"/>
+            <a:endParaRPr kumimoji="1" lang="ja-JP" altLang="en-US" sz="1200"/>
+          </a:p>
+        </p:txBody>
+      </p:sp>
+      <p:sp>
+        <p:nvSpPr>
+          <p:cNvPr id="8" name="四角形: メモ 7">
+            <a:extLst>
+              <a:ext uri="{FF2B5EF4-FFF2-40B4-BE49-F238E27FC236}">
+                <a16:creationId xmlns:a16="http://schemas.microsoft.com/office/drawing/2014/main" id="{FDBA41B4-6134-8CC7-1038-746004A19769}"/>
+              </a:ext>
+            </a:extLst>
+          </p:cNvPr>
+          <p:cNvSpPr/>
+          <p:nvPr/>
+        </p:nvSpPr>
+        <p:spPr>
+          <a:xfrm>
+            <a:off x="6940478" y="1772872"/>
+            <a:ext cx="1312877" cy="1493240"/>
+          </a:xfrm>
+          <a:prstGeom prst="foldedCorner">
+            <a:avLst/>
+          </a:prstGeom>
+        </p:spPr>
+        <p:style>
+          <a:lnRef idx="2">
+            <a:schemeClr val="accent1"/>
+          </a:lnRef>
+          <a:fillRef idx="1">
+            <a:schemeClr val="lt1"/>
+          </a:fillRef>
+          <a:effectRef idx="0">
+            <a:schemeClr val="accent1"/>
+          </a:effectRef>
+          <a:fontRef idx="minor">
+            <a:schemeClr val="dk1"/>
+          </a:fontRef>
+        </p:style>
+        <p:txBody>
+          <a:bodyPr rtlCol="0" anchor="ctr"/>
+          <a:lstStyle/>
+          <a:p>
+            <a:pPr algn="ctr"/>
+            <a:endParaRPr kumimoji="1" lang="ja-JP" altLang="en-US" sz="1200"/>
+          </a:p>
+        </p:txBody>
+      </p:sp>
+      <p:sp>
+        <p:nvSpPr>
+          <p:cNvPr id="10" name="四角形: メモ 9">
+            <a:extLst>
+              <a:ext uri="{FF2B5EF4-FFF2-40B4-BE49-F238E27FC236}">
+                <a16:creationId xmlns:a16="http://schemas.microsoft.com/office/drawing/2014/main" id="{17135500-28A6-A192-502F-B85F21348C58}"/>
+              </a:ext>
+            </a:extLst>
+          </p:cNvPr>
+          <p:cNvSpPr/>
+          <p:nvPr/>
+        </p:nvSpPr>
+        <p:spPr>
+          <a:xfrm>
+            <a:off x="7092878" y="1925272"/>
+            <a:ext cx="1312877" cy="1493240"/>
+          </a:xfrm>
+          <a:prstGeom prst="foldedCorner">
+            <a:avLst/>
+          </a:prstGeom>
+        </p:spPr>
+        <p:style>
+          <a:lnRef idx="2">
+            <a:schemeClr val="accent1"/>
+          </a:lnRef>
+          <a:fillRef idx="1">
+            <a:schemeClr val="lt1"/>
+          </a:fillRef>
+          <a:effectRef idx="0">
+            <a:schemeClr val="accent1"/>
+          </a:effectRef>
+          <a:fontRef idx="minor">
+            <a:schemeClr val="dk1"/>
+          </a:fontRef>
+        </p:style>
+        <p:txBody>
+          <a:bodyPr rtlCol="0" anchor="ctr"/>
+          <a:lstStyle/>
+          <a:p>
+            <a:pPr algn="ctr"/>
+            <a:endParaRPr kumimoji="1" lang="ja-JP" altLang="en-US" sz="1200"/>
+          </a:p>
+        </p:txBody>
+      </p:sp>
+      <p:sp>
+        <p:nvSpPr>
+          <p:cNvPr id="12" name="四角形: メモ 11">
+            <a:extLst>
+              <a:ext uri="{FF2B5EF4-FFF2-40B4-BE49-F238E27FC236}">
+                <a16:creationId xmlns:a16="http://schemas.microsoft.com/office/drawing/2014/main" id="{E2E73E27-D6DD-B624-0094-8F7030DE533D}"/>
+              </a:ext>
+            </a:extLst>
+          </p:cNvPr>
+          <p:cNvSpPr/>
+          <p:nvPr/>
+        </p:nvSpPr>
+        <p:spPr>
+          <a:xfrm>
+            <a:off x="7245278" y="2077672"/>
+            <a:ext cx="1312877" cy="1493240"/>
+          </a:xfrm>
+          <a:prstGeom prst="foldedCorner">
+            <a:avLst/>
+          </a:prstGeom>
+        </p:spPr>
+        <p:style>
+          <a:lnRef idx="2">
+            <a:schemeClr val="accent1"/>
+          </a:lnRef>
+          <a:fillRef idx="1">
+            <a:schemeClr val="lt1"/>
+          </a:fillRef>
+          <a:effectRef idx="0">
+            <a:schemeClr val="accent1"/>
+          </a:effectRef>
+          <a:fontRef idx="minor">
+            <a:schemeClr val="dk1"/>
+          </a:fontRef>
+        </p:style>
+        <p:txBody>
+          <a:bodyPr rtlCol="0" anchor="ctr"/>
+          <a:lstStyle/>
+          <a:p>
+            <a:pPr algn="ctr"/>
+            <a:endParaRPr kumimoji="1" lang="ja-JP" altLang="en-US" sz="1200"/>
+          </a:p>
+        </p:txBody>
+      </p:sp>
+      <p:sp>
+        <p:nvSpPr>
+          <p:cNvPr id="17" name="四角形: メモ 16">
+            <a:extLst>
+              <a:ext uri="{FF2B5EF4-FFF2-40B4-BE49-F238E27FC236}">
+                <a16:creationId xmlns:a16="http://schemas.microsoft.com/office/drawing/2014/main" id="{66364856-C014-C410-37BB-0065EB490597}"/>
+              </a:ext>
+            </a:extLst>
+          </p:cNvPr>
+          <p:cNvSpPr/>
+          <p:nvPr/>
+        </p:nvSpPr>
+        <p:spPr>
+          <a:xfrm>
+            <a:off x="4801424" y="2848757"/>
+            <a:ext cx="1627189" cy="859874"/>
+          </a:xfrm>
+          <a:prstGeom prst="foldedCorner">
+            <a:avLst/>
+          </a:prstGeom>
+        </p:spPr>
+        <p:style>
+          <a:lnRef idx="2">
+            <a:schemeClr val="accent1"/>
+          </a:lnRef>
+          <a:fillRef idx="1">
+            <a:schemeClr val="lt1"/>
+          </a:fillRef>
+          <a:effectRef idx="0">
+            <a:schemeClr val="accent1"/>
+          </a:effectRef>
+          <a:fontRef idx="minor">
+            <a:schemeClr val="dk1"/>
+          </a:fontRef>
+        </p:style>
+        <p:txBody>
+          <a:bodyPr rtlCol="0" anchor="ctr"/>
+          <a:lstStyle/>
+          <a:p>
+            <a:pPr algn="ctr"/>
+            <a:r>
+              <a:rPr kumimoji="1" lang="en-US" altLang="ja-JP" sz="1200" dirty="0"/>
+              <a:t>XXXX-parameters-.</a:t>
+            </a:r>
+            <a:r>
+              <a:rPr kumimoji="1" lang="en-US" altLang="ja-JP" sz="1200" dirty="0" err="1"/>
+              <a:t>json</a:t>
+            </a:r>
+            <a:endParaRPr kumimoji="1" lang="ja-JP" altLang="en-US" sz="1200" dirty="0"/>
+          </a:p>
+        </p:txBody>
+      </p:sp>
+      <p:sp>
+        <p:nvSpPr>
+          <p:cNvPr id="19" name="四角形: メモ 18">
+            <a:extLst>
+              <a:ext uri="{FF2B5EF4-FFF2-40B4-BE49-F238E27FC236}">
+                <a16:creationId xmlns:a16="http://schemas.microsoft.com/office/drawing/2014/main" id="{F9699E51-D160-F4BE-E822-080A1276E4BB}"/>
+              </a:ext>
+            </a:extLst>
+          </p:cNvPr>
+          <p:cNvSpPr/>
+          <p:nvPr/>
+        </p:nvSpPr>
+        <p:spPr>
+          <a:xfrm>
+            <a:off x="7397678" y="2242654"/>
+            <a:ext cx="1312877" cy="1493240"/>
+          </a:xfrm>
+          <a:prstGeom prst="foldedCorner">
+            <a:avLst/>
+          </a:prstGeom>
+        </p:spPr>
+        <p:style>
+          <a:lnRef idx="2">
+            <a:schemeClr val="accent1"/>
+          </a:lnRef>
+          <a:fillRef idx="1">
+            <a:schemeClr val="lt1"/>
+          </a:fillRef>
+          <a:effectRef idx="0">
+            <a:schemeClr val="accent1"/>
+          </a:effectRef>
+          <a:fontRef idx="minor">
+            <a:schemeClr val="dk1"/>
+          </a:fontRef>
+        </p:style>
+        <p:txBody>
+          <a:bodyPr rtlCol="0" anchor="ctr"/>
+          <a:lstStyle/>
+          <a:p>
+            <a:pPr algn="ctr"/>
+            <a:r>
+              <a:rPr kumimoji="1" lang="en-US" altLang="ja-JP" sz="1200" dirty="0" err="1"/>
+              <a:t>Xxxx-api</a:t>
+            </a:r>
+            <a:br>
+              <a:rPr kumimoji="1" lang="en-US" altLang="ja-JP" sz="1200" dirty="0"/>
+            </a:br>
+            <a:r>
+              <a:rPr kumimoji="1" lang="en-US" altLang="ja-JP" sz="1200" dirty="0"/>
+              <a:t>.template</a:t>
+            </a:r>
+            <a:br>
+              <a:rPr kumimoji="1" lang="en-US" altLang="ja-JP" sz="1200" dirty="0"/>
+            </a:br>
+            <a:r>
+              <a:rPr kumimoji="1" lang="en-US" altLang="ja-JP" sz="1200" dirty="0"/>
+              <a:t>.</a:t>
+            </a:r>
+            <a:r>
+              <a:rPr kumimoji="1" lang="en-US" altLang="ja-JP" sz="1200" dirty="0" err="1"/>
+              <a:t>json</a:t>
+            </a:r>
+            <a:endParaRPr kumimoji="1" lang="ja-JP" altLang="en-US" sz="1200" dirty="0"/>
+          </a:p>
+        </p:txBody>
+      </p:sp>
+      <p:cxnSp>
+        <p:nvCxnSpPr>
+          <p:cNvPr id="21" name="直線矢印コネクタ 20">
+            <a:extLst>
+              <a:ext uri="{FF2B5EF4-FFF2-40B4-BE49-F238E27FC236}">
+                <a16:creationId xmlns:a16="http://schemas.microsoft.com/office/drawing/2014/main" id="{1D03A8F6-2553-2729-8972-C9B01513E423}"/>
+              </a:ext>
+            </a:extLst>
+          </p:cNvPr>
+          <p:cNvCxnSpPr/>
+          <p:nvPr/>
+        </p:nvCxnSpPr>
+        <p:spPr>
+          <a:xfrm>
+            <a:off x="6445463" y="2016154"/>
+            <a:ext cx="363267" cy="0"/>
+          </a:xfrm>
+          <a:prstGeom prst="straightConnector1">
+            <a:avLst/>
+          </a:prstGeom>
+          <a:ln w="19050">
+            <a:solidFill>
+              <a:schemeClr val="tx1"/>
+            </a:solidFill>
+            <a:headEnd type="none" w="med" len="med"/>
+            <a:tailEnd type="arrow" w="med" len="med"/>
+          </a:ln>
+        </p:spPr>
+        <p:style>
+          <a:lnRef idx="1">
+            <a:schemeClr val="accent1"/>
+          </a:lnRef>
+          <a:fillRef idx="0">
+            <a:schemeClr val="accent1"/>
+          </a:fillRef>
+          <a:effectRef idx="0">
+            <a:schemeClr val="accent1"/>
+          </a:effectRef>
+          <a:fontRef idx="minor">
+            <a:schemeClr val="tx1"/>
+          </a:fontRef>
+        </p:style>
+      </p:cxnSp>
+      <p:cxnSp>
+        <p:nvCxnSpPr>
+          <p:cNvPr id="23" name="直線矢印コネクタ 22">
+            <a:extLst>
+              <a:ext uri="{FF2B5EF4-FFF2-40B4-BE49-F238E27FC236}">
+                <a16:creationId xmlns:a16="http://schemas.microsoft.com/office/drawing/2014/main" id="{8BD7F97B-43A1-24F8-F1BA-09711D2A0E98}"/>
+              </a:ext>
+            </a:extLst>
+          </p:cNvPr>
+          <p:cNvCxnSpPr>
+            <a:cxnSpLocks/>
+          </p:cNvCxnSpPr>
+          <p:nvPr/>
+        </p:nvCxnSpPr>
+        <p:spPr>
+          <a:xfrm>
+            <a:off x="6458050" y="2168554"/>
+            <a:ext cx="483508" cy="0"/>
+          </a:xfrm>
+          <a:prstGeom prst="straightConnector1">
+            <a:avLst/>
+          </a:prstGeom>
+          <a:ln w="19050">
+            <a:solidFill>
+              <a:schemeClr val="tx1"/>
+            </a:solidFill>
+            <a:headEnd type="none" w="med" len="med"/>
+            <a:tailEnd type="arrow" w="med" len="med"/>
+          </a:ln>
+        </p:spPr>
+        <p:style>
+          <a:lnRef idx="1">
+            <a:schemeClr val="accent1"/>
+          </a:lnRef>
+          <a:fillRef idx="0">
+            <a:schemeClr val="accent1"/>
+          </a:fillRef>
+          <a:effectRef idx="0">
+            <a:schemeClr val="accent1"/>
+          </a:effectRef>
+          <a:fontRef idx="minor">
+            <a:schemeClr val="tx1"/>
+          </a:fontRef>
+        </p:style>
+      </p:cxnSp>
+      <p:cxnSp>
+        <p:nvCxnSpPr>
+          <p:cNvPr id="25" name="直線矢印コネクタ 24">
+            <a:extLst>
+              <a:ext uri="{FF2B5EF4-FFF2-40B4-BE49-F238E27FC236}">
+                <a16:creationId xmlns:a16="http://schemas.microsoft.com/office/drawing/2014/main" id="{B4EE8F26-6ED7-A910-1819-D77C0D4A22FF}"/>
+              </a:ext>
+            </a:extLst>
+          </p:cNvPr>
+          <p:cNvCxnSpPr>
+            <a:cxnSpLocks/>
+          </p:cNvCxnSpPr>
+          <p:nvPr/>
+        </p:nvCxnSpPr>
+        <p:spPr>
+          <a:xfrm>
+            <a:off x="6475906" y="2320954"/>
+            <a:ext cx="643550" cy="0"/>
+          </a:xfrm>
+          <a:prstGeom prst="straightConnector1">
+            <a:avLst/>
+          </a:prstGeom>
+          <a:ln w="19050">
+            <a:solidFill>
+              <a:schemeClr val="tx1"/>
+            </a:solidFill>
+            <a:headEnd type="none" w="med" len="med"/>
+            <a:tailEnd type="arrow" w="med" len="med"/>
+          </a:ln>
+        </p:spPr>
+        <p:style>
+          <a:lnRef idx="1">
+            <a:schemeClr val="accent1"/>
+          </a:lnRef>
+          <a:fillRef idx="0">
+            <a:schemeClr val="accent1"/>
+          </a:fillRef>
+          <a:effectRef idx="0">
+            <a:schemeClr val="accent1"/>
+          </a:effectRef>
+          <a:fontRef idx="minor">
+            <a:schemeClr val="tx1"/>
+          </a:fontRef>
+        </p:style>
+      </p:cxnSp>
+      <p:cxnSp>
+        <p:nvCxnSpPr>
+          <p:cNvPr id="27" name="直線矢印コネクタ 26">
+            <a:extLst>
+              <a:ext uri="{FF2B5EF4-FFF2-40B4-BE49-F238E27FC236}">
+                <a16:creationId xmlns:a16="http://schemas.microsoft.com/office/drawing/2014/main" id="{375CC4AA-794A-C444-CF21-B441A272E506}"/>
+              </a:ext>
+            </a:extLst>
+          </p:cNvPr>
+          <p:cNvCxnSpPr>
+            <a:cxnSpLocks/>
+          </p:cNvCxnSpPr>
+          <p:nvPr/>
+        </p:nvCxnSpPr>
+        <p:spPr>
+          <a:xfrm>
+            <a:off x="6468462" y="2473354"/>
+            <a:ext cx="778696" cy="0"/>
+          </a:xfrm>
+          <a:prstGeom prst="straightConnector1">
+            <a:avLst/>
+          </a:prstGeom>
+          <a:ln w="19050">
+            <a:solidFill>
+              <a:schemeClr val="tx1"/>
+            </a:solidFill>
+            <a:headEnd type="none" w="med" len="med"/>
+            <a:tailEnd type="arrow" w="med" len="med"/>
+          </a:ln>
+        </p:spPr>
+        <p:style>
+          <a:lnRef idx="1">
+            <a:schemeClr val="accent1"/>
+          </a:lnRef>
+          <a:fillRef idx="0">
+            <a:schemeClr val="accent1"/>
+          </a:fillRef>
+          <a:effectRef idx="0">
+            <a:schemeClr val="accent1"/>
+          </a:effectRef>
+          <a:fontRef idx="minor">
+            <a:schemeClr val="tx1"/>
+          </a:fontRef>
+        </p:style>
+      </p:cxnSp>
+      <p:cxnSp>
+        <p:nvCxnSpPr>
+          <p:cNvPr id="29" name="直線矢印コネクタ 28">
+            <a:extLst>
+              <a:ext uri="{FF2B5EF4-FFF2-40B4-BE49-F238E27FC236}">
+                <a16:creationId xmlns:a16="http://schemas.microsoft.com/office/drawing/2014/main" id="{82749E29-8E57-7BEA-7441-8ABDC982CEE6}"/>
+              </a:ext>
+            </a:extLst>
+          </p:cNvPr>
+          <p:cNvCxnSpPr>
+            <a:cxnSpLocks/>
+          </p:cNvCxnSpPr>
+          <p:nvPr/>
+        </p:nvCxnSpPr>
+        <p:spPr>
+          <a:xfrm>
+            <a:off x="6463599" y="2625754"/>
+            <a:ext cx="942223" cy="0"/>
+          </a:xfrm>
+          <a:prstGeom prst="straightConnector1">
+            <a:avLst/>
+          </a:prstGeom>
+          <a:ln w="19050">
+            <a:solidFill>
+              <a:schemeClr val="tx1"/>
+            </a:solidFill>
+            <a:headEnd type="none" w="med" len="med"/>
+            <a:tailEnd type="arrow" w="med" len="med"/>
+          </a:ln>
+        </p:spPr>
+        <p:style>
+          <a:lnRef idx="1">
+            <a:schemeClr val="accent1"/>
+          </a:lnRef>
+          <a:fillRef idx="0">
+            <a:schemeClr val="accent1"/>
+          </a:fillRef>
+          <a:effectRef idx="0">
+            <a:schemeClr val="accent1"/>
+          </a:effectRef>
+          <a:fontRef idx="minor">
+            <a:schemeClr val="tx1"/>
+          </a:fontRef>
+        </p:style>
+      </p:cxnSp>
+      <p:cxnSp>
+        <p:nvCxnSpPr>
+          <p:cNvPr id="31" name="直線矢印コネクタ 30">
+            <a:extLst>
+              <a:ext uri="{FF2B5EF4-FFF2-40B4-BE49-F238E27FC236}">
+                <a16:creationId xmlns:a16="http://schemas.microsoft.com/office/drawing/2014/main" id="{FCABB10F-DC14-C80D-674F-59AFC5FD9FAC}"/>
+              </a:ext>
+            </a:extLst>
+          </p:cNvPr>
+          <p:cNvCxnSpPr>
+            <a:cxnSpLocks/>
+          </p:cNvCxnSpPr>
+          <p:nvPr/>
+        </p:nvCxnSpPr>
+        <p:spPr>
+          <a:xfrm>
+            <a:off x="3634854" y="2379677"/>
+            <a:ext cx="1140090" cy="0"/>
+          </a:xfrm>
+          <a:prstGeom prst="straightConnector1">
+            <a:avLst/>
+          </a:prstGeom>
+          <a:ln w="19050">
+            <a:solidFill>
+              <a:schemeClr val="tx1"/>
+            </a:solidFill>
+            <a:headEnd type="none" w="med" len="med"/>
+            <a:tailEnd type="arrow" w="med" len="med"/>
+          </a:ln>
+        </p:spPr>
+        <p:style>
+          <a:lnRef idx="1">
+            <a:schemeClr val="accent1"/>
+          </a:lnRef>
+          <a:fillRef idx="0">
+            <a:schemeClr val="accent1"/>
+          </a:fillRef>
+          <a:effectRef idx="0">
+            <a:schemeClr val="accent1"/>
+          </a:effectRef>
+          <a:fontRef idx="minor">
+            <a:schemeClr val="tx1"/>
+          </a:fontRef>
+        </p:style>
+      </p:cxnSp>
+      <p:sp>
+        <p:nvSpPr>
+          <p:cNvPr id="32" name="矢印: 下 31">
+            <a:extLst>
+              <a:ext uri="{FF2B5EF4-FFF2-40B4-BE49-F238E27FC236}">
+                <a16:creationId xmlns:a16="http://schemas.microsoft.com/office/drawing/2014/main" id="{1EA97667-30E6-C994-7BEB-CB7E62FD6452}"/>
+              </a:ext>
+            </a:extLst>
+          </p:cNvPr>
+          <p:cNvSpPr/>
+          <p:nvPr/>
+        </p:nvSpPr>
+        <p:spPr>
+          <a:xfrm rot="5400000">
+            <a:off x="9813887" y="1003670"/>
+            <a:ext cx="696457" cy="1451547"/>
+          </a:xfrm>
+          <a:prstGeom prst="downArrow">
+            <a:avLst/>
+          </a:prstGeom>
+        </p:spPr>
+        <p:style>
+          <a:lnRef idx="2">
+            <a:schemeClr val="accent1">
+              <a:shade val="50000"/>
+            </a:schemeClr>
+          </a:lnRef>
+          <a:fillRef idx="1">
+            <a:schemeClr val="accent1"/>
+          </a:fillRef>
+          <a:effectRef idx="0">
+            <a:schemeClr val="accent1"/>
+          </a:effectRef>
+          <a:fontRef idx="minor">
+            <a:schemeClr val="lt1"/>
+          </a:fontRef>
+        </p:style>
+        <p:txBody>
+          <a:bodyPr rtlCol="0" anchor="ctr"/>
+          <a:lstStyle/>
+          <a:p>
+            <a:pPr algn="ctr"/>
+            <a:endParaRPr kumimoji="1" lang="ja-JP" altLang="en-US"/>
+          </a:p>
+        </p:txBody>
+      </p:sp>
+      <p:sp>
+        <p:nvSpPr>
+          <p:cNvPr id="33" name="テキスト ボックス 32">
+            <a:extLst>
+              <a:ext uri="{FF2B5EF4-FFF2-40B4-BE49-F238E27FC236}">
+                <a16:creationId xmlns:a16="http://schemas.microsoft.com/office/drawing/2014/main" id="{BA67CAAA-2C65-6096-5F2D-EEE13106DAA2}"/>
+              </a:ext>
+            </a:extLst>
+          </p:cNvPr>
+          <p:cNvSpPr txBox="1"/>
+          <p:nvPr/>
+        </p:nvSpPr>
+        <p:spPr>
+          <a:xfrm>
+            <a:off x="9882357" y="1936454"/>
+            <a:ext cx="1862356" cy="307777"/>
+          </a:xfrm>
+          <a:prstGeom prst="rect">
+            <a:avLst/>
+          </a:prstGeom>
+          <a:noFill/>
+        </p:spPr>
+        <p:txBody>
+          <a:bodyPr wrap="square" rtlCol="0">
+            <a:spAutoFit/>
+          </a:bodyPr>
+          <a:lstStyle/>
+          <a:p>
+            <a:r>
+              <a:rPr kumimoji="1" lang="en-US" altLang="ja-JP" sz="1400" dirty="0"/>
+              <a:t>Extractor </a:t>
+            </a:r>
+            <a:r>
+              <a:rPr kumimoji="1" lang="ja-JP" altLang="en-US" sz="1400" dirty="0"/>
+              <a:t>で生成</a:t>
+            </a:r>
+          </a:p>
+        </p:txBody>
+      </p:sp>
+      <p:sp>
+        <p:nvSpPr>
+          <p:cNvPr id="35" name="四角形: メモ 34">
+            <a:extLst>
+              <a:ext uri="{FF2B5EF4-FFF2-40B4-BE49-F238E27FC236}">
+                <a16:creationId xmlns:a16="http://schemas.microsoft.com/office/drawing/2014/main" id="{B16DFE95-604D-ED5D-11EE-98529180FEC2}"/>
+              </a:ext>
+            </a:extLst>
+          </p:cNvPr>
+          <p:cNvSpPr/>
+          <p:nvPr/>
+        </p:nvSpPr>
+        <p:spPr>
+          <a:xfrm>
+            <a:off x="2005266" y="2848757"/>
+            <a:ext cx="1573637" cy="1040447"/>
+          </a:xfrm>
+          <a:prstGeom prst="foldedCorner">
+            <a:avLst/>
+          </a:prstGeom>
+        </p:spPr>
+        <p:style>
+          <a:lnRef idx="2">
+            <a:schemeClr val="accent1"/>
+          </a:lnRef>
+          <a:fillRef idx="1">
+            <a:schemeClr val="lt1"/>
+          </a:fillRef>
+          <a:effectRef idx="0">
+            <a:schemeClr val="accent1"/>
+          </a:effectRef>
+          <a:fontRef idx="minor">
+            <a:schemeClr val="dk1"/>
+          </a:fontRef>
+        </p:style>
+        <p:txBody>
+          <a:bodyPr rtlCol="0" anchor="ctr"/>
+          <a:lstStyle/>
+          <a:p>
+            <a:pPr algn="ctr"/>
+            <a:r>
+              <a:rPr kumimoji="1" lang="en-US" altLang="ja-JP" sz="1400" dirty="0" err="1"/>
+              <a:t>armdeploy</a:t>
+            </a:r>
+            <a:br>
+              <a:rPr kumimoji="1" lang="en-US" altLang="ja-JP" sz="1400" dirty="0"/>
+            </a:br>
+            <a:r>
+              <a:rPr kumimoji="1" lang="en-US" altLang="ja-JP" sz="1400" dirty="0"/>
+              <a:t>.prod</a:t>
+            </a:r>
+            <a:br>
+              <a:rPr kumimoji="1" lang="en-US" altLang="ja-JP" sz="1400" dirty="0"/>
+            </a:br>
+            <a:r>
+              <a:rPr kumimoji="1" lang="en-US" altLang="ja-JP" sz="1400" dirty="0"/>
+              <a:t>.parameters</a:t>
+            </a:r>
+            <a:br>
+              <a:rPr kumimoji="1" lang="en-US" altLang="ja-JP" sz="1400" dirty="0"/>
+            </a:br>
+            <a:r>
+              <a:rPr kumimoji="1" lang="en-US" altLang="ja-JP" sz="1400" dirty="0"/>
+              <a:t>.</a:t>
+            </a:r>
+            <a:r>
+              <a:rPr kumimoji="1" lang="en-US" altLang="ja-JP" sz="1400" dirty="0" err="1"/>
+              <a:t>json</a:t>
+            </a:r>
+            <a:endParaRPr kumimoji="1" lang="ja-JP" altLang="en-US" sz="1400" dirty="0"/>
+          </a:p>
+        </p:txBody>
+      </p:sp>
+      <p:sp>
+        <p:nvSpPr>
+          <p:cNvPr id="37" name="矢印: 下 36">
+            <a:extLst>
+              <a:ext uri="{FF2B5EF4-FFF2-40B4-BE49-F238E27FC236}">
+                <a16:creationId xmlns:a16="http://schemas.microsoft.com/office/drawing/2014/main" id="{4E903774-6CB7-0D7C-37C9-DCC30B95D061}"/>
+              </a:ext>
+            </a:extLst>
+          </p:cNvPr>
+          <p:cNvSpPr/>
+          <p:nvPr/>
+        </p:nvSpPr>
+        <p:spPr>
+          <a:xfrm rot="16200000" flipH="1">
+            <a:off x="839552" y="2095809"/>
+            <a:ext cx="696457" cy="1451547"/>
+          </a:xfrm>
+          <a:prstGeom prst="downArrow">
+            <a:avLst/>
+          </a:prstGeom>
+        </p:spPr>
+        <p:style>
+          <a:lnRef idx="2">
+            <a:schemeClr val="accent1">
+              <a:shade val="50000"/>
+            </a:schemeClr>
+          </a:lnRef>
+          <a:fillRef idx="1">
+            <a:schemeClr val="accent1"/>
+          </a:fillRef>
+          <a:effectRef idx="0">
+            <a:schemeClr val="accent1"/>
+          </a:effectRef>
+          <a:fontRef idx="minor">
+            <a:schemeClr val="lt1"/>
+          </a:fontRef>
+        </p:style>
+        <p:txBody>
+          <a:bodyPr rtlCol="0" anchor="ctr"/>
+          <a:lstStyle/>
+          <a:p>
+            <a:pPr algn="ctr"/>
+            <a:endParaRPr kumimoji="1" lang="ja-JP" altLang="en-US"/>
+          </a:p>
+        </p:txBody>
+      </p:sp>
+      <p:sp>
+        <p:nvSpPr>
+          <p:cNvPr id="39" name="テキスト ボックス 38">
+            <a:extLst>
+              <a:ext uri="{FF2B5EF4-FFF2-40B4-BE49-F238E27FC236}">
+                <a16:creationId xmlns:a16="http://schemas.microsoft.com/office/drawing/2014/main" id="{40B034DC-AFDC-A3E2-7DBD-F2E929C795A8}"/>
+              </a:ext>
+            </a:extLst>
+          </p:cNvPr>
+          <p:cNvSpPr txBox="1"/>
+          <p:nvPr/>
+        </p:nvSpPr>
+        <p:spPr>
+          <a:xfrm>
+            <a:off x="246351" y="2357823"/>
+            <a:ext cx="1331365" cy="307777"/>
+          </a:xfrm>
+          <a:prstGeom prst="rect">
+            <a:avLst/>
+          </a:prstGeom>
+          <a:noFill/>
+        </p:spPr>
+        <p:txBody>
+          <a:bodyPr wrap="square" rtlCol="0">
+            <a:spAutoFit/>
+          </a:bodyPr>
+          <a:lstStyle/>
+          <a:p>
+            <a:r>
+              <a:rPr lang="ja-JP" altLang="en-US" sz="1400" dirty="0"/>
+              <a:t>手動で作成</a:t>
+            </a:r>
+            <a:endParaRPr kumimoji="1" lang="ja-JP" altLang="en-US" sz="1400" dirty="0"/>
+          </a:p>
+        </p:txBody>
+      </p:sp>
+    </p:spTree>
+    <p:extLst>
+      <p:ext uri="{BB962C8B-B14F-4D97-AF65-F5344CB8AC3E}">
+        <p14:creationId xmlns:p14="http://schemas.microsoft.com/office/powerpoint/2010/main" val="2824385020"/>
+      </p:ext>
+    </p:extLst>
+  </p:cSld>
+  <p:clrMapOvr>
+    <a:masterClrMapping/>
+  </p:clrMapOvr>
+</p:sld>
+</file>
+
+<file path=ppt/slides/slide9.xml><?xml version="1.0" encoding="utf-8"?>
+<p:sld xmlns:a="http://schemas.openxmlformats.org/drawingml/2006/main" xmlns:r="http://schemas.openxmlformats.org/officeDocument/2006/relationships" xmlns:p="http://schemas.openxmlformats.org/presentationml/2006/main">
+  <p:cSld>
+    <p:spTree>
+      <p:nvGrpSpPr>
+        <p:cNvPr id="1" name=""/>
+        <p:cNvGrpSpPr/>
+        <p:nvPr/>
+      </p:nvGrpSpPr>
+      <p:grpSpPr>
+        <a:xfrm>
+          <a:off x="0" y="0"/>
+          <a:ext cx="0" cy="0"/>
+          <a:chOff x="0" y="0"/>
+          <a:chExt cx="0" cy="0"/>
+        </a:xfrm>
+      </p:grpSpPr>
       <p:pic>
         <p:nvPicPr>
-          <p:cNvPr id="18" name="グラフィックス 17">
-            <a:extLst>
-              <a:ext uri="{FF2B5EF4-FFF2-40B4-BE49-F238E27FC236}">
-                <a16:creationId xmlns:a16="http://schemas.microsoft.com/office/drawing/2014/main" id="{12C1A4F5-1CB4-7368-08B3-31A31B8836AD}"/>
+          <p:cNvPr id="3" name="図 2">
+            <a:extLst>
+              <a:ext uri="{FF2B5EF4-FFF2-40B4-BE49-F238E27FC236}">
+                <a16:creationId xmlns:a16="http://schemas.microsoft.com/office/drawing/2014/main" id="{C07728EF-AC9A-6D68-71BC-90F0FCD925B2}"/>
               </a:ext>
             </a:extLst>
           </p:cNvPr>
@@ -8293,36 +9900,37 @@
           <p:nvPr/>
         </p:nvPicPr>
         <p:blipFill>
-          <a:blip r:embed="rId4">
-            <a:extLst>
-              <a:ext uri="{28A0092B-C50C-407E-A947-70E740481C1C}">
-                <a14:useLocalDpi xmlns:a14="http://schemas.microsoft.com/office/drawing/2010/main" val="0"/>
-              </a:ext>
-              <a:ext uri="{96DAC541-7B7A-43D3-8B79-37D633B846F1}">
-                <asvg:svgBlip xmlns:asvg="http://schemas.microsoft.com/office/drawing/2016/SVG/main" r:embed="rId5"/>
-              </a:ext>
-            </a:extLst>
-          </a:blip>
+          <a:blip r:embed="rId2"/>
           <a:stretch>
             <a:fillRect/>
           </a:stretch>
         </p:blipFill>
         <p:spPr>
           <a:xfrm>
-            <a:off x="9779030" y="2430215"/>
-            <a:ext cx="495321" cy="495321"/>
+            <a:off x="1057984" y="2027885"/>
+            <a:ext cx="10076033" cy="2802229"/>
           </a:xfrm>
           <a:prstGeom prst="rect">
             <a:avLst/>
           </a:prstGeom>
+          <a:ln>
+            <a:noFill/>
+          </a:ln>
+          <a:effectLst>
+            <a:outerShdw blurRad="292100" dist="139700" dir="2700000" algn="tl" rotWithShape="0">
+              <a:srgbClr val="333333">
+                <a:alpha val="65000"/>
+              </a:srgbClr>
+            </a:outerShdw>
+          </a:effectLst>
         </p:spPr>
       </p:pic>
       <p:sp>
         <p:nvSpPr>
-          <p:cNvPr id="26" name="矢印: 右 25">
-            <a:extLst>
-              <a:ext uri="{FF2B5EF4-FFF2-40B4-BE49-F238E27FC236}">
-                <a16:creationId xmlns:a16="http://schemas.microsoft.com/office/drawing/2014/main" id="{CAEF79D1-6CDE-7C9E-7B70-68EC9967E716}"/>
+          <p:cNvPr id="5" name="四角形: 角を丸くする 4">
+            <a:extLst>
+              <a:ext uri="{FF2B5EF4-FFF2-40B4-BE49-F238E27FC236}">
+                <a16:creationId xmlns:a16="http://schemas.microsoft.com/office/drawing/2014/main" id="{B030B72F-1A6A-7613-0433-2B4129EAE49E}"/>
               </a:ext>
             </a:extLst>
           </p:cNvPr>
@@ -8331,95 +9939,48 @@
         </p:nvSpPr>
         <p:spPr>
           <a:xfrm>
-            <a:off x="8477219" y="3969566"/>
-            <a:ext cx="1635811" cy="611386"/>
-          </a:xfrm>
-          <a:prstGeom prst="rightArrow">
-            <a:avLst/>
-          </a:prstGeom>
+            <a:off x="9347127" y="3707966"/>
+            <a:ext cx="1779905" cy="284960"/>
+          </a:xfrm>
+          <a:prstGeom prst="roundRect">
+            <a:avLst/>
+          </a:prstGeom>
+          <a:noFill/>
+          <a:ln w="28575">
+            <a:solidFill>
+              <a:srgbClr val="FF0000"/>
+            </a:solidFill>
+          </a:ln>
         </p:spPr>
         <p:style>
-          <a:lnRef idx="1">
-            <a:schemeClr val="accent2"/>
+          <a:lnRef idx="2">
+            <a:schemeClr val="accent1">
+              <a:shade val="50000"/>
+            </a:schemeClr>
           </a:lnRef>
-          <a:fillRef idx="3">
-            <a:schemeClr val="accent2"/>
+          <a:fillRef idx="1">
+            <a:schemeClr val="accent1"/>
           </a:fillRef>
-          <a:effectRef idx="2">
-            <a:schemeClr val="accent2"/>
+          <a:effectRef idx="0">
+            <a:schemeClr val="accent1"/>
           </a:effectRef>
           <a:fontRef idx="minor">
             <a:schemeClr val="lt1"/>
           </a:fontRef>
         </p:style>
         <p:txBody>
-          <a:bodyPr wrap="square" rtlCol="0" anchor="ctr">
-            <a:spAutoFit/>
-          </a:bodyPr>
+          <a:bodyPr rtlCol="0" anchor="ctr"/>
           <a:lstStyle/>
           <a:p>
             <a:pPr algn="ctr"/>
-            <a:r>
-              <a:rPr lang="ja-JP" altLang="en-US" sz="1400" dirty="0"/>
-              <a:t>ファイル指定</a:t>
-            </a:r>
-          </a:p>
-        </p:txBody>
-      </p:sp>
-      <p:sp>
-        <p:nvSpPr>
-          <p:cNvPr id="28" name="矢印: 右 27">
-            <a:extLst>
-              <a:ext uri="{FF2B5EF4-FFF2-40B4-BE49-F238E27FC236}">
-                <a16:creationId xmlns:a16="http://schemas.microsoft.com/office/drawing/2014/main" id="{0EBF7FBE-A6A2-C781-8A7A-2E59DFFD8CE5}"/>
-              </a:ext>
-            </a:extLst>
-          </p:cNvPr>
-          <p:cNvSpPr/>
-          <p:nvPr/>
-        </p:nvSpPr>
-        <p:spPr>
-          <a:xfrm>
-            <a:off x="8520389" y="2799013"/>
-            <a:ext cx="1635811" cy="611386"/>
-          </a:xfrm>
-          <a:prstGeom prst="rightArrow">
-            <a:avLst/>
-          </a:prstGeom>
-        </p:spPr>
-        <p:style>
-          <a:lnRef idx="1">
-            <a:schemeClr val="accent2"/>
-          </a:lnRef>
-          <a:fillRef idx="3">
-            <a:schemeClr val="accent2"/>
-          </a:fillRef>
-          <a:effectRef idx="2">
-            <a:schemeClr val="accent2"/>
-          </a:effectRef>
-          <a:fontRef idx="minor">
-            <a:schemeClr val="lt1"/>
-          </a:fontRef>
-        </p:style>
-        <p:txBody>
-          <a:bodyPr wrap="square" rtlCol="0" anchor="ctr">
-            <a:spAutoFit/>
-          </a:bodyPr>
-          <a:lstStyle/>
-          <a:p>
-            <a:pPr algn="ctr"/>
-            <a:r>
-              <a:rPr lang="en-US" altLang="ja-JP" sz="1400" dirty="0"/>
-              <a:t>Federation</a:t>
-            </a:r>
-            <a:endParaRPr lang="ja-JP" altLang="en-US" sz="1400" dirty="0"/>
+            <a:endParaRPr kumimoji="1" lang="ja-JP" altLang="en-US" dirty="0"/>
           </a:p>
         </p:txBody>
       </p:sp>
     </p:spTree>
     <p:extLst>
       <p:ext uri="{BB962C8B-B14F-4D97-AF65-F5344CB8AC3E}">
-        <p14:creationId xmlns:p14="http://schemas.microsoft.com/office/powerpoint/2010/main" val="1128214560"/>
+        <p14:creationId xmlns:p14="http://schemas.microsoft.com/office/powerpoint/2010/main" val="4122791472"/>
       </p:ext>
     </p:extLst>
   </p:cSld>
@@ -8722,4 +10283,305 @@
     </a:ext>
   </a:extLst>
 </a:theme>
+</file>
+
+<file path=ppt/theme/theme2.xml><?xml version="1.0" encoding="utf-8"?>
+<a:theme xmlns:a="http://schemas.openxmlformats.org/drawingml/2006/main" name="Office テーマ">
+  <a:themeElements>
+    <a:clrScheme name="Office">
+      <a:dk1>
+        <a:sysClr val="windowText" lastClr="000000"/>
+      </a:dk1>
+      <a:lt1>
+        <a:sysClr val="window" lastClr="FFFFFF"/>
+      </a:lt1>
+      <a:dk2>
+        <a:srgbClr val="44546A"/>
+      </a:dk2>
+      <a:lt2>
+        <a:srgbClr val="E7E6E6"/>
+      </a:lt2>
+      <a:accent1>
+        <a:srgbClr val="4472C4"/>
+      </a:accent1>
+      <a:accent2>
+        <a:srgbClr val="ED7D31"/>
+      </a:accent2>
+      <a:accent3>
+        <a:srgbClr val="A5A5A5"/>
+      </a:accent3>
+      <a:accent4>
+        <a:srgbClr val="FFC000"/>
+      </a:accent4>
+      <a:accent5>
+        <a:srgbClr val="5B9BD5"/>
+      </a:accent5>
+      <a:accent6>
+        <a:srgbClr val="70AD47"/>
+      </a:accent6>
+      <a:hlink>
+        <a:srgbClr val="0563C1"/>
+      </a:hlink>
+      <a:folHlink>
+        <a:srgbClr val="954F72"/>
+      </a:folHlink>
+    </a:clrScheme>
+    <a:fontScheme name="Office">
+      <a:majorFont>
+        <a:latin typeface="游ゴシック Light" panose="020F0302020204030204"/>
+        <a:ea typeface=""/>
+        <a:cs typeface=""/>
+        <a:font script="Jpan" typeface="游ゴシック Light"/>
+        <a:font script="Hang" typeface="맑은 고딕"/>
+        <a:font script="Hans" typeface="等线 Light"/>
+        <a:font script="Hant" typeface="新細明體"/>
+        <a:font script="Arab" typeface="Times New Roman"/>
+        <a:font script="Hebr" typeface="Times New Roman"/>
+        <a:font script="Thai" typeface="Angsana New"/>
+        <a:font script="Ethi" typeface="Nyala"/>
+        <a:font script="Beng" typeface="Vrinda"/>
+        <a:font script="Gujr" typeface="Shruti"/>
+        <a:font script="Khmr" typeface="MoolBoran"/>
+        <a:font script="Knda" typeface="Tunga"/>
+        <a:font script="Guru" typeface="Raavi"/>
+        <a:font script="Cans" typeface="Euphemia"/>
+        <a:font script="Cher" typeface="Plantagenet Cherokee"/>
+        <a:font script="Yiii" typeface="Microsoft Yi Baiti"/>
+        <a:font script="Tibt" typeface="Microsoft Himalaya"/>
+        <a:font script="Thaa" typeface="MV Boli"/>
+        <a:font script="Deva" typeface="Mangal"/>
+        <a:font script="Telu" typeface="Gautami"/>
+        <a:font script="Taml" typeface="Latha"/>
+        <a:font script="Syrc" typeface="Estrangelo Edessa"/>
+        <a:font script="Orya" typeface="Kalinga"/>
+        <a:font script="Mlym" typeface="Kartika"/>
+        <a:font script="Laoo" typeface="DokChampa"/>
+        <a:font script="Sinh" typeface="Iskoola Pota"/>
+        <a:font script="Mong" typeface="Mongolian Baiti"/>
+        <a:font script="Viet" typeface="Times New Roman"/>
+        <a:font script="Uigh" typeface="Microsoft Uighur"/>
+        <a:font script="Geor" typeface="Sylfaen"/>
+        <a:font script="Armn" typeface="Arial"/>
+        <a:font script="Bugi" typeface="Leelawadee UI"/>
+        <a:font script="Bopo" typeface="Microsoft JhengHei"/>
+        <a:font script="Java" typeface="Javanese Text"/>
+        <a:font script="Lisu" typeface="Segoe UI"/>
+        <a:font script="Mymr" typeface="Myanmar Text"/>
+        <a:font script="Nkoo" typeface="Ebrima"/>
+        <a:font script="Olck" typeface="Nirmala UI"/>
+        <a:font script="Osma" typeface="Ebrima"/>
+        <a:font script="Phag" typeface="Phagspa"/>
+        <a:font script="Syrn" typeface="Estrangelo Edessa"/>
+        <a:font script="Syrj" typeface="Estrangelo Edessa"/>
+        <a:font script="Syre" typeface="Estrangelo Edessa"/>
+        <a:font script="Sora" typeface="Nirmala UI"/>
+        <a:font script="Tale" typeface="Microsoft Tai Le"/>
+        <a:font script="Talu" typeface="Microsoft New Tai Lue"/>
+        <a:font script="Tfng" typeface="Ebrima"/>
+      </a:majorFont>
+      <a:minorFont>
+        <a:latin typeface="游ゴシック" panose="020F0502020204030204"/>
+        <a:ea typeface=""/>
+        <a:cs typeface=""/>
+        <a:font script="Jpan" typeface="游ゴシック"/>
+        <a:font script="Hang" typeface="맑은 고딕"/>
+        <a:font script="Hans" typeface="等线"/>
+        <a:font script="Hant" typeface="新細明體"/>
+        <a:font script="Arab" typeface="Arial"/>
+        <a:font script="Hebr" typeface="Arial"/>
+        <a:font script="Thai" typeface="Cordia New"/>
+        <a:font script="Ethi" typeface="Nyala"/>
+        <a:font script="Beng" typeface="Vrinda"/>
+        <a:font script="Gujr" typeface="Shruti"/>
+        <a:font script="Khmr" typeface="DaunPenh"/>
+        <a:font script="Knda" typeface="Tunga"/>
+        <a:font script="Guru" typeface="Raavi"/>
+        <a:font script="Cans" typeface="Euphemia"/>
+        <a:font script="Cher" typeface="Plantagenet Cherokee"/>
+        <a:font script="Yiii" typeface="Microsoft Yi Baiti"/>
+        <a:font script="Tibt" typeface="Microsoft Himalaya"/>
+        <a:font script="Thaa" typeface="MV Boli"/>
+        <a:font script="Deva" typeface="Mangal"/>
+        <a:font script="Telu" typeface="Gautami"/>
+        <a:font script="Taml" typeface="Latha"/>
+        <a:font script="Syrc" typeface="Estrangelo Edessa"/>
+        <a:font script="Orya" typeface="Kalinga"/>
+        <a:font script="Mlym" typeface="Kartika"/>
+        <a:font script="Laoo" typeface="DokChampa"/>
+        <a:font script="Sinh" typeface="Iskoola Pota"/>
+        <a:font script="Mong" typeface="Mongolian Baiti"/>
+        <a:font script="Viet" typeface="Arial"/>
+        <a:font script="Uigh" typeface="Microsoft Uighur"/>
+        <a:font script="Geor" typeface="Sylfaen"/>
+        <a:font script="Armn" typeface="Arial"/>
+        <a:font script="Bugi" typeface="Leelawadee UI"/>
+        <a:font script="Bopo" typeface="Microsoft JhengHei"/>
+        <a:font script="Java" typeface="Javanese Text"/>
+        <a:font script="Lisu" typeface="Segoe UI"/>
+        <a:font script="Mymr" typeface="Myanmar Text"/>
+        <a:font script="Nkoo" typeface="Ebrima"/>
+        <a:font script="Olck" typeface="Nirmala UI"/>
+        <a:font script="Osma" typeface="Ebrima"/>
+        <a:font script="Phag" typeface="Phagspa"/>
+        <a:font script="Syrn" typeface="Estrangelo Edessa"/>
+        <a:font script="Syrj" typeface="Estrangelo Edessa"/>
+        <a:font script="Syre" typeface="Estrangelo Edessa"/>
+        <a:font script="Sora" typeface="Nirmala UI"/>
+        <a:font script="Tale" typeface="Microsoft Tai Le"/>
+        <a:font script="Talu" typeface="Microsoft New Tai Lue"/>
+        <a:font script="Tfng" typeface="Ebrima"/>
+      </a:minorFont>
+    </a:fontScheme>
+    <a:fmtScheme name="Office">
+      <a:fillStyleLst>
+        <a:solidFill>
+          <a:schemeClr val="phClr"/>
+        </a:solidFill>
+        <a:gradFill rotWithShape="1">
+          <a:gsLst>
+            <a:gs pos="0">
+              <a:schemeClr val="phClr">
+                <a:lumMod val="110000"/>
+                <a:satMod val="105000"/>
+                <a:tint val="67000"/>
+              </a:schemeClr>
+            </a:gs>
+            <a:gs pos="50000">
+              <a:schemeClr val="phClr">
+                <a:lumMod val="105000"/>
+                <a:satMod val="103000"/>
+                <a:tint val="73000"/>
+              </a:schemeClr>
+            </a:gs>
+            <a:gs pos="100000">
+              <a:schemeClr val="phClr">
+                <a:lumMod val="105000"/>
+                <a:satMod val="109000"/>
+                <a:tint val="81000"/>
+              </a:schemeClr>
+            </a:gs>
+          </a:gsLst>
+          <a:lin ang="5400000" scaled="0"/>
+        </a:gradFill>
+        <a:gradFill rotWithShape="1">
+          <a:gsLst>
+            <a:gs pos="0">
+              <a:schemeClr val="phClr">
+                <a:satMod val="103000"/>
+                <a:lumMod val="102000"/>
+                <a:tint val="94000"/>
+              </a:schemeClr>
+            </a:gs>
+            <a:gs pos="50000">
+              <a:schemeClr val="phClr">
+                <a:satMod val="110000"/>
+                <a:lumMod val="100000"/>
+                <a:shade val="100000"/>
+              </a:schemeClr>
+            </a:gs>
+            <a:gs pos="100000">
+              <a:schemeClr val="phClr">
+                <a:lumMod val="99000"/>
+                <a:satMod val="120000"/>
+                <a:shade val="78000"/>
+              </a:schemeClr>
+            </a:gs>
+          </a:gsLst>
+          <a:lin ang="5400000" scaled="0"/>
+        </a:gradFill>
+      </a:fillStyleLst>
+      <a:lnStyleLst>
+        <a:ln w="6350" cap="flat" cmpd="sng" algn="ctr">
+          <a:solidFill>
+            <a:schemeClr val="phClr"/>
+          </a:solidFill>
+          <a:prstDash val="solid"/>
+          <a:miter lim="800000"/>
+        </a:ln>
+        <a:ln w="12700" cap="flat" cmpd="sng" algn="ctr">
+          <a:solidFill>
+            <a:schemeClr val="phClr"/>
+          </a:solidFill>
+          <a:prstDash val="solid"/>
+          <a:miter lim="800000"/>
+        </a:ln>
+        <a:ln w="19050" cap="flat" cmpd="sng" algn="ctr">
+          <a:solidFill>
+            <a:schemeClr val="phClr"/>
+          </a:solidFill>
+          <a:prstDash val="solid"/>
+          <a:miter lim="800000"/>
+        </a:ln>
+      </a:lnStyleLst>
+      <a:effectStyleLst>
+        <a:effectStyle>
+          <a:effectLst/>
+        </a:effectStyle>
+        <a:effectStyle>
+          <a:effectLst/>
+        </a:effectStyle>
+        <a:effectStyle>
+          <a:effectLst>
+            <a:outerShdw blurRad="57150" dist="19050" dir="5400000" algn="ctr" rotWithShape="0">
+              <a:srgbClr val="000000">
+                <a:alpha val="63000"/>
+              </a:srgbClr>
+            </a:outerShdw>
+          </a:effectLst>
+        </a:effectStyle>
+      </a:effectStyleLst>
+      <a:bgFillStyleLst>
+        <a:solidFill>
+          <a:schemeClr val="phClr"/>
+        </a:solidFill>
+        <a:solidFill>
+          <a:schemeClr val="phClr">
+            <a:tint val="95000"/>
+            <a:satMod val="170000"/>
+          </a:schemeClr>
+        </a:solidFill>
+        <a:gradFill rotWithShape="1">
+          <a:gsLst>
+            <a:gs pos="0">
+              <a:schemeClr val="phClr">
+                <a:tint val="93000"/>
+                <a:satMod val="150000"/>
+                <a:shade val="98000"/>
+                <a:lumMod val="102000"/>
+              </a:schemeClr>
+            </a:gs>
+            <a:gs pos="50000">
+              <a:schemeClr val="phClr">
+                <a:tint val="98000"/>
+                <a:satMod val="130000"/>
+                <a:shade val="90000"/>
+                <a:lumMod val="103000"/>
+              </a:schemeClr>
+            </a:gs>
+            <a:gs pos="100000">
+              <a:schemeClr val="phClr">
+                <a:shade val="63000"/>
+                <a:satMod val="120000"/>
+              </a:schemeClr>
+            </a:gs>
+          </a:gsLst>
+          <a:lin ang="5400000" scaled="0"/>
+        </a:gradFill>
+      </a:bgFillStyleLst>
+    </a:fmtScheme>
+  </a:themeElements>
+  <a:objectDefaults/>
+  <a:extraClrSchemeLst/>
+  <a:extLst>
+    <a:ext uri="{05A4C25C-085E-4340-85A3-A5531E510DB2}">
+      <thm15:themeFamily xmlns:thm15="http://schemas.microsoft.com/office/thememl/2012/main" name="Office Theme" id="{62F939B6-93AF-4DB8-9C6B-D6C7DFDC589F}" vid="{4A3C46E8-61CC-4603-A589-7422A47A8E4A}"/>
+    </a:ext>
+  </a:extLst>
+</a:theme>
+</file>
+
+<file path=docMetadata/LabelInfo.xml><?xml version="1.0" encoding="utf-8"?>
+<clbl:labelList xmlns:clbl="http://schemas.microsoft.com/office/2020/mipLabelMetadata">
+  <clbl:label id="{f42aa342-8706-4288-bd11-ebb85995028c}" enabled="1" method="Standard" siteId="{72f988bf-86f1-41af-91ab-2d7cd011db47}" contentBits="0" removed="0"/>
+</clbl:labelList>
 </file>
--- a/images/figures.pptx
+++ b/images/figures.pptx
@@ -5,7 +5,7 @@
     <p:sldMasterId id="2147483648" r:id="rId1"/>
   </p:sldMasterIdLst>
   <p:notesMasterIdLst>
-    <p:notesMasterId r:id="rId15"/>
+    <p:notesMasterId r:id="rId18"/>
   </p:notesMasterIdLst>
   <p:sldIdLst>
     <p:sldId id="262" r:id="rId2"/>
@@ -21,6 +21,9 @@
     <p:sldId id="259" r:id="rId12"/>
     <p:sldId id="260" r:id="rId13"/>
     <p:sldId id="261" r:id="rId14"/>
+    <p:sldId id="269" r:id="rId15"/>
+    <p:sldId id="270" r:id="rId16"/>
+    <p:sldId id="271" r:id="rId17"/>
   </p:sldIdLst>
   <p:sldSz cx="12192000" cy="6858000"/>
   <p:notesSz cx="6858000" cy="9144000"/>
@@ -7573,6 +7576,256 @@
 </p:sld>
 </file>
 
+<file path=ppt/slides/slide14.xml><?xml version="1.0" encoding="utf-8"?>
+<p:sld xmlns:a="http://schemas.openxmlformats.org/drawingml/2006/main" xmlns:r="http://schemas.openxmlformats.org/officeDocument/2006/relationships" xmlns:p="http://schemas.openxmlformats.org/presentationml/2006/main">
+  <p:cSld>
+    <p:spTree>
+      <p:nvGrpSpPr>
+        <p:cNvPr id="1" name=""/>
+        <p:cNvGrpSpPr/>
+        <p:nvPr/>
+      </p:nvGrpSpPr>
+      <p:grpSpPr>
+        <a:xfrm>
+          <a:off x="0" y="0"/>
+          <a:ext cx="0" cy="0"/>
+          <a:chOff x="0" y="0"/>
+          <a:chExt cx="0" cy="0"/>
+        </a:xfrm>
+      </p:grpSpPr>
+      <p:pic>
+        <p:nvPicPr>
+          <p:cNvPr id="9" name="図 8">
+            <a:extLst>
+              <a:ext uri="{FF2B5EF4-FFF2-40B4-BE49-F238E27FC236}">
+                <a16:creationId xmlns:a16="http://schemas.microsoft.com/office/drawing/2014/main" id="{1870EF84-519F-A1FB-7474-66650E6B6F0C}"/>
+              </a:ext>
+            </a:extLst>
+          </p:cNvPr>
+          <p:cNvPicPr>
+            <a:picLocks noChangeAspect="1"/>
+          </p:cNvPicPr>
+          <p:nvPr/>
+        </p:nvPicPr>
+        <p:blipFill>
+          <a:blip r:embed="rId2"/>
+          <a:stretch>
+            <a:fillRect/>
+          </a:stretch>
+        </p:blipFill>
+        <p:spPr>
+          <a:xfrm>
+            <a:off x="420850" y="1225493"/>
+            <a:ext cx="5567964" cy="4684105"/>
+          </a:xfrm>
+          <a:prstGeom prst="rect">
+            <a:avLst/>
+          </a:prstGeom>
+          <a:ln>
+            <a:noFill/>
+          </a:ln>
+          <a:effectLst>
+            <a:outerShdw blurRad="292100" dist="139700" dir="2700000" algn="tl" rotWithShape="0">
+              <a:srgbClr val="333333">
+                <a:alpha val="65000"/>
+              </a:srgbClr>
+            </a:outerShdw>
+          </a:effectLst>
+        </p:spPr>
+      </p:pic>
+      <p:pic>
+        <p:nvPicPr>
+          <p:cNvPr id="11" name="図 10">
+            <a:extLst>
+              <a:ext uri="{FF2B5EF4-FFF2-40B4-BE49-F238E27FC236}">
+                <a16:creationId xmlns:a16="http://schemas.microsoft.com/office/drawing/2014/main" id="{FDD8FD92-05E9-16FE-1412-CA388735290B}"/>
+              </a:ext>
+            </a:extLst>
+          </p:cNvPr>
+          <p:cNvPicPr>
+            <a:picLocks noChangeAspect="1"/>
+          </p:cNvPicPr>
+          <p:nvPr/>
+        </p:nvPicPr>
+        <p:blipFill>
+          <a:blip r:embed="rId3"/>
+          <a:stretch>
+            <a:fillRect/>
+          </a:stretch>
+        </p:blipFill>
+        <p:spPr>
+          <a:xfrm>
+            <a:off x="6396606" y="1225493"/>
+            <a:ext cx="7334474" cy="4606275"/>
+          </a:xfrm>
+          <a:prstGeom prst="rect">
+            <a:avLst/>
+          </a:prstGeom>
+          <a:ln>
+            <a:noFill/>
+          </a:ln>
+          <a:effectLst>
+            <a:outerShdw blurRad="292100" dist="139700" dir="2700000" algn="tl" rotWithShape="0">
+              <a:srgbClr val="333333">
+                <a:alpha val="65000"/>
+              </a:srgbClr>
+            </a:outerShdw>
+          </a:effectLst>
+        </p:spPr>
+      </p:pic>
+    </p:spTree>
+    <p:extLst>
+      <p:ext uri="{BB962C8B-B14F-4D97-AF65-F5344CB8AC3E}">
+        <p14:creationId xmlns:p14="http://schemas.microsoft.com/office/powerpoint/2010/main" val="2275562530"/>
+      </p:ext>
+    </p:extLst>
+  </p:cSld>
+  <p:clrMapOvr>
+    <a:masterClrMapping/>
+  </p:clrMapOvr>
+</p:sld>
+</file>
+
+<file path=ppt/slides/slide15.xml><?xml version="1.0" encoding="utf-8"?>
+<p:sld xmlns:a="http://schemas.openxmlformats.org/drawingml/2006/main" xmlns:r="http://schemas.openxmlformats.org/officeDocument/2006/relationships" xmlns:p="http://schemas.openxmlformats.org/presentationml/2006/main">
+  <p:cSld>
+    <p:spTree>
+      <p:nvGrpSpPr>
+        <p:cNvPr id="1" name=""/>
+        <p:cNvGrpSpPr/>
+        <p:nvPr/>
+      </p:nvGrpSpPr>
+      <p:grpSpPr>
+        <a:xfrm>
+          <a:off x="0" y="0"/>
+          <a:ext cx="0" cy="0"/>
+          <a:chOff x="0" y="0"/>
+          <a:chExt cx="0" cy="0"/>
+        </a:xfrm>
+      </p:grpSpPr>
+      <p:pic>
+        <p:nvPicPr>
+          <p:cNvPr id="3" name="図 2">
+            <a:extLst>
+              <a:ext uri="{FF2B5EF4-FFF2-40B4-BE49-F238E27FC236}">
+                <a16:creationId xmlns:a16="http://schemas.microsoft.com/office/drawing/2014/main" id="{089B1081-64EE-5131-9A55-8566F7CC6FE0}"/>
+              </a:ext>
+            </a:extLst>
+          </p:cNvPr>
+          <p:cNvPicPr>
+            <a:picLocks noChangeAspect="1"/>
+          </p:cNvPicPr>
+          <p:nvPr/>
+        </p:nvPicPr>
+        <p:blipFill>
+          <a:blip r:embed="rId2"/>
+          <a:stretch>
+            <a:fillRect/>
+          </a:stretch>
+        </p:blipFill>
+        <p:spPr>
+          <a:xfrm>
+            <a:off x="0" y="1877946"/>
+            <a:ext cx="12192000" cy="3102107"/>
+          </a:xfrm>
+          <a:prstGeom prst="rect">
+            <a:avLst/>
+          </a:prstGeom>
+          <a:ln>
+            <a:noFill/>
+          </a:ln>
+          <a:effectLst>
+            <a:outerShdw blurRad="292100" dist="139700" dir="2700000" algn="tl" rotWithShape="0">
+              <a:srgbClr val="333333">
+                <a:alpha val="65000"/>
+              </a:srgbClr>
+            </a:outerShdw>
+          </a:effectLst>
+        </p:spPr>
+      </p:pic>
+    </p:spTree>
+    <p:extLst>
+      <p:ext uri="{BB962C8B-B14F-4D97-AF65-F5344CB8AC3E}">
+        <p14:creationId xmlns:p14="http://schemas.microsoft.com/office/powerpoint/2010/main" val="3219147824"/>
+      </p:ext>
+    </p:extLst>
+  </p:cSld>
+  <p:clrMapOvr>
+    <a:masterClrMapping/>
+  </p:clrMapOvr>
+</p:sld>
+</file>
+
+<file path=ppt/slides/slide16.xml><?xml version="1.0" encoding="utf-8"?>
+<p:sld xmlns:a="http://schemas.openxmlformats.org/drawingml/2006/main" xmlns:r="http://schemas.openxmlformats.org/officeDocument/2006/relationships" xmlns:p="http://schemas.openxmlformats.org/presentationml/2006/main">
+  <p:cSld>
+    <p:spTree>
+      <p:nvGrpSpPr>
+        <p:cNvPr id="1" name=""/>
+        <p:cNvGrpSpPr/>
+        <p:nvPr/>
+      </p:nvGrpSpPr>
+      <p:grpSpPr>
+        <a:xfrm>
+          <a:off x="0" y="0"/>
+          <a:ext cx="0" cy="0"/>
+          <a:chOff x="0" y="0"/>
+          <a:chExt cx="0" cy="0"/>
+        </a:xfrm>
+      </p:grpSpPr>
+      <p:pic>
+        <p:nvPicPr>
+          <p:cNvPr id="11" name="図 10">
+            <a:extLst>
+              <a:ext uri="{FF2B5EF4-FFF2-40B4-BE49-F238E27FC236}">
+                <a16:creationId xmlns:a16="http://schemas.microsoft.com/office/drawing/2014/main" id="{FF5BAC14-C8AF-C0AF-8AC3-27446E016208}"/>
+              </a:ext>
+            </a:extLst>
+          </p:cNvPr>
+          <p:cNvPicPr>
+            <a:picLocks noChangeAspect="1"/>
+          </p:cNvPicPr>
+          <p:nvPr/>
+        </p:nvPicPr>
+        <p:blipFill>
+          <a:blip r:embed="rId2"/>
+          <a:stretch>
+            <a:fillRect/>
+          </a:stretch>
+        </p:blipFill>
+        <p:spPr>
+          <a:xfrm>
+            <a:off x="418402" y="1737660"/>
+            <a:ext cx="6097395" cy="3627608"/>
+          </a:xfrm>
+          <a:prstGeom prst="rect">
+            <a:avLst/>
+          </a:prstGeom>
+          <a:ln>
+            <a:noFill/>
+          </a:ln>
+          <a:effectLst>
+            <a:outerShdw blurRad="292100" dist="139700" dir="2700000" algn="tl" rotWithShape="0">
+              <a:srgbClr val="333333">
+                <a:alpha val="65000"/>
+              </a:srgbClr>
+            </a:outerShdw>
+          </a:effectLst>
+        </p:spPr>
+      </p:pic>
+    </p:spTree>
+    <p:extLst>
+      <p:ext uri="{BB962C8B-B14F-4D97-AF65-F5344CB8AC3E}">
+        <p14:creationId xmlns:p14="http://schemas.microsoft.com/office/powerpoint/2010/main" val="4287433777"/>
+      </p:ext>
+    </p:extLst>
+  </p:cSld>
+  <p:clrMapOvr>
+    <a:masterClrMapping/>
+  </p:clrMapOvr>
+</p:sld>
+</file>
+
 <file path=ppt/slides/slide2.xml><?xml version="1.0" encoding="utf-8"?>
 <p:sld xmlns:a="http://schemas.openxmlformats.org/drawingml/2006/main" xmlns:r="http://schemas.openxmlformats.org/officeDocument/2006/relationships" xmlns:p="http://schemas.openxmlformats.org/presentationml/2006/main">
   <p:cSld>
@@ -8220,8 +8473,8 @@
           </a:extLst>
         </p:spPr>
       </p:pic>
-      <mc:AlternateContent xmlns:mc="http://schemas.openxmlformats.org/markup-compatibility/2006">
-        <mc:Choice xmlns:p14="http://schemas.microsoft.com/office/powerpoint/2010/main" Requires="p14">
+      <mc:AlternateContent xmlns:mc="http://schemas.openxmlformats.org/markup-compatibility/2006" xmlns:p14="http://schemas.microsoft.com/office/powerpoint/2010/main">
+        <mc:Choice Requires="p14">
           <p:contentPart p14:bwMode="auto" r:id="rId3">
             <p14:nvContentPartPr>
               <p14:cNvPr id="18" name="インク 17">
@@ -8240,7 +8493,7 @@
             </p14:xfrm>
           </p:contentPart>
         </mc:Choice>
-        <mc:Fallback>
+        <mc:Fallback xmlns="">
           <p:pic>
             <p:nvPicPr>
               <p:cNvPr id="18" name="インク 17">
@@ -8271,8 +8524,8 @@
           </p:pic>
         </mc:Fallback>
       </mc:AlternateContent>
-      <mc:AlternateContent xmlns:mc="http://schemas.openxmlformats.org/markup-compatibility/2006">
-        <mc:Choice xmlns:p14="http://schemas.microsoft.com/office/powerpoint/2010/main" Requires="p14">
+      <mc:AlternateContent xmlns:mc="http://schemas.openxmlformats.org/markup-compatibility/2006" xmlns:p14="http://schemas.microsoft.com/office/powerpoint/2010/main">
+        <mc:Choice Requires="p14">
           <p:contentPart p14:bwMode="auto" r:id="rId5">
             <p14:nvContentPartPr>
               <p14:cNvPr id="19" name="インク 18">
@@ -8291,7 +8544,7 @@
             </p14:xfrm>
           </p:contentPart>
         </mc:Choice>
-        <mc:Fallback>
+        <mc:Fallback xmlns="">
           <p:pic>
             <p:nvPicPr>
               <p:cNvPr id="19" name="インク 18">

--- a/images/figures.pptx
+++ b/images/figures.pptx
@@ -7775,10 +7775,10 @@
       </p:grpSpPr>
       <p:pic>
         <p:nvPicPr>
-          <p:cNvPr id="11" name="図 10">
-            <a:extLst>
-              <a:ext uri="{FF2B5EF4-FFF2-40B4-BE49-F238E27FC236}">
-                <a16:creationId xmlns:a16="http://schemas.microsoft.com/office/drawing/2014/main" id="{FF5BAC14-C8AF-C0AF-8AC3-27446E016208}"/>
+          <p:cNvPr id="13" name="図 12">
+            <a:extLst>
+              <a:ext uri="{FF2B5EF4-FFF2-40B4-BE49-F238E27FC236}">
+                <a16:creationId xmlns:a16="http://schemas.microsoft.com/office/drawing/2014/main" id="{394A07BC-2D39-7B4E-72BB-275C3181C369}"/>
               </a:ext>
             </a:extLst>
           </p:cNvPr>
@@ -7795,8 +7795,48 @@
         </p:blipFill>
         <p:spPr>
           <a:xfrm>
-            <a:off x="418402" y="1737660"/>
-            <a:ext cx="6097395" cy="3627608"/>
+            <a:off x="0" y="1669381"/>
+            <a:ext cx="4960819" cy="3519237"/>
+          </a:xfrm>
+          <a:prstGeom prst="rect">
+            <a:avLst/>
+          </a:prstGeom>
+          <a:ln>
+            <a:noFill/>
+          </a:ln>
+          <a:effectLst>
+            <a:outerShdw blurRad="292100" dist="139700" dir="2700000" algn="tl" rotWithShape="0">
+              <a:srgbClr val="333333">
+                <a:alpha val="65000"/>
+              </a:srgbClr>
+            </a:outerShdw>
+          </a:effectLst>
+        </p:spPr>
+      </p:pic>
+      <p:pic>
+        <p:nvPicPr>
+          <p:cNvPr id="19" name="図 18">
+            <a:extLst>
+              <a:ext uri="{FF2B5EF4-FFF2-40B4-BE49-F238E27FC236}">
+                <a16:creationId xmlns:a16="http://schemas.microsoft.com/office/drawing/2014/main" id="{8CB21851-9A7F-885D-3EE2-5F998B1DCB13}"/>
+              </a:ext>
+            </a:extLst>
+          </p:cNvPr>
+          <p:cNvPicPr>
+            <a:picLocks noChangeAspect="1"/>
+          </p:cNvPicPr>
+          <p:nvPr/>
+        </p:nvPicPr>
+        <p:blipFill>
+          <a:blip r:embed="rId3"/>
+          <a:stretch>
+            <a:fillRect/>
+          </a:stretch>
+        </p:blipFill>
+        <p:spPr>
+          <a:xfrm>
+            <a:off x="5257663" y="1669381"/>
+            <a:ext cx="8175445" cy="2353260"/>
           </a:xfrm>
           <a:prstGeom prst="rect">
             <a:avLst/>
